--- a/docs/slides/lesson_02.pptx
+++ b/docs/slides/lesson_02.pptx
@@ -268,7 +268,7 @@
           <a:p>
             <a:fld id="{9B5B52BA-3295-0343-9E28-A260A811DD10}" type="datetimeFigureOut">
               <a:rPr lang="en-US" smtClean="0"/>
-              <a:t>04-Dec-18</a:t>
+              <a:t>12/26/18</a:t>
             </a:fld>
             <a:endParaRPr lang="en-US"/>
           </a:p>
@@ -751,7 +751,7 @@
           <a:p>
             <a:fld id="{04F1D4A2-813C-F741-B481-C92B3A596030}" type="datetimeFigureOut">
               <a:rPr lang="en-US" smtClean="0"/>
-              <a:t>04-Dec-18</a:t>
+              <a:t>12/26/18</a:t>
             </a:fld>
             <a:endParaRPr lang="en-US"/>
           </a:p>
@@ -921,7 +921,7 @@
           <a:p>
             <a:fld id="{04F1D4A2-813C-F741-B481-C92B3A596030}" type="datetimeFigureOut">
               <a:rPr lang="en-US" smtClean="0"/>
-              <a:t>04-Dec-18</a:t>
+              <a:t>12/26/18</a:t>
             </a:fld>
             <a:endParaRPr lang="en-US"/>
           </a:p>
@@ -1101,7 +1101,7 @@
           <a:p>
             <a:fld id="{04F1D4A2-813C-F741-B481-C92B3A596030}" type="datetimeFigureOut">
               <a:rPr lang="en-US" smtClean="0"/>
-              <a:t>04-Dec-18</a:t>
+              <a:t>12/26/18</a:t>
             </a:fld>
             <a:endParaRPr lang="en-US"/>
           </a:p>
@@ -1282,7 +1282,7 @@
           <a:p>
             <a:fld id="{04F1D4A2-813C-F741-B481-C92B3A596030}" type="datetimeFigureOut">
               <a:rPr lang="en-US" smtClean="0"/>
-              <a:t>04-Dec-18</a:t>
+              <a:t>12/26/18</a:t>
             </a:fld>
             <a:endParaRPr lang="en-US"/>
           </a:p>
@@ -1528,7 +1528,7 @@
           <a:p>
             <a:fld id="{04F1D4A2-813C-F741-B481-C92B3A596030}" type="datetimeFigureOut">
               <a:rPr lang="en-US" smtClean="0"/>
-              <a:t>04-Dec-18</a:t>
+              <a:t>12/26/18</a:t>
             </a:fld>
             <a:endParaRPr lang="en-US"/>
           </a:p>
@@ -1760,7 +1760,7 @@
           <a:p>
             <a:fld id="{04F1D4A2-813C-F741-B481-C92B3A596030}" type="datetimeFigureOut">
               <a:rPr lang="en-US" smtClean="0"/>
-              <a:t>04-Dec-18</a:t>
+              <a:t>12/26/18</a:t>
             </a:fld>
             <a:endParaRPr lang="en-US"/>
           </a:p>
@@ -2127,7 +2127,7 @@
           <a:p>
             <a:fld id="{04F1D4A2-813C-F741-B481-C92B3A596030}" type="datetimeFigureOut">
               <a:rPr lang="en-US" smtClean="0"/>
-              <a:t>04-Dec-18</a:t>
+              <a:t>12/26/18</a:t>
             </a:fld>
             <a:endParaRPr lang="en-US"/>
           </a:p>
@@ -2245,7 +2245,7 @@
           <a:p>
             <a:fld id="{04F1D4A2-813C-F741-B481-C92B3A596030}" type="datetimeFigureOut">
               <a:rPr lang="en-US" smtClean="0"/>
-              <a:t>04-Dec-18</a:t>
+              <a:t>12/26/18</a:t>
             </a:fld>
             <a:endParaRPr lang="en-US"/>
           </a:p>
@@ -2340,7 +2340,7 @@
           <a:p>
             <a:fld id="{04F1D4A2-813C-F741-B481-C92B3A596030}" type="datetimeFigureOut">
               <a:rPr lang="en-US" smtClean="0"/>
-              <a:t>04-Dec-18</a:t>
+              <a:t>12/26/18</a:t>
             </a:fld>
             <a:endParaRPr lang="en-US"/>
           </a:p>
@@ -2617,7 +2617,7 @@
           <a:p>
             <a:fld id="{04F1D4A2-813C-F741-B481-C92B3A596030}" type="datetimeFigureOut">
               <a:rPr lang="en-US" smtClean="0"/>
-              <a:t>04-Dec-18</a:t>
+              <a:t>12/26/18</a:t>
             </a:fld>
             <a:endParaRPr lang="en-US"/>
           </a:p>
@@ -2870,7 +2870,7 @@
           <a:p>
             <a:fld id="{04F1D4A2-813C-F741-B481-C92B3A596030}" type="datetimeFigureOut">
               <a:rPr lang="en-US" smtClean="0"/>
-              <a:t>04-Dec-18</a:t>
+              <a:t>12/26/18</a:t>
             </a:fld>
             <a:endParaRPr lang="en-US"/>
           </a:p>
@@ -3083,7 +3083,7 @@
           <a:p>
             <a:fld id="{04F1D4A2-813C-F741-B481-C92B3A596030}" type="datetimeFigureOut">
               <a:rPr lang="en-US" smtClean="0"/>
-              <a:t>04-Dec-18</a:t>
+              <a:t>12/26/18</a:t>
             </a:fld>
             <a:endParaRPr lang="en-US"/>
           </a:p>
@@ -3557,8 +3557,20 @@
           <a:p>
             <a:pPr algn="r"/>
             <a:r>
-              <a:rPr lang="en-US" dirty="0" smtClean="0"/>
-              <a:t>Dr. Andrea </a:t>
+              <a:rPr lang="en-US" dirty="0"/>
+              <a:t>P</a:t>
+            </a:r>
+            <a:r>
+              <a:rPr lang="en-US" dirty="0" smtClean="0"/>
+              <a:t>rof</a:t>
+            </a:r>
+            <a:r>
+              <a:rPr lang="en-US" dirty="0" smtClean="0"/>
+              <a:t>. </a:t>
+            </a:r>
+            <a:r>
+              <a:rPr lang="en-US" dirty="0" smtClean="0"/>
+              <a:t>Andrea </a:t>
             </a:r>
             <a:r>
               <a:rPr lang="en-US" dirty="0" err="1" smtClean="0"/>
@@ -4119,23 +4131,7 @@
             </a:r>
             <a:r>
               <a:rPr lang="en-US" dirty="0" smtClean="0"/>
-              <a:t> executes the </a:t>
-            </a:r>
-            <a:r>
-              <a:rPr lang="en-US" dirty="0" smtClean="0"/>
-              <a:t>command inside it, </a:t>
-            </a:r>
-            <a:r>
-              <a:rPr lang="en-US" dirty="0" smtClean="0"/>
-              <a:t>and </a:t>
-            </a:r>
-            <a:r>
-              <a:rPr lang="en-US" dirty="0" smtClean="0"/>
-              <a:t>then puts </a:t>
-            </a:r>
-            <a:r>
-              <a:rPr lang="en-US" dirty="0" smtClean="0"/>
-              <a:t>the output on the terminal </a:t>
+              <a:t> executes the command inside it, and then puts the output on the terminal </a:t>
             </a:r>
           </a:p>
           <a:p>
@@ -4537,11 +4533,7 @@
             </a:r>
             <a:r>
               <a:rPr lang="en-US" dirty="0" smtClean="0"/>
-              <a:t>, typically </a:t>
-            </a:r>
-            <a:r>
-              <a:rPr lang="en-US" dirty="0" smtClean="0"/>
-              <a:t>open-source</a:t>
+              <a:t>, typically open-source</a:t>
             </a:r>
           </a:p>
           <a:p>
@@ -4636,7 +4628,6 @@
               <a:rPr lang="en-US" dirty="0" smtClean="0"/>
               <a:t>not going to start a build tool inside a browser…</a:t>
             </a:r>
-            <a:endParaRPr lang="en-US" dirty="0" smtClean="0"/>
           </a:p>
           <a:p>
             <a:endParaRPr lang="en-US" dirty="0"/>
@@ -5167,10 +5158,10 @@
               <a:t>NPM is not better, as uses exactly the same </a:t>
             </a:r>
             <a:r>
-              <a:rPr lang="en-US" dirty="0" err="1" smtClean="0"/>
+              <a:rPr lang="en-US" i="1" dirty="0" err="1" smtClean="0"/>
               <a:t>package.json</a:t>
             </a:r>
-            <a:endParaRPr lang="en-US" dirty="0"/>
+            <a:endParaRPr lang="en-US" i="1" dirty="0"/>
           </a:p>
           <a:p>
             <a:pPr marL="0" indent="0">
@@ -5994,8 +5985,13 @@
             </a:r>
             <a:r>
               <a:rPr lang="en-US" dirty="0" smtClean="0"/>
-              <a:t> is a useful tool that starts a HTTP server with hot reloading </a:t>
-            </a:r>
+              <a:t> is a useful tool that starts a HTTP server with </a:t>
+            </a:r>
+            <a:r>
+              <a:rPr lang="en-US" dirty="0" smtClean="0"/>
+              <a:t>hot-reloading </a:t>
+            </a:r>
+            <a:endParaRPr lang="en-US" dirty="0" smtClean="0"/>
           </a:p>
           <a:p>
             <a:pPr lvl="1"/>
@@ -8836,7 +8832,15 @@
           <a:p>
             <a:r>
               <a:rPr lang="en-US" dirty="0" smtClean="0"/>
-              <a:t>We will need </a:t>
+              <a:t>You</a:t>
+            </a:r>
+            <a:r>
+              <a:rPr lang="en-US" dirty="0" smtClean="0"/>
+              <a:t> </a:t>
+            </a:r>
+            <a:r>
+              <a:rPr lang="en-US" dirty="0" smtClean="0"/>
+              <a:t>will need </a:t>
             </a:r>
             <a:r>
               <a:rPr lang="en-US" i="1" dirty="0" smtClean="0"/>
@@ -8844,7 +8848,19 @@
             </a:r>
             <a:r>
               <a:rPr lang="en-US" dirty="0" smtClean="0"/>
-              <a:t> commands in </a:t>
+              <a:t> commands </a:t>
+            </a:r>
+            <a:r>
+              <a:rPr lang="en-US" dirty="0" smtClean="0"/>
+              <a:t>if </a:t>
+            </a:r>
+            <a:r>
+              <a:rPr lang="en-US" dirty="0" smtClean="0"/>
+              <a:t>using</a:t>
+            </a:r>
+            <a:r>
+              <a:rPr lang="en-US" dirty="0" smtClean="0"/>
+              <a:t> </a:t>
             </a:r>
             <a:r>
               <a:rPr lang="en-US" i="1" dirty="0" smtClean="0"/>

--- a/docs/slides/lesson_02.pptx
+++ b/docs/slides/lesson_02.pptx
@@ -268,7 +268,7 @@
           <a:p>
             <a:fld id="{9B5B52BA-3295-0343-9E28-A260A811DD10}" type="datetimeFigureOut">
               <a:rPr lang="en-US" smtClean="0"/>
-              <a:t>12/26/18</a:t>
+              <a:t>12/27/18</a:t>
             </a:fld>
             <a:endParaRPr lang="en-US"/>
           </a:p>
@@ -751,7 +751,7 @@
           <a:p>
             <a:fld id="{04F1D4A2-813C-F741-B481-C92B3A596030}" type="datetimeFigureOut">
               <a:rPr lang="en-US" smtClean="0"/>
-              <a:t>12/26/18</a:t>
+              <a:t>12/27/18</a:t>
             </a:fld>
             <a:endParaRPr lang="en-US"/>
           </a:p>
@@ -921,7 +921,7 @@
           <a:p>
             <a:fld id="{04F1D4A2-813C-F741-B481-C92B3A596030}" type="datetimeFigureOut">
               <a:rPr lang="en-US" smtClean="0"/>
-              <a:t>12/26/18</a:t>
+              <a:t>12/27/18</a:t>
             </a:fld>
             <a:endParaRPr lang="en-US"/>
           </a:p>
@@ -1101,7 +1101,7 @@
           <a:p>
             <a:fld id="{04F1D4A2-813C-F741-B481-C92B3A596030}" type="datetimeFigureOut">
               <a:rPr lang="en-US" smtClean="0"/>
-              <a:t>12/26/18</a:t>
+              <a:t>12/27/18</a:t>
             </a:fld>
             <a:endParaRPr lang="en-US"/>
           </a:p>
@@ -1282,7 +1282,7 @@
           <a:p>
             <a:fld id="{04F1D4A2-813C-F741-B481-C92B3A596030}" type="datetimeFigureOut">
               <a:rPr lang="en-US" smtClean="0"/>
-              <a:t>12/26/18</a:t>
+              <a:t>12/27/18</a:t>
             </a:fld>
             <a:endParaRPr lang="en-US"/>
           </a:p>
@@ -1528,7 +1528,7 @@
           <a:p>
             <a:fld id="{04F1D4A2-813C-F741-B481-C92B3A596030}" type="datetimeFigureOut">
               <a:rPr lang="en-US" smtClean="0"/>
-              <a:t>12/26/18</a:t>
+              <a:t>12/27/18</a:t>
             </a:fld>
             <a:endParaRPr lang="en-US"/>
           </a:p>
@@ -1760,7 +1760,7 @@
           <a:p>
             <a:fld id="{04F1D4A2-813C-F741-B481-C92B3A596030}" type="datetimeFigureOut">
               <a:rPr lang="en-US" smtClean="0"/>
-              <a:t>12/26/18</a:t>
+              <a:t>12/27/18</a:t>
             </a:fld>
             <a:endParaRPr lang="en-US"/>
           </a:p>
@@ -2127,7 +2127,7 @@
           <a:p>
             <a:fld id="{04F1D4A2-813C-F741-B481-C92B3A596030}" type="datetimeFigureOut">
               <a:rPr lang="en-US" smtClean="0"/>
-              <a:t>12/26/18</a:t>
+              <a:t>12/27/18</a:t>
             </a:fld>
             <a:endParaRPr lang="en-US"/>
           </a:p>
@@ -2245,7 +2245,7 @@
           <a:p>
             <a:fld id="{04F1D4A2-813C-F741-B481-C92B3A596030}" type="datetimeFigureOut">
               <a:rPr lang="en-US" smtClean="0"/>
-              <a:t>12/26/18</a:t>
+              <a:t>12/27/18</a:t>
             </a:fld>
             <a:endParaRPr lang="en-US"/>
           </a:p>
@@ -2340,7 +2340,7 @@
           <a:p>
             <a:fld id="{04F1D4A2-813C-F741-B481-C92B3A596030}" type="datetimeFigureOut">
               <a:rPr lang="en-US" smtClean="0"/>
-              <a:t>12/26/18</a:t>
+              <a:t>12/27/18</a:t>
             </a:fld>
             <a:endParaRPr lang="en-US"/>
           </a:p>
@@ -2617,7 +2617,7 @@
           <a:p>
             <a:fld id="{04F1D4A2-813C-F741-B481-C92B3A596030}" type="datetimeFigureOut">
               <a:rPr lang="en-US" smtClean="0"/>
-              <a:t>12/26/18</a:t>
+              <a:t>12/27/18</a:t>
             </a:fld>
             <a:endParaRPr lang="en-US"/>
           </a:p>
@@ -2870,7 +2870,7 @@
           <a:p>
             <a:fld id="{04F1D4A2-813C-F741-B481-C92B3A596030}" type="datetimeFigureOut">
               <a:rPr lang="en-US" smtClean="0"/>
-              <a:t>12/26/18</a:t>
+              <a:t>12/27/18</a:t>
             </a:fld>
             <a:endParaRPr lang="en-US"/>
           </a:p>
@@ -3083,7 +3083,7 @@
           <a:p>
             <a:fld id="{04F1D4A2-813C-F741-B481-C92B3A596030}" type="datetimeFigureOut">
               <a:rPr lang="en-US" smtClean="0"/>
-              <a:t>12/26/18</a:t>
+              <a:t>12/27/18</a:t>
             </a:fld>
             <a:endParaRPr lang="en-US"/>
           </a:p>
@@ -3562,15 +3562,7 @@
             </a:r>
             <a:r>
               <a:rPr lang="en-US" dirty="0" smtClean="0"/>
-              <a:t>rof</a:t>
-            </a:r>
-            <a:r>
-              <a:rPr lang="en-US" dirty="0" smtClean="0"/>
-              <a:t>. </a:t>
-            </a:r>
-            <a:r>
-              <a:rPr lang="en-US" dirty="0" smtClean="0"/>
-              <a:t>Andrea </a:t>
+              <a:t>rof. Andrea </a:t>
             </a:r>
             <a:r>
               <a:rPr lang="en-US" dirty="0" err="1" smtClean="0"/>
@@ -5985,13 +5977,8 @@
             </a:r>
             <a:r>
               <a:rPr lang="en-US" dirty="0" smtClean="0"/>
-              <a:t> is a useful tool that starts a HTTP server with </a:t>
-            </a:r>
-            <a:r>
-              <a:rPr lang="en-US" dirty="0" smtClean="0"/>
-              <a:t>hot-reloading </a:t>
-            </a:r>
-            <a:endParaRPr lang="en-US" dirty="0" smtClean="0"/>
+              <a:t> is a useful tool that starts a HTTP server with hot-reloading </a:t>
+            </a:r>
           </a:p>
           <a:p>
             <a:pPr lvl="1"/>
@@ -7905,27 +7892,37 @@
                 <a:latin typeface="Courier New" panose="02070309020205020404" pitchFamily="49" charset="0"/>
                 <a:cs typeface="Courier New" panose="02070309020205020404" pitchFamily="49" charset="0"/>
               </a:rPr>
-              <a:t>"tests/.*</a:t>
-            </a:r>
-            <a:r>
-              <a:rPr lang="en-US" altLang="en-US" sz="2000" b="1" dirty="0">
-                <a:solidFill>
-                  <a:srgbClr val="000080"/>
+              <a:t>"tests</a:t>
+            </a:r>
+            <a:r>
+              <a:rPr lang="en-US" altLang="en-US" sz="2000" b="1" dirty="0" smtClean="0">
+                <a:solidFill>
+                  <a:srgbClr val="008000"/>
                 </a:solidFill>
                 <a:latin typeface="Courier New" panose="02070309020205020404" pitchFamily="49" charset="0"/>
                 <a:cs typeface="Courier New" panose="02070309020205020404" pitchFamily="49" charset="0"/>
               </a:rPr>
-              <a:t>\\</a:t>
+              <a:t>/.*</a:t>
             </a:r>
             <a:r>
               <a:rPr lang="en-US" altLang="en-US" sz="2000" b="1" dirty="0">
                 <a:solidFill>
-                  <a:srgbClr val="008000"/>
+                  <a:srgbClr val="000080"/>
                 </a:solidFill>
                 <a:latin typeface="Courier New" panose="02070309020205020404" pitchFamily="49" charset="0"/>
                 <a:cs typeface="Courier New" panose="02070309020205020404" pitchFamily="49" charset="0"/>
               </a:rPr>
-              <a:t>.test</a:t>
+              <a:t>-</a:t>
+            </a:r>
+            <a:r>
+              <a:rPr lang="en-US" altLang="en-US" sz="2000" b="1" dirty="0" smtClean="0">
+                <a:solidFill>
+                  <a:srgbClr val="008000"/>
+                </a:solidFill>
+                <a:latin typeface="Courier New" panose="02070309020205020404" pitchFamily="49" charset="0"/>
+                <a:cs typeface="Courier New" panose="02070309020205020404" pitchFamily="49" charset="0"/>
+              </a:rPr>
+              <a:t>test</a:t>
             </a:r>
             <a:r>
               <a:rPr lang="en-US" altLang="en-US" sz="2000" b="1" dirty="0">
@@ -8832,15 +8829,7 @@
           <a:p>
             <a:r>
               <a:rPr lang="en-US" dirty="0" smtClean="0"/>
-              <a:t>You</a:t>
-            </a:r>
-            <a:r>
-              <a:rPr lang="en-US" dirty="0" smtClean="0"/>
-              <a:t> </a:t>
-            </a:r>
-            <a:r>
-              <a:rPr lang="en-US" dirty="0" smtClean="0"/>
-              <a:t>will need </a:t>
+              <a:t>You will need </a:t>
             </a:r>
             <a:r>
               <a:rPr lang="en-US" i="1" dirty="0" smtClean="0"/>
@@ -8848,19 +8837,7 @@
             </a:r>
             <a:r>
               <a:rPr lang="en-US" dirty="0" smtClean="0"/>
-              <a:t> commands </a:t>
-            </a:r>
-            <a:r>
-              <a:rPr lang="en-US" dirty="0" smtClean="0"/>
-              <a:t>if </a:t>
-            </a:r>
-            <a:r>
-              <a:rPr lang="en-US" dirty="0" smtClean="0"/>
-              <a:t>using</a:t>
-            </a:r>
-            <a:r>
-              <a:rPr lang="en-US" dirty="0" smtClean="0"/>
-              <a:t> </a:t>
+              <a:t> commands if using </a:t>
             </a:r>
             <a:r>
               <a:rPr lang="en-US" i="1" dirty="0" smtClean="0"/>

--- a/docs/slides/lesson_02.pptx
+++ b/docs/slides/lesson_02.pptx
@@ -5,7 +5,7 @@
     <p:sldMasterId id="2147483648" r:id="rId1"/>
   </p:sldMasterIdLst>
   <p:notesMasterIdLst>
-    <p:notesMasterId r:id="rId34"/>
+    <p:notesMasterId r:id="rId36"/>
   </p:notesMasterIdLst>
   <p:sldIdLst>
     <p:sldId id="256" r:id="rId2"/>
@@ -24,22 +24,24 @@
     <p:sldId id="270" r:id="rId15"/>
     <p:sldId id="273" r:id="rId16"/>
     <p:sldId id="272" r:id="rId17"/>
-    <p:sldId id="258" r:id="rId18"/>
-    <p:sldId id="274" r:id="rId19"/>
-    <p:sldId id="275" r:id="rId20"/>
-    <p:sldId id="276" r:id="rId21"/>
-    <p:sldId id="277" r:id="rId22"/>
-    <p:sldId id="278" r:id="rId23"/>
-    <p:sldId id="279" r:id="rId24"/>
-    <p:sldId id="280" r:id="rId25"/>
-    <p:sldId id="281" r:id="rId26"/>
-    <p:sldId id="282" r:id="rId27"/>
-    <p:sldId id="283" r:id="rId28"/>
-    <p:sldId id="284" r:id="rId29"/>
-    <p:sldId id="285" r:id="rId30"/>
-    <p:sldId id="286" r:id="rId31"/>
-    <p:sldId id="287" r:id="rId32"/>
-    <p:sldId id="288" r:id="rId33"/>
+    <p:sldId id="289" r:id="rId18"/>
+    <p:sldId id="290" r:id="rId19"/>
+    <p:sldId id="258" r:id="rId20"/>
+    <p:sldId id="274" r:id="rId21"/>
+    <p:sldId id="275" r:id="rId22"/>
+    <p:sldId id="276" r:id="rId23"/>
+    <p:sldId id="277" r:id="rId24"/>
+    <p:sldId id="278" r:id="rId25"/>
+    <p:sldId id="279" r:id="rId26"/>
+    <p:sldId id="280" r:id="rId27"/>
+    <p:sldId id="281" r:id="rId28"/>
+    <p:sldId id="282" r:id="rId29"/>
+    <p:sldId id="283" r:id="rId30"/>
+    <p:sldId id="284" r:id="rId31"/>
+    <p:sldId id="285" r:id="rId32"/>
+    <p:sldId id="286" r:id="rId33"/>
+    <p:sldId id="287" r:id="rId34"/>
+    <p:sldId id="288" r:id="rId35"/>
   </p:sldIdLst>
   <p:sldSz cx="12192000" cy="6858000"/>
   <p:notesSz cx="6858000" cy="9144000"/>
@@ -159,6 +161,8 @@
             <p14:sldId id="270"/>
             <p14:sldId id="273"/>
             <p14:sldId id="272"/>
+            <p14:sldId id="289"/>
+            <p14:sldId id="290"/>
             <p14:sldId id="258"/>
             <p14:sldId id="274"/>
             <p14:sldId id="275"/>
@@ -268,7 +272,7 @@
           <a:p>
             <a:fld id="{9B5B52BA-3295-0343-9E28-A260A811DD10}" type="datetimeFigureOut">
               <a:rPr lang="en-US" smtClean="0"/>
-              <a:t>12/27/18</a:t>
+              <a:t>12/11/19</a:t>
             </a:fld>
             <a:endParaRPr lang="en-US"/>
           </a:p>
@@ -332,38 +336,37 @@
           <a:p>
             <a:pPr lvl="0"/>
             <a:r>
-              <a:rPr lang="en-US" smtClean="0"/>
+              <a:rPr lang="en-US"/>
               <a:t>Click to edit Master text styles</a:t>
             </a:r>
           </a:p>
           <a:p>
             <a:pPr lvl="1"/>
             <a:r>
-              <a:rPr lang="en-US" smtClean="0"/>
+              <a:rPr lang="en-US"/>
               <a:t>Second level</a:t>
             </a:r>
           </a:p>
           <a:p>
             <a:pPr lvl="2"/>
             <a:r>
-              <a:rPr lang="en-US" smtClean="0"/>
+              <a:rPr lang="en-US"/>
               <a:t>Third level</a:t>
             </a:r>
           </a:p>
           <a:p>
             <a:pPr lvl="3"/>
             <a:r>
-              <a:rPr lang="en-US" smtClean="0"/>
+              <a:rPr lang="en-US"/>
               <a:t>Fourth level</a:t>
             </a:r>
           </a:p>
           <a:p>
             <a:pPr lvl="4"/>
             <a:r>
-              <a:rPr lang="en-US" smtClean="0"/>
+              <a:rPr lang="en-US"/>
               <a:t>Fifth level</a:t>
             </a:r>
-            <a:endParaRPr lang="en-US"/>
           </a:p>
         </p:txBody>
       </p:sp>
@@ -601,7 +604,7 @@
           <a:p>
             <a:fld id="{D6FB5A5B-CC88-B64A-8F56-0DBE0ACA83DE}" type="slidenum">
               <a:rPr lang="en-US" smtClean="0"/>
-              <a:t>18</a:t>
+              <a:t>20</a:t>
             </a:fld>
             <a:endParaRPr lang="en-US"/>
           </a:p>
@@ -662,10 +665,9 @@
           </a:lstStyle>
           <a:p>
             <a:r>
-              <a:rPr lang="en-US" dirty="0" smtClean="0"/>
+              <a:rPr lang="en-US" dirty="0"/>
               <a:t>Click to edit Master title style</a:t>
             </a:r>
-            <a:endParaRPr lang="en-US" dirty="0"/>
           </a:p>
         </p:txBody>
       </p:sp>
@@ -727,10 +729,9 @@
           </a:lstStyle>
           <a:p>
             <a:r>
-              <a:rPr lang="en-US" dirty="0" smtClean="0"/>
+              <a:rPr lang="en-US" dirty="0"/>
               <a:t>Click to edit Master subtitle style</a:t>
             </a:r>
-            <a:endParaRPr lang="en-US" dirty="0"/>
           </a:p>
         </p:txBody>
       </p:sp>
@@ -751,7 +752,7 @@
           <a:p>
             <a:fld id="{04F1D4A2-813C-F741-B481-C92B3A596030}" type="datetimeFigureOut">
               <a:rPr lang="en-US" smtClean="0"/>
-              <a:t>12/27/18</a:t>
+              <a:t>12/11/19</a:t>
             </a:fld>
             <a:endParaRPr lang="en-US"/>
           </a:p>
@@ -845,10 +846,9 @@
           <a:lstStyle/>
           <a:p>
             <a:r>
-              <a:rPr lang="en-US" smtClean="0"/>
+              <a:rPr lang="en-US"/>
               <a:t>Click to edit Master title style</a:t>
             </a:r>
-            <a:endParaRPr lang="en-US"/>
           </a:p>
         </p:txBody>
       </p:sp>
@@ -869,38 +869,37 @@
           <a:p>
             <a:pPr lvl="0"/>
             <a:r>
-              <a:rPr lang="en-US" smtClean="0"/>
+              <a:rPr lang="en-US"/>
               <a:t>Click to edit Master text styles</a:t>
             </a:r>
           </a:p>
           <a:p>
             <a:pPr lvl="1"/>
             <a:r>
-              <a:rPr lang="en-US" smtClean="0"/>
+              <a:rPr lang="en-US"/>
               <a:t>Second level</a:t>
             </a:r>
           </a:p>
           <a:p>
             <a:pPr lvl="2"/>
             <a:r>
-              <a:rPr lang="en-US" smtClean="0"/>
+              <a:rPr lang="en-US"/>
               <a:t>Third level</a:t>
             </a:r>
           </a:p>
           <a:p>
             <a:pPr lvl="3"/>
             <a:r>
-              <a:rPr lang="en-US" smtClean="0"/>
+              <a:rPr lang="en-US"/>
               <a:t>Fourth level</a:t>
             </a:r>
           </a:p>
           <a:p>
             <a:pPr lvl="4"/>
             <a:r>
-              <a:rPr lang="en-US" smtClean="0"/>
+              <a:rPr lang="en-US"/>
               <a:t>Fifth level</a:t>
             </a:r>
-            <a:endParaRPr lang="en-US"/>
           </a:p>
         </p:txBody>
       </p:sp>
@@ -921,7 +920,7 @@
           <a:p>
             <a:fld id="{04F1D4A2-813C-F741-B481-C92B3A596030}" type="datetimeFigureOut">
               <a:rPr lang="en-US" smtClean="0"/>
-              <a:t>12/27/18</a:t>
+              <a:t>12/11/19</a:t>
             </a:fld>
             <a:endParaRPr lang="en-US"/>
           </a:p>
@@ -1020,10 +1019,9 @@
           <a:lstStyle/>
           <a:p>
             <a:r>
-              <a:rPr lang="en-US" smtClean="0"/>
+              <a:rPr lang="en-US"/>
               <a:t>Click to edit Master title style</a:t>
             </a:r>
-            <a:endParaRPr lang="en-US"/>
           </a:p>
         </p:txBody>
       </p:sp>
@@ -1049,38 +1047,37 @@
           <a:p>
             <a:pPr lvl="0"/>
             <a:r>
-              <a:rPr lang="en-US" smtClean="0"/>
+              <a:rPr lang="en-US"/>
               <a:t>Click to edit Master text styles</a:t>
             </a:r>
           </a:p>
           <a:p>
             <a:pPr lvl="1"/>
             <a:r>
-              <a:rPr lang="en-US" smtClean="0"/>
+              <a:rPr lang="en-US"/>
               <a:t>Second level</a:t>
             </a:r>
           </a:p>
           <a:p>
             <a:pPr lvl="2"/>
             <a:r>
-              <a:rPr lang="en-US" smtClean="0"/>
+              <a:rPr lang="en-US"/>
               <a:t>Third level</a:t>
             </a:r>
           </a:p>
           <a:p>
             <a:pPr lvl="3"/>
             <a:r>
-              <a:rPr lang="en-US" smtClean="0"/>
+              <a:rPr lang="en-US"/>
               <a:t>Fourth level</a:t>
             </a:r>
           </a:p>
           <a:p>
             <a:pPr lvl="4"/>
             <a:r>
-              <a:rPr lang="en-US" smtClean="0"/>
+              <a:rPr lang="en-US"/>
               <a:t>Fifth level</a:t>
             </a:r>
-            <a:endParaRPr lang="en-US"/>
           </a:p>
         </p:txBody>
       </p:sp>
@@ -1101,7 +1098,7 @@
           <a:p>
             <a:fld id="{04F1D4A2-813C-F741-B481-C92B3A596030}" type="datetimeFigureOut">
               <a:rPr lang="en-US" smtClean="0"/>
-              <a:t>12/27/18</a:t>
+              <a:t>12/11/19</a:t>
             </a:fld>
             <a:endParaRPr lang="en-US"/>
           </a:p>
@@ -1199,10 +1196,9 @@
           </a:lstStyle>
           <a:p>
             <a:r>
-              <a:rPr lang="en-US" dirty="0" smtClean="0"/>
+              <a:rPr lang="en-US" dirty="0"/>
               <a:t>Click to edit Master title style</a:t>
             </a:r>
-            <a:endParaRPr lang="en-US" dirty="0"/>
           </a:p>
         </p:txBody>
       </p:sp>
@@ -1230,38 +1226,37 @@
           <a:p>
             <a:pPr lvl="0"/>
             <a:r>
-              <a:rPr lang="en-US" dirty="0" smtClean="0"/>
+              <a:rPr lang="en-US" dirty="0"/>
               <a:t>Click to edit Master text styles</a:t>
             </a:r>
           </a:p>
           <a:p>
             <a:pPr lvl="1"/>
             <a:r>
-              <a:rPr lang="en-US" dirty="0" smtClean="0"/>
+              <a:rPr lang="en-US" dirty="0"/>
               <a:t>Second level</a:t>
             </a:r>
           </a:p>
           <a:p>
             <a:pPr lvl="2"/>
             <a:r>
-              <a:rPr lang="en-US" dirty="0" smtClean="0"/>
+              <a:rPr lang="en-US" dirty="0"/>
               <a:t>Third level</a:t>
             </a:r>
           </a:p>
           <a:p>
             <a:pPr lvl="3"/>
             <a:r>
-              <a:rPr lang="en-US" dirty="0" smtClean="0"/>
+              <a:rPr lang="en-US" dirty="0"/>
               <a:t>Fourth level</a:t>
             </a:r>
           </a:p>
           <a:p>
             <a:pPr lvl="4"/>
             <a:r>
-              <a:rPr lang="en-US" dirty="0" smtClean="0"/>
+              <a:rPr lang="en-US" dirty="0"/>
               <a:t>Fifth level</a:t>
             </a:r>
-            <a:endParaRPr lang="en-US" dirty="0"/>
           </a:p>
         </p:txBody>
       </p:sp>
@@ -1282,7 +1277,7 @@
           <a:p>
             <a:fld id="{04F1D4A2-813C-F741-B481-C92B3A596030}" type="datetimeFigureOut">
               <a:rPr lang="en-US" smtClean="0"/>
-              <a:t>12/27/18</a:t>
+              <a:t>12/11/19</a:t>
             </a:fld>
             <a:endParaRPr lang="en-US"/>
           </a:p>
@@ -1385,10 +1380,9 @@
           </a:lstStyle>
           <a:p>
             <a:r>
-              <a:rPr lang="en-US" smtClean="0"/>
+              <a:rPr lang="en-US"/>
               <a:t>Click to edit Master title style</a:t>
             </a:r>
-            <a:endParaRPr lang="en-US"/>
           </a:p>
         </p:txBody>
       </p:sp>
@@ -1505,7 +1499,7 @@
           <a:p>
             <a:pPr lvl="0"/>
             <a:r>
-              <a:rPr lang="en-US" smtClean="0"/>
+              <a:rPr lang="en-US"/>
               <a:t>Click to edit Master text styles</a:t>
             </a:r>
           </a:p>
@@ -1528,7 +1522,7 @@
           <a:p>
             <a:fld id="{04F1D4A2-813C-F741-B481-C92B3A596030}" type="datetimeFigureOut">
               <a:rPr lang="en-US" smtClean="0"/>
-              <a:t>12/27/18</a:t>
+              <a:t>12/11/19</a:t>
             </a:fld>
             <a:endParaRPr lang="en-US"/>
           </a:p>
@@ -1622,10 +1616,9 @@
           <a:lstStyle/>
           <a:p>
             <a:r>
-              <a:rPr lang="en-US" smtClean="0"/>
+              <a:rPr lang="en-US"/>
               <a:t>Click to edit Master title style</a:t>
             </a:r>
-            <a:endParaRPr lang="en-US"/>
           </a:p>
         </p:txBody>
       </p:sp>
@@ -1651,38 +1644,37 @@
           <a:p>
             <a:pPr lvl="0"/>
             <a:r>
-              <a:rPr lang="en-US" smtClean="0"/>
+              <a:rPr lang="en-US"/>
               <a:t>Click to edit Master text styles</a:t>
             </a:r>
           </a:p>
           <a:p>
             <a:pPr lvl="1"/>
             <a:r>
-              <a:rPr lang="en-US" smtClean="0"/>
+              <a:rPr lang="en-US"/>
               <a:t>Second level</a:t>
             </a:r>
           </a:p>
           <a:p>
             <a:pPr lvl="2"/>
             <a:r>
-              <a:rPr lang="en-US" smtClean="0"/>
+              <a:rPr lang="en-US"/>
               <a:t>Third level</a:t>
             </a:r>
           </a:p>
           <a:p>
             <a:pPr lvl="3"/>
             <a:r>
-              <a:rPr lang="en-US" smtClean="0"/>
+              <a:rPr lang="en-US"/>
               <a:t>Fourth level</a:t>
             </a:r>
           </a:p>
           <a:p>
             <a:pPr lvl="4"/>
             <a:r>
-              <a:rPr lang="en-US" smtClean="0"/>
+              <a:rPr lang="en-US"/>
               <a:t>Fifth level</a:t>
             </a:r>
-            <a:endParaRPr lang="en-US"/>
           </a:p>
         </p:txBody>
       </p:sp>
@@ -1708,38 +1700,37 @@
           <a:p>
             <a:pPr lvl="0"/>
             <a:r>
-              <a:rPr lang="en-US" smtClean="0"/>
+              <a:rPr lang="en-US"/>
               <a:t>Click to edit Master text styles</a:t>
             </a:r>
           </a:p>
           <a:p>
             <a:pPr lvl="1"/>
             <a:r>
-              <a:rPr lang="en-US" smtClean="0"/>
+              <a:rPr lang="en-US"/>
               <a:t>Second level</a:t>
             </a:r>
           </a:p>
           <a:p>
             <a:pPr lvl="2"/>
             <a:r>
-              <a:rPr lang="en-US" smtClean="0"/>
+              <a:rPr lang="en-US"/>
               <a:t>Third level</a:t>
             </a:r>
           </a:p>
           <a:p>
             <a:pPr lvl="3"/>
             <a:r>
-              <a:rPr lang="en-US" smtClean="0"/>
+              <a:rPr lang="en-US"/>
               <a:t>Fourth level</a:t>
             </a:r>
           </a:p>
           <a:p>
             <a:pPr lvl="4"/>
             <a:r>
-              <a:rPr lang="en-US" smtClean="0"/>
+              <a:rPr lang="en-US"/>
               <a:t>Fifth level</a:t>
             </a:r>
-            <a:endParaRPr lang="en-US"/>
           </a:p>
         </p:txBody>
       </p:sp>
@@ -1760,7 +1751,7 @@
           <a:p>
             <a:fld id="{04F1D4A2-813C-F741-B481-C92B3A596030}" type="datetimeFigureOut">
               <a:rPr lang="en-US" smtClean="0"/>
-              <a:t>12/27/18</a:t>
+              <a:t>12/11/19</a:t>
             </a:fld>
             <a:endParaRPr lang="en-US"/>
           </a:p>
@@ -1859,10 +1850,9 @@
           <a:lstStyle/>
           <a:p>
             <a:r>
-              <a:rPr lang="en-US" smtClean="0"/>
+              <a:rPr lang="en-US"/>
               <a:t>Click to edit Master title style</a:t>
             </a:r>
-            <a:endParaRPr lang="en-US"/>
           </a:p>
         </p:txBody>
       </p:sp>
@@ -1925,7 +1915,7 @@
           <a:p>
             <a:pPr lvl="0"/>
             <a:r>
-              <a:rPr lang="en-US" smtClean="0"/>
+              <a:rPr lang="en-US"/>
               <a:t>Click to edit Master text styles</a:t>
             </a:r>
           </a:p>
@@ -1953,38 +1943,37 @@
           <a:p>
             <a:pPr lvl="0"/>
             <a:r>
-              <a:rPr lang="en-US" smtClean="0"/>
+              <a:rPr lang="en-US"/>
               <a:t>Click to edit Master text styles</a:t>
             </a:r>
           </a:p>
           <a:p>
             <a:pPr lvl="1"/>
             <a:r>
-              <a:rPr lang="en-US" smtClean="0"/>
+              <a:rPr lang="en-US"/>
               <a:t>Second level</a:t>
             </a:r>
           </a:p>
           <a:p>
             <a:pPr lvl="2"/>
             <a:r>
-              <a:rPr lang="en-US" smtClean="0"/>
+              <a:rPr lang="en-US"/>
               <a:t>Third level</a:t>
             </a:r>
           </a:p>
           <a:p>
             <a:pPr lvl="3"/>
             <a:r>
-              <a:rPr lang="en-US" smtClean="0"/>
+              <a:rPr lang="en-US"/>
               <a:t>Fourth level</a:t>
             </a:r>
           </a:p>
           <a:p>
             <a:pPr lvl="4"/>
             <a:r>
-              <a:rPr lang="en-US" smtClean="0"/>
+              <a:rPr lang="en-US"/>
               <a:t>Fifth level</a:t>
             </a:r>
-            <a:endParaRPr lang="en-US"/>
           </a:p>
         </p:txBody>
       </p:sp>
@@ -2047,7 +2036,7 @@
           <a:p>
             <a:pPr lvl="0"/>
             <a:r>
-              <a:rPr lang="en-US" smtClean="0"/>
+              <a:rPr lang="en-US"/>
               <a:t>Click to edit Master text styles</a:t>
             </a:r>
           </a:p>
@@ -2075,38 +2064,37 @@
           <a:p>
             <a:pPr lvl="0"/>
             <a:r>
-              <a:rPr lang="en-US" smtClean="0"/>
+              <a:rPr lang="en-US"/>
               <a:t>Click to edit Master text styles</a:t>
             </a:r>
           </a:p>
           <a:p>
             <a:pPr lvl="1"/>
             <a:r>
-              <a:rPr lang="en-US" smtClean="0"/>
+              <a:rPr lang="en-US"/>
               <a:t>Second level</a:t>
             </a:r>
           </a:p>
           <a:p>
             <a:pPr lvl="2"/>
             <a:r>
-              <a:rPr lang="en-US" smtClean="0"/>
+              <a:rPr lang="en-US"/>
               <a:t>Third level</a:t>
             </a:r>
           </a:p>
           <a:p>
             <a:pPr lvl="3"/>
             <a:r>
-              <a:rPr lang="en-US" smtClean="0"/>
+              <a:rPr lang="en-US"/>
               <a:t>Fourth level</a:t>
             </a:r>
           </a:p>
           <a:p>
             <a:pPr lvl="4"/>
             <a:r>
-              <a:rPr lang="en-US" smtClean="0"/>
+              <a:rPr lang="en-US"/>
               <a:t>Fifth level</a:t>
             </a:r>
-            <a:endParaRPr lang="en-US"/>
           </a:p>
         </p:txBody>
       </p:sp>
@@ -2127,7 +2115,7 @@
           <a:p>
             <a:fld id="{04F1D4A2-813C-F741-B481-C92B3A596030}" type="datetimeFigureOut">
               <a:rPr lang="en-US" smtClean="0"/>
-              <a:t>12/27/18</a:t>
+              <a:t>12/11/19</a:t>
             </a:fld>
             <a:endParaRPr lang="en-US"/>
           </a:p>
@@ -2221,10 +2209,9 @@
           <a:lstStyle/>
           <a:p>
             <a:r>
-              <a:rPr lang="en-US" smtClean="0"/>
+              <a:rPr lang="en-US"/>
               <a:t>Click to edit Master title style</a:t>
             </a:r>
-            <a:endParaRPr lang="en-US"/>
           </a:p>
         </p:txBody>
       </p:sp>
@@ -2245,7 +2232,7 @@
           <a:p>
             <a:fld id="{04F1D4A2-813C-F741-B481-C92B3A596030}" type="datetimeFigureOut">
               <a:rPr lang="en-US" smtClean="0"/>
-              <a:t>12/27/18</a:t>
+              <a:t>12/11/19</a:t>
             </a:fld>
             <a:endParaRPr lang="en-US"/>
           </a:p>
@@ -2340,7 +2327,7 @@
           <a:p>
             <a:fld id="{04F1D4A2-813C-F741-B481-C92B3A596030}" type="datetimeFigureOut">
               <a:rPr lang="en-US" smtClean="0"/>
-              <a:t>12/27/18</a:t>
+              <a:t>12/11/19</a:t>
             </a:fld>
             <a:endParaRPr lang="en-US"/>
           </a:p>
@@ -2443,10 +2430,9 @@
           </a:lstStyle>
           <a:p>
             <a:r>
-              <a:rPr lang="en-US" smtClean="0"/>
+              <a:rPr lang="en-US"/>
               <a:t>Click to edit Master title style</a:t>
             </a:r>
-            <a:endParaRPr lang="en-US"/>
           </a:p>
         </p:txBody>
       </p:sp>
@@ -2500,38 +2486,37 @@
           <a:p>
             <a:pPr lvl="0"/>
             <a:r>
-              <a:rPr lang="en-US" smtClean="0"/>
+              <a:rPr lang="en-US"/>
               <a:t>Click to edit Master text styles</a:t>
             </a:r>
           </a:p>
           <a:p>
             <a:pPr lvl="1"/>
             <a:r>
-              <a:rPr lang="en-US" smtClean="0"/>
+              <a:rPr lang="en-US"/>
               <a:t>Second level</a:t>
             </a:r>
           </a:p>
           <a:p>
             <a:pPr lvl="2"/>
             <a:r>
-              <a:rPr lang="en-US" smtClean="0"/>
+              <a:rPr lang="en-US"/>
               <a:t>Third level</a:t>
             </a:r>
           </a:p>
           <a:p>
             <a:pPr lvl="3"/>
             <a:r>
-              <a:rPr lang="en-US" smtClean="0"/>
+              <a:rPr lang="en-US"/>
               <a:t>Fourth level</a:t>
             </a:r>
           </a:p>
           <a:p>
             <a:pPr lvl="4"/>
             <a:r>
-              <a:rPr lang="en-US" smtClean="0"/>
+              <a:rPr lang="en-US"/>
               <a:t>Fifth level</a:t>
             </a:r>
-            <a:endParaRPr lang="en-US"/>
           </a:p>
         </p:txBody>
       </p:sp>
@@ -2594,7 +2579,7 @@
           <a:p>
             <a:pPr lvl="0"/>
             <a:r>
-              <a:rPr lang="en-US" smtClean="0"/>
+              <a:rPr lang="en-US"/>
               <a:t>Click to edit Master text styles</a:t>
             </a:r>
           </a:p>
@@ -2617,7 +2602,7 @@
           <a:p>
             <a:fld id="{04F1D4A2-813C-F741-B481-C92B3A596030}" type="datetimeFigureOut">
               <a:rPr lang="en-US" smtClean="0"/>
-              <a:t>12/27/18</a:t>
+              <a:t>12/11/19</a:t>
             </a:fld>
             <a:endParaRPr lang="en-US"/>
           </a:p>
@@ -2720,10 +2705,9 @@
           </a:lstStyle>
           <a:p>
             <a:r>
-              <a:rPr lang="en-US" smtClean="0"/>
+              <a:rPr lang="en-US"/>
               <a:t>Click to edit Master title style</a:t>
             </a:r>
-            <a:endParaRPr lang="en-US"/>
           </a:p>
         </p:txBody>
       </p:sp>
@@ -2847,7 +2831,7 @@
           <a:p>
             <a:pPr lvl="0"/>
             <a:r>
-              <a:rPr lang="en-US" smtClean="0"/>
+              <a:rPr lang="en-US"/>
               <a:t>Click to edit Master text styles</a:t>
             </a:r>
           </a:p>
@@ -2870,7 +2854,7 @@
           <a:p>
             <a:fld id="{04F1D4A2-813C-F741-B481-C92B3A596030}" type="datetimeFigureOut">
               <a:rPr lang="en-US" smtClean="0"/>
-              <a:t>12/27/18</a:t>
+              <a:t>12/11/19</a:t>
             </a:fld>
             <a:endParaRPr lang="en-US"/>
           </a:p>
@@ -2979,10 +2963,9 @@
           <a:lstStyle/>
           <a:p>
             <a:r>
-              <a:rPr lang="en-US" dirty="0" smtClean="0"/>
+              <a:rPr lang="en-US" dirty="0"/>
               <a:t>Click to edit Master title style</a:t>
             </a:r>
-            <a:endParaRPr lang="en-US" dirty="0"/>
           </a:p>
         </p:txBody>
       </p:sp>
@@ -3013,38 +2996,37 @@
           <a:p>
             <a:pPr lvl="0"/>
             <a:r>
-              <a:rPr lang="en-US" smtClean="0"/>
+              <a:rPr lang="en-US"/>
               <a:t>Click to edit Master text styles</a:t>
             </a:r>
           </a:p>
           <a:p>
             <a:pPr lvl="1"/>
             <a:r>
-              <a:rPr lang="en-US" smtClean="0"/>
+              <a:rPr lang="en-US"/>
               <a:t>Second level</a:t>
             </a:r>
           </a:p>
           <a:p>
             <a:pPr lvl="2"/>
             <a:r>
-              <a:rPr lang="en-US" smtClean="0"/>
+              <a:rPr lang="en-US"/>
               <a:t>Third level</a:t>
             </a:r>
           </a:p>
           <a:p>
             <a:pPr lvl="3"/>
             <a:r>
-              <a:rPr lang="en-US" smtClean="0"/>
+              <a:rPr lang="en-US"/>
               <a:t>Fourth level</a:t>
             </a:r>
           </a:p>
           <a:p>
             <a:pPr lvl="4"/>
             <a:r>
-              <a:rPr lang="en-US" smtClean="0"/>
+              <a:rPr lang="en-US"/>
               <a:t>Fifth level</a:t>
             </a:r>
-            <a:endParaRPr lang="en-US"/>
           </a:p>
         </p:txBody>
       </p:sp>
@@ -3083,7 +3065,7 @@
           <a:p>
             <a:fld id="{04F1D4A2-813C-F741-B481-C92B3A596030}" type="datetimeFigureOut">
               <a:rPr lang="en-US" smtClean="0"/>
-              <a:t>12/27/18</a:t>
+              <a:t>12/11/19</a:t>
             </a:fld>
             <a:endParaRPr lang="en-US"/>
           </a:p>
@@ -3512,24 +3494,19 @@
           <a:p>
             <a:pPr algn="l"/>
             <a:r>
-              <a:rPr lang="en-US" sz="6600" dirty="0" smtClean="0"/>
+              <a:rPr lang="en-US" sz="6600" dirty="0"/>
               <a:t>Web Development and API Design</a:t>
             </a:r>
             <a:br>
-              <a:rPr lang="en-US" sz="6600" dirty="0" smtClean="0"/>
+              <a:rPr lang="en-US" sz="6600" dirty="0"/>
             </a:br>
-            <a:r>
-              <a:rPr lang="en-US" sz="6600" dirty="0" smtClean="0"/>
-              <a:t/>
-            </a:r>
             <a:br>
-              <a:rPr lang="en-US" sz="6600" dirty="0" smtClean="0"/>
+              <a:rPr lang="en-US" sz="6600" dirty="0"/>
             </a:br>
             <a:r>
-              <a:rPr lang="en-US" sz="6600" dirty="0" smtClean="0"/>
-              <a:t>Lesson 02: Bash, Build Tools and Testing</a:t>
-            </a:r>
-            <a:endParaRPr lang="en-US" sz="6600" dirty="0"/>
+              <a:rPr lang="en-US" sz="6600" dirty="0"/>
+              <a:t>Lesson 02: Bash, Regex, Build Tools and Testing</a:t>
+            </a:r>
           </a:p>
         </p:txBody>
       </p:sp>
@@ -3558,17 +3535,13 @@
             <a:pPr algn="r"/>
             <a:r>
               <a:rPr lang="en-US" dirty="0"/>
-              <a:t>P</a:t>
-            </a:r>
-            <a:r>
-              <a:rPr lang="en-US" dirty="0" smtClean="0"/>
-              <a:t>rof. Andrea </a:t>
-            </a:r>
-            <a:r>
-              <a:rPr lang="en-US" dirty="0" err="1" smtClean="0"/>
+              <a:t>Prof. Andrea </a:t>
+            </a:r>
+            <a:r>
+              <a:rPr lang="en-US" dirty="0" err="1"/>
               <a:t>Arcuri</a:t>
             </a:r>
-            <a:endParaRPr lang="en-US" dirty="0" smtClean="0"/>
+            <a:endParaRPr lang="en-US" dirty="0"/>
           </a:p>
         </p:txBody>
       </p:sp>
@@ -3636,13 +3609,6 @@
   <p:clrMapOvr>
     <a:masterClrMapping/>
   </p:clrMapOvr>
-  <p:timing>
-    <p:tnLst>
-      <p:par>
-        <p:cTn id="1" dur="indefinite" restart="never" nodeType="tmRoot"/>
-      </p:par>
-    </p:tnLst>
-  </p:timing>
 </p:sld>
 </file>
 
@@ -3697,13 +3663,6 @@
   <p:clrMapOvr>
     <a:masterClrMapping/>
   </p:clrMapOvr>
-  <p:timing>
-    <p:tnLst>
-      <p:par>
-        <p:cTn id="1" dur="indefinite" restart="never" nodeType="tmRoot"/>
-      </p:par>
-    </p:tnLst>
-  </p:timing>
 </p:sld>
 </file>
 
@@ -3758,13 +3717,6 @@
   <p:clrMapOvr>
     <a:masterClrMapping/>
   </p:clrMapOvr>
-  <p:timing>
-    <p:tnLst>
-      <p:par>
-        <p:cTn id="1" dur="indefinite" restart="never" nodeType="tmRoot"/>
-      </p:par>
-    </p:tnLst>
-  </p:timing>
 </p:sld>
 </file>
 
@@ -3819,13 +3771,6 @@
   <p:clrMapOvr>
     <a:masterClrMapping/>
   </p:clrMapOvr>
-  <p:timing>
-    <p:tnLst>
-      <p:par>
-        <p:cTn id="1" dur="indefinite" restart="never" nodeType="tmRoot"/>
-      </p:par>
-    </p:tnLst>
-  </p:timing>
 </p:sld>
 </file>
 
@@ -3863,33 +3808,16 @@
           <a:p>
             <a:r>
               <a:rPr lang="en-US" dirty="0"/>
-              <a:t>What if you want to count the number </a:t>
-            </a:r>
-            <a:r>
-              <a:rPr lang="en-US" dirty="0" smtClean="0"/>
-              <a:t>of JavaScript files in your project?</a:t>
-            </a:r>
+              <a:t>What if you want to count the number of JavaScript files in your project?</a:t>
+            </a:r>
+          </a:p>
+          <a:p>
             <a:endParaRPr lang="en-US" dirty="0"/>
           </a:p>
           <a:p>
-            <a:endParaRPr lang="en-US" dirty="0"/>
-          </a:p>
-          <a:p>
-            <a:r>
-              <a:rPr lang="en-US" dirty="0"/>
-              <a:t>Or </a:t>
-            </a:r>
-            <a:r>
-              <a:rPr lang="en-US" dirty="0" smtClean="0"/>
-              <a:t>count the total number </a:t>
-            </a:r>
-            <a:r>
-              <a:rPr lang="en-US" dirty="0"/>
-              <a:t>of </a:t>
-            </a:r>
-            <a:r>
-              <a:rPr lang="en-US" dirty="0" smtClean="0"/>
-              <a:t>lines in all those files?</a:t>
+            <a:r>
+              <a:rPr lang="en-US" dirty="0"/>
+              <a:t>Or count the total number of lines in all those files?</a:t>
             </a:r>
           </a:p>
           <a:p>
@@ -3910,13 +3838,6 @@
   <p:clrMapOvr>
     <a:masterClrMapping/>
   </p:clrMapOvr>
-  <p:timing>
-    <p:tnLst>
-      <p:par>
-        <p:cTn id="1" dur="indefinite" restart="never" nodeType="tmRoot"/>
-      </p:par>
-    </p:tnLst>
-  </p:timing>
 </p:sld>
 </file>
 
@@ -3960,187 +3881,182 @@
           <a:lstStyle/>
           <a:p>
             <a:r>
-              <a:rPr lang="en-US" dirty="0" smtClean="0"/>
+              <a:rPr lang="en-US" dirty="0"/>
               <a:t>“</a:t>
             </a:r>
             <a:r>
-              <a:rPr lang="en-US" i="1" dirty="0" smtClean="0"/>
+              <a:rPr lang="en-US" i="1" dirty="0"/>
               <a:t>find</a:t>
             </a:r>
             <a:r>
-              <a:rPr lang="en-US" dirty="0" smtClean="0"/>
+              <a:rPr lang="en-US" dirty="0"/>
               <a:t>” all the files recursively in the current folder “.”</a:t>
             </a:r>
           </a:p>
           <a:p>
             <a:r>
-              <a:rPr lang="en-US" dirty="0" smtClean="0"/>
+              <a:rPr lang="en-US" dirty="0"/>
               <a:t>matching the regular expression for JS/JSX files</a:t>
             </a:r>
           </a:p>
           <a:p>
             <a:pPr lvl="1"/>
             <a:r>
-              <a:rPr lang="en-US" dirty="0" smtClean="0"/>
+              <a:rPr lang="en-US" dirty="0"/>
               <a:t>“</a:t>
             </a:r>
             <a:r>
-              <a:rPr lang="en-US" b="1" dirty="0" smtClean="0"/>
+              <a:rPr lang="en-US" b="1" dirty="0"/>
               <a:t>^</a:t>
             </a:r>
             <a:r>
-              <a:rPr lang="en-US" dirty="0" smtClean="0"/>
+              <a:rPr lang="en-US" dirty="0"/>
               <a:t>” beginning of file name</a:t>
             </a:r>
           </a:p>
           <a:p>
             <a:pPr lvl="1"/>
             <a:r>
-              <a:rPr lang="en-US" dirty="0" smtClean="0"/>
+              <a:rPr lang="en-US" dirty="0"/>
               <a:t>“</a:t>
             </a:r>
             <a:r>
-              <a:rPr lang="en-US" b="1" dirty="0" smtClean="0"/>
+              <a:rPr lang="en-US" b="1" dirty="0"/>
               <a:t>.*</a:t>
             </a:r>
             <a:r>
-              <a:rPr lang="en-US" dirty="0" smtClean="0"/>
+              <a:rPr lang="en-US" dirty="0"/>
               <a:t>” any character (.), any number of times (*)</a:t>
             </a:r>
           </a:p>
           <a:p>
             <a:pPr lvl="1"/>
             <a:r>
-              <a:rPr lang="en-US" dirty="0" smtClean="0"/>
+              <a:rPr lang="en-US" dirty="0"/>
               <a:t>“</a:t>
             </a:r>
             <a:r>
-              <a:rPr lang="en-US" b="1" u="sng" dirty="0" smtClean="0"/>
+              <a:rPr lang="en-US" b="1" u="sng" dirty="0"/>
               <a:t>\.</a:t>
             </a:r>
             <a:r>
-              <a:rPr lang="en-US" dirty="0" smtClean="0"/>
+              <a:rPr lang="en-US" dirty="0"/>
               <a:t>” escaped any-character to represent the character “.”</a:t>
             </a:r>
           </a:p>
           <a:p>
             <a:pPr lvl="1"/>
             <a:r>
-              <a:rPr lang="en-US" dirty="0" smtClean="0"/>
+              <a:rPr lang="en-US" dirty="0"/>
               <a:t>“</a:t>
             </a:r>
             <a:r>
-              <a:rPr lang="en-US" b="1" dirty="0" smtClean="0"/>
+              <a:rPr lang="en-US" b="1" dirty="0"/>
               <a:t>\.</a:t>
             </a:r>
             <a:r>
-              <a:rPr lang="en-US" b="1" dirty="0" err="1" smtClean="0"/>
+              <a:rPr lang="en-US" b="1" dirty="0" err="1"/>
               <a:t>jsx</a:t>
             </a:r>
             <a:r>
-              <a:rPr lang="en-US" b="1" dirty="0" smtClean="0"/>
+              <a:rPr lang="en-US" b="1" dirty="0"/>
               <a:t>?</a:t>
             </a:r>
             <a:r>
-              <a:rPr lang="en-US" dirty="0" smtClean="0"/>
+              <a:rPr lang="en-US" dirty="0"/>
               <a:t>” file ending, where the last “x” is optional (</a:t>
             </a:r>
             <a:r>
-              <a:rPr lang="en-US" dirty="0" err="1" smtClean="0"/>
+              <a:rPr lang="en-US" dirty="0" err="1"/>
               <a:t>ie</a:t>
             </a:r>
             <a:r>
-              <a:rPr lang="en-US" dirty="0" smtClean="0"/>
+              <a:rPr lang="en-US" dirty="0"/>
               <a:t> “?”)</a:t>
             </a:r>
           </a:p>
           <a:p>
             <a:pPr lvl="1"/>
             <a:r>
-              <a:rPr lang="en-US" dirty="0" smtClean="0"/>
+              <a:rPr lang="en-US" dirty="0"/>
               <a:t>“</a:t>
             </a:r>
             <a:r>
-              <a:rPr lang="en-US" b="1" dirty="0" smtClean="0"/>
-              <a:t>-</a:t>
-            </a:r>
-            <a:r>
               <a:rPr lang="en-US" b="1" dirty="0"/>
-              <a:t>not -path */</a:t>
+              <a:t>-not -path */</a:t>
             </a:r>
             <a:r>
               <a:rPr lang="en-US" b="1" dirty="0" err="1"/>
               <a:t>node_modules</a:t>
             </a:r>
             <a:r>
-              <a:rPr lang="en-US" b="1" dirty="0" smtClean="0"/>
+              <a:rPr lang="en-US" b="1" dirty="0"/>
               <a:t>/*</a:t>
             </a:r>
             <a:r>
-              <a:rPr lang="en-US" dirty="0" smtClean="0"/>
+              <a:rPr lang="en-US" dirty="0"/>
               <a:t>” excludes files of imported </a:t>
             </a:r>
             <a:r>
-              <a:rPr lang="en-US" dirty="0" err="1" smtClean="0"/>
+              <a:rPr lang="en-US" dirty="0" err="1"/>
               <a:t>dependenices</a:t>
             </a:r>
-            <a:endParaRPr lang="en-US" dirty="0" smtClean="0"/>
-          </a:p>
-          <a:p>
-            <a:r>
-              <a:rPr lang="en-US" dirty="0" smtClean="0"/>
+            <a:endParaRPr lang="en-US" dirty="0"/>
+          </a:p>
+          <a:p>
+            <a:r>
+              <a:rPr lang="en-US" dirty="0"/>
               <a:t>“</a:t>
             </a:r>
             <a:r>
-              <a:rPr lang="en-US" b="1" dirty="0" smtClean="0"/>
+              <a:rPr lang="en-US" b="1" dirty="0"/>
               <a:t>| </a:t>
             </a:r>
             <a:r>
-              <a:rPr lang="en-US" b="1" dirty="0" err="1" smtClean="0"/>
+              <a:rPr lang="en-US" b="1" dirty="0" err="1"/>
               <a:t>wc</a:t>
             </a:r>
             <a:r>
-              <a:rPr lang="en-US" b="1" dirty="0" smtClean="0"/>
+              <a:rPr lang="en-US" b="1" dirty="0"/>
               <a:t> -l</a:t>
             </a:r>
             <a:r>
-              <a:rPr lang="en-US" dirty="0" smtClean="0"/>
+              <a:rPr lang="en-US" dirty="0"/>
               <a:t>”: pipe file names to line count program </a:t>
             </a:r>
           </a:p>
           <a:p>
             <a:r>
-              <a:rPr lang="en-US" b="1" dirty="0" smtClean="0"/>
+              <a:rPr lang="en-US" b="1" dirty="0"/>
               <a:t>cat `x`</a:t>
             </a:r>
             <a:r>
-              <a:rPr lang="en-US" dirty="0" smtClean="0"/>
+              <a:rPr lang="en-US" dirty="0"/>
               <a:t>: the </a:t>
             </a:r>
             <a:r>
-              <a:rPr lang="en-US" b="1" dirty="0" smtClean="0"/>
+              <a:rPr lang="en-US" b="1" dirty="0"/>
               <a:t>``</a:t>
             </a:r>
             <a:r>
-              <a:rPr lang="en-US" dirty="0" smtClean="0"/>
+              <a:rPr lang="en-US" dirty="0"/>
               <a:t> executes the command inside it, and then puts the output on the terminal </a:t>
             </a:r>
           </a:p>
           <a:p>
             <a:pPr lvl="1"/>
             <a:r>
-              <a:rPr lang="en-US" dirty="0" smtClean="0"/>
+              <a:rPr lang="en-US" dirty="0"/>
               <a:t>so, we print all content of all JS/JSX files with </a:t>
             </a:r>
             <a:r>
-              <a:rPr lang="en-US" b="1" dirty="0" smtClean="0"/>
+              <a:rPr lang="en-US" b="1" dirty="0"/>
               <a:t>cat</a:t>
             </a:r>
             <a:r>
-              <a:rPr lang="en-US" dirty="0" smtClean="0"/>
+              <a:rPr lang="en-US" dirty="0"/>
               <a:t> </a:t>
             </a:r>
-            <a:endParaRPr lang="en-US" dirty="0"/>
           </a:p>
         </p:txBody>
       </p:sp>
@@ -4268,75 +4184,71 @@
           <a:p>
             <a:pPr lvl="1"/>
             <a:r>
-              <a:rPr lang="en-US" dirty="0" smtClean="0"/>
+              <a:rPr lang="en-US" dirty="0"/>
               <a:t>Can use “</a:t>
             </a:r>
             <a:r>
-              <a:rPr lang="en-US" i="1" dirty="0" smtClean="0"/>
+              <a:rPr lang="en-US" i="1" dirty="0"/>
               <a:t>*.</a:t>
             </a:r>
             <a:r>
-              <a:rPr lang="en-US" i="1" dirty="0" err="1" smtClean="0"/>
+              <a:rPr lang="en-US" i="1" dirty="0" err="1"/>
               <a:t>sh</a:t>
             </a:r>
             <a:r>
-              <a:rPr lang="en-US" dirty="0" smtClean="0"/>
+              <a:rPr lang="en-US" dirty="0"/>
               <a:t>” as file extension, </a:t>
             </a:r>
             <a:r>
-              <a:rPr lang="en-US" dirty="0" err="1" smtClean="0"/>
+              <a:rPr lang="en-US" dirty="0" err="1"/>
               <a:t>eg</a:t>
             </a:r>
             <a:r>
-              <a:rPr lang="en-US" dirty="0" smtClean="0"/>
+              <a:rPr lang="en-US" dirty="0"/>
               <a:t> “</a:t>
             </a:r>
             <a:r>
-              <a:rPr lang="en-US" i="1" dirty="0" smtClean="0"/>
+              <a:rPr lang="en-US" i="1" dirty="0"/>
               <a:t>foo.sh</a:t>
             </a:r>
             <a:r>
-              <a:rPr lang="en-US" dirty="0" smtClean="0"/>
+              <a:rPr lang="en-US" dirty="0"/>
               <a:t>”</a:t>
             </a:r>
           </a:p>
           <a:p>
             <a:pPr lvl="1"/>
             <a:r>
-              <a:rPr lang="en-US" dirty="0" smtClean="0"/>
+              <a:rPr lang="en-US" dirty="0"/>
               <a:t>First lines needs to be “</a:t>
             </a:r>
             <a:r>
-              <a:rPr lang="en-US" i="1" dirty="0" smtClean="0"/>
+              <a:rPr lang="en-US" i="1" dirty="0"/>
               <a:t>#!&lt;</a:t>
             </a:r>
             <a:r>
-              <a:rPr lang="en-US" i="1" dirty="0" err="1" smtClean="0"/>
+              <a:rPr lang="en-US" i="1" dirty="0" err="1"/>
               <a:t>pathToBash</a:t>
             </a:r>
             <a:r>
-              <a:rPr lang="en-US" i="1" dirty="0" smtClean="0"/>
+              <a:rPr lang="en-US" i="1" dirty="0"/>
               <a:t>&gt;</a:t>
             </a:r>
             <a:r>
-              <a:rPr lang="en-US" dirty="0" smtClean="0"/>
+              <a:rPr lang="en-US" dirty="0"/>
               <a:t>”, </a:t>
             </a:r>
             <a:r>
-              <a:rPr lang="en-US" dirty="0" err="1" smtClean="0"/>
+              <a:rPr lang="en-US" dirty="0" err="1"/>
               <a:t>eg</a:t>
             </a:r>
             <a:r>
-              <a:rPr lang="en-US" dirty="0" smtClean="0"/>
+              <a:rPr lang="en-US" dirty="0"/>
               <a:t> “</a:t>
             </a:r>
             <a:r>
               <a:rPr lang="en-US" i="1" dirty="0"/>
-              <a:t>#!</a:t>
-            </a:r>
-            <a:r>
-              <a:rPr lang="en-US" i="1" dirty="0" smtClean="0"/>
-              <a:t>/</a:t>
+              <a:t>#!/</a:t>
             </a:r>
             <a:r>
               <a:rPr lang="en-US" i="1" dirty="0" err="1"/>
@@ -4347,17 +4259,16 @@
               <a:t>/bin/bash</a:t>
             </a:r>
             <a:r>
-              <a:rPr lang="en-US" dirty="0" smtClean="0"/>
+              <a:rPr lang="en-US" dirty="0"/>
               <a:t>”</a:t>
             </a:r>
           </a:p>
           <a:p>
             <a:pPr lvl="1"/>
             <a:r>
-              <a:rPr lang="en-US" dirty="0" smtClean="0"/>
+              <a:rPr lang="en-US" dirty="0"/>
               <a:t>Then it can be executed from terminal like any other program</a:t>
             </a:r>
-            <a:endParaRPr lang="en-US" dirty="0"/>
           </a:p>
         </p:txBody>
       </p:sp>
@@ -4371,13 +4282,6 @@
   <p:clrMapOvr>
     <a:masterClrMapping/>
   </p:clrMapOvr>
-  <p:timing>
-    <p:tnLst>
-      <p:par>
-        <p:cTn id="1" dur="indefinite" restart="never" nodeType="tmRoot"/>
-      </p:par>
-    </p:tnLst>
-  </p:timing>
 </p:sld>
 </file>
 
@@ -4400,7 +4304,13 @@
       </p:grpSpPr>
       <p:sp>
         <p:nvSpPr>
-          <p:cNvPr id="4" name="Title 3"/>
+          <p:cNvPr id="4" name="Title 3">
+            <a:extLst>
+              <a:ext uri="{FF2B5EF4-FFF2-40B4-BE49-F238E27FC236}">
+                <a16:creationId xmlns:a16="http://schemas.microsoft.com/office/drawing/2014/main" id="{1DD759C2-9A4A-C84F-83F1-D833650AC0A5}"/>
+              </a:ext>
+            </a:extLst>
+          </p:cNvPr>
           <p:cNvSpPr>
             <a:spLocks noGrp="1"/>
           </p:cNvSpPr>
@@ -4414,36 +4324,16 @@
           <a:lstStyle/>
           <a:p>
             <a:r>
-              <a:rPr lang="en-US" dirty="0" smtClean="0"/>
-              <a:t>Build Tools</a:t>
-            </a:r>
-            <a:endParaRPr lang="en-US" dirty="0"/>
-          </a:p>
-        </p:txBody>
-      </p:sp>
-      <p:sp>
-        <p:nvSpPr>
-          <p:cNvPr id="5" name="Text Placeholder 4"/>
-          <p:cNvSpPr>
-            <a:spLocks noGrp="1"/>
-          </p:cNvSpPr>
-          <p:nvPr>
-            <p:ph type="body" idx="1"/>
-          </p:nvPr>
-        </p:nvSpPr>
-        <p:spPr/>
-        <p:txBody>
-          <a:bodyPr/>
-          <a:lstStyle/>
-          <a:p>
-            <a:endParaRPr lang="en-US"/>
+              <a:rPr lang="en-US" dirty="0"/>
+              <a:t>Regular Expressions</a:t>
+            </a:r>
           </a:p>
         </p:txBody>
       </p:sp>
     </p:spTree>
     <p:extLst>
       <p:ext uri="{BB962C8B-B14F-4D97-AF65-F5344CB8AC3E}">
-        <p14:creationId xmlns:p14="http://schemas.microsoft.com/office/powerpoint/2010/main" val="1333373008"/>
+        <p14:creationId xmlns:p14="http://schemas.microsoft.com/office/powerpoint/2010/main" val="4214956016"/>
       </p:ext>
     </p:extLst>
   </p:cSld>
@@ -4472,7 +4362,13 @@
       </p:grpSpPr>
       <p:sp>
         <p:nvSpPr>
-          <p:cNvPr id="2" name="Title 1"/>
+          <p:cNvPr id="2" name="Title 1">
+            <a:extLst>
+              <a:ext uri="{FF2B5EF4-FFF2-40B4-BE49-F238E27FC236}">
+                <a16:creationId xmlns:a16="http://schemas.microsoft.com/office/drawing/2014/main" id="{B8EA2828-5938-3441-BC86-3D67C67E3147}"/>
+              </a:ext>
+            </a:extLst>
+          </p:cNvPr>
           <p:cNvSpPr>
             <a:spLocks noGrp="1"/>
           </p:cNvSpPr>
@@ -4485,17 +4381,19 @@
           <a:bodyPr/>
           <a:lstStyle/>
           <a:p>
-            <a:r>
-              <a:rPr lang="en-US" dirty="0" smtClean="0"/>
-              <a:t>YARN/NPM</a:t>
-            </a:r>
-            <a:endParaRPr lang="en-US" dirty="0"/>
-          </a:p>
-        </p:txBody>
-      </p:sp>
-      <p:sp>
-        <p:nvSpPr>
-          <p:cNvPr id="3" name="Content Placeholder 2"/>
+            <a:endParaRPr lang="en-US"/>
+          </a:p>
+        </p:txBody>
+      </p:sp>
+      <p:sp>
+        <p:nvSpPr>
+          <p:cNvPr id="3" name="Content Placeholder 2">
+            <a:extLst>
+              <a:ext uri="{FF2B5EF4-FFF2-40B4-BE49-F238E27FC236}">
+                <a16:creationId xmlns:a16="http://schemas.microsoft.com/office/drawing/2014/main" id="{FA0ED066-E1A5-EC41-BD0F-60D4CD8D3C6C}"/>
+              </a:ext>
+            </a:extLst>
+          </p:cNvPr>
           <p:cNvSpPr>
             <a:spLocks noGrp="1"/>
           </p:cNvSpPr>
@@ -4503,133 +4401,22 @@
             <p:ph idx="1"/>
           </p:nvPr>
         </p:nvSpPr>
-        <p:spPr>
-          <a:xfrm>
-            <a:off x="333375" y="1825625"/>
-            <a:ext cx="11591925" cy="4954116"/>
-          </a:xfrm>
-        </p:spPr>
-        <p:txBody>
-          <a:bodyPr>
-            <a:normAutofit fontScale="92500" lnSpcReduction="10000"/>
-          </a:bodyPr>
-          <a:lstStyle/>
-          <a:p>
-            <a:r>
-              <a:rPr lang="en-US" dirty="0" smtClean="0"/>
-              <a:t>We need to use </a:t>
-            </a:r>
-            <a:r>
-              <a:rPr lang="en-US" i="1" dirty="0" smtClean="0"/>
-              <a:t>external libraries</a:t>
-            </a:r>
-            <a:r>
-              <a:rPr lang="en-US" dirty="0" smtClean="0"/>
-              <a:t>, typically open-source</a:t>
-            </a:r>
-          </a:p>
-          <a:p>
-            <a:pPr lvl="1"/>
-            <a:r>
-              <a:rPr lang="en-US" dirty="0" smtClean="0"/>
-              <a:t>An important library we are going to use in the rest of the course is for example </a:t>
-            </a:r>
-            <a:r>
-              <a:rPr lang="en-US" i="1" dirty="0" smtClean="0"/>
-              <a:t>React</a:t>
-            </a:r>
-          </a:p>
-          <a:p>
-            <a:r>
-              <a:rPr lang="en-US" dirty="0" smtClean="0"/>
-              <a:t>Two main tools in JS: </a:t>
-            </a:r>
-            <a:r>
-              <a:rPr lang="en-US" b="1" dirty="0" smtClean="0"/>
-              <a:t>YARN</a:t>
-            </a:r>
-            <a:r>
-              <a:rPr lang="en-US" dirty="0" smtClean="0"/>
-              <a:t> and </a:t>
-            </a:r>
-            <a:r>
-              <a:rPr lang="en-US" b="1" dirty="0" smtClean="0"/>
-              <a:t>NPM</a:t>
-            </a:r>
-          </a:p>
-          <a:p>
-            <a:r>
-              <a:rPr lang="en-US" dirty="0" smtClean="0"/>
-              <a:t>Both </a:t>
-            </a:r>
-            <a:r>
-              <a:rPr lang="en-US" b="1" dirty="0" smtClean="0"/>
-              <a:t>YARN</a:t>
-            </a:r>
-            <a:r>
-              <a:rPr lang="en-US" dirty="0" smtClean="0"/>
-              <a:t> and </a:t>
-            </a:r>
-            <a:r>
-              <a:rPr lang="en-US" b="1" dirty="0" smtClean="0"/>
-              <a:t>NPM</a:t>
-            </a:r>
-            <a:r>
-              <a:rPr lang="en-US" dirty="0" smtClean="0"/>
-              <a:t> access the same dependency repository</a:t>
-            </a:r>
-          </a:p>
-          <a:p>
-            <a:r>
-              <a:rPr lang="en-US" b="1" dirty="0" smtClean="0"/>
-              <a:t>YARN</a:t>
-            </a:r>
-            <a:r>
-              <a:rPr lang="en-US" dirty="0" smtClean="0"/>
-              <a:t> tends to be better, with new features coming earlier</a:t>
-            </a:r>
-          </a:p>
-          <a:p>
-            <a:r>
-              <a:rPr lang="en-US" dirty="0" smtClean="0"/>
-              <a:t>We will use it from terminal</a:t>
-            </a:r>
-          </a:p>
-          <a:p>
-            <a:r>
-              <a:rPr lang="en-US" dirty="0" smtClean="0"/>
-              <a:t>As </a:t>
-            </a:r>
-            <a:r>
-              <a:rPr lang="en-US" b="1" dirty="0" smtClean="0"/>
-              <a:t>YARN</a:t>
-            </a:r>
-            <a:r>
-              <a:rPr lang="en-US" dirty="0" smtClean="0"/>
-              <a:t> executes JS code, we need a runtime for it: that is the reason why you also need to install </a:t>
-            </a:r>
-            <a:r>
-              <a:rPr lang="en-US" b="1" dirty="0" err="1" smtClean="0"/>
-              <a:t>NodeJS</a:t>
-            </a:r>
-            <a:endParaRPr lang="en-US" b="1" dirty="0" smtClean="0"/>
-          </a:p>
-          <a:p>
-            <a:pPr lvl="1"/>
-            <a:r>
-              <a:rPr lang="en-US" dirty="0" smtClean="0"/>
-              <a:t>not going to start a build tool inside a browser…</a:t>
-            </a:r>
-          </a:p>
-          <a:p>
-            <a:endParaRPr lang="en-US" dirty="0"/>
+        <p:spPr/>
+        <p:txBody>
+          <a:bodyPr/>
+          <a:lstStyle/>
+          <a:p>
+            <a:r>
+              <a:rPr lang="en-US" dirty="0"/>
+              <a:t>TODO</a:t>
+            </a:r>
           </a:p>
         </p:txBody>
       </p:sp>
     </p:spTree>
     <p:extLst>
       <p:ext uri="{BB962C8B-B14F-4D97-AF65-F5344CB8AC3E}">
-        <p14:creationId xmlns:p14="http://schemas.microsoft.com/office/powerpoint/2010/main" val="1904657639"/>
+        <p14:creationId xmlns:p14="http://schemas.microsoft.com/office/powerpoint/2010/main" val="3874845751"/>
       </p:ext>
     </p:extLst>
   </p:cSld>
@@ -4658,6 +4445,360 @@
       </p:grpSpPr>
       <p:sp>
         <p:nvSpPr>
+          <p:cNvPr id="4" name="Title 3"/>
+          <p:cNvSpPr>
+            <a:spLocks noGrp="1"/>
+          </p:cNvSpPr>
+          <p:nvPr>
+            <p:ph type="title"/>
+          </p:nvPr>
+        </p:nvSpPr>
+        <p:spPr/>
+        <p:txBody>
+          <a:bodyPr/>
+          <a:lstStyle/>
+          <a:p>
+            <a:r>
+              <a:rPr lang="en-US" dirty="0"/>
+              <a:t>Build Tools</a:t>
+            </a:r>
+          </a:p>
+        </p:txBody>
+      </p:sp>
+    </p:spTree>
+    <p:extLst>
+      <p:ext uri="{BB962C8B-B14F-4D97-AF65-F5344CB8AC3E}">
+        <p14:creationId xmlns:p14="http://schemas.microsoft.com/office/powerpoint/2010/main" val="1333373008"/>
+      </p:ext>
+    </p:extLst>
+  </p:cSld>
+  <p:clrMapOvr>
+    <a:masterClrMapping/>
+  </p:clrMapOvr>
+</p:sld>
+</file>
+
+<file path=ppt/slides/slide2.xml><?xml version="1.0" encoding="utf-8"?>
+<p:sld xmlns:a="http://schemas.openxmlformats.org/drawingml/2006/main" xmlns:r="http://schemas.openxmlformats.org/officeDocument/2006/relationships" xmlns:p="http://schemas.openxmlformats.org/presentationml/2006/main">
+  <p:cSld>
+    <p:spTree>
+      <p:nvGrpSpPr>
+        <p:cNvPr id="1" name=""/>
+        <p:cNvGrpSpPr/>
+        <p:nvPr/>
+      </p:nvGrpSpPr>
+      <p:grpSpPr>
+        <a:xfrm>
+          <a:off x="0" y="0"/>
+          <a:ext cx="0" cy="0"/>
+          <a:chOff x="0" y="0"/>
+          <a:chExt cx="0" cy="0"/>
+        </a:xfrm>
+      </p:grpSpPr>
+      <p:sp>
+        <p:nvSpPr>
+          <p:cNvPr id="2" name="Title 1"/>
+          <p:cNvSpPr>
+            <a:spLocks noGrp="1"/>
+          </p:cNvSpPr>
+          <p:nvPr>
+            <p:ph type="title"/>
+          </p:nvPr>
+        </p:nvSpPr>
+        <p:spPr/>
+        <p:txBody>
+          <a:bodyPr/>
+          <a:lstStyle/>
+          <a:p>
+            <a:r>
+              <a:rPr lang="en-US" dirty="0"/>
+              <a:t>Goals</a:t>
+            </a:r>
+          </a:p>
+        </p:txBody>
+      </p:sp>
+      <p:sp>
+        <p:nvSpPr>
+          <p:cNvPr id="3" name="Content Placeholder 2"/>
+          <p:cNvSpPr>
+            <a:spLocks noGrp="1"/>
+          </p:cNvSpPr>
+          <p:nvPr>
+            <p:ph idx="1"/>
+          </p:nvPr>
+        </p:nvSpPr>
+        <p:spPr>
+          <a:xfrm>
+            <a:off x="362465" y="1825624"/>
+            <a:ext cx="11524735" cy="4781121"/>
+          </a:xfrm>
+        </p:spPr>
+        <p:txBody>
+          <a:bodyPr/>
+          <a:lstStyle/>
+          <a:p>
+            <a:r>
+              <a:rPr lang="en-US" dirty="0"/>
+              <a:t>Review/intro to Bash Terminal</a:t>
+            </a:r>
+          </a:p>
+          <a:p>
+            <a:r>
+              <a:rPr lang="en-US" dirty="0"/>
+              <a:t>Review/intro to Regular Expressions</a:t>
+            </a:r>
+          </a:p>
+          <a:p>
+            <a:r>
+              <a:rPr lang="en-US" dirty="0"/>
+              <a:t>Build tools: </a:t>
+            </a:r>
+            <a:r>
+              <a:rPr lang="en-US" b="1" dirty="0"/>
+              <a:t>YARN</a:t>
+            </a:r>
+            <a:r>
+              <a:rPr lang="en-US" dirty="0"/>
+              <a:t>, </a:t>
+            </a:r>
+            <a:r>
+              <a:rPr lang="en-US" b="1" dirty="0" err="1"/>
+              <a:t>WebPack</a:t>
+            </a:r>
+            <a:r>
+              <a:rPr lang="en-US" dirty="0"/>
+              <a:t> and </a:t>
+            </a:r>
+            <a:r>
+              <a:rPr lang="en-US" b="1" dirty="0"/>
+              <a:t>Babel</a:t>
+            </a:r>
+          </a:p>
+          <a:p>
+            <a:r>
+              <a:rPr lang="en-US" dirty="0"/>
+              <a:t>How to write test cases</a:t>
+            </a:r>
+          </a:p>
+        </p:txBody>
+      </p:sp>
+    </p:spTree>
+    <p:extLst>
+      <p:ext uri="{BB962C8B-B14F-4D97-AF65-F5344CB8AC3E}">
+        <p14:creationId xmlns:p14="http://schemas.microsoft.com/office/powerpoint/2010/main" val="1370664921"/>
+      </p:ext>
+    </p:extLst>
+  </p:cSld>
+  <p:clrMapOvr>
+    <a:masterClrMapping/>
+  </p:clrMapOvr>
+</p:sld>
+</file>
+
+<file path=ppt/slides/slide20.xml><?xml version="1.0" encoding="utf-8"?>
+<p:sld xmlns:a="http://schemas.openxmlformats.org/drawingml/2006/main" xmlns:r="http://schemas.openxmlformats.org/officeDocument/2006/relationships" xmlns:p="http://schemas.openxmlformats.org/presentationml/2006/main">
+  <p:cSld>
+    <p:spTree>
+      <p:nvGrpSpPr>
+        <p:cNvPr id="1" name=""/>
+        <p:cNvGrpSpPr/>
+        <p:nvPr/>
+      </p:nvGrpSpPr>
+      <p:grpSpPr>
+        <a:xfrm>
+          <a:off x="0" y="0"/>
+          <a:ext cx="0" cy="0"/>
+          <a:chOff x="0" y="0"/>
+          <a:chExt cx="0" cy="0"/>
+        </a:xfrm>
+      </p:grpSpPr>
+      <p:sp>
+        <p:nvSpPr>
+          <p:cNvPr id="2" name="Title 1"/>
+          <p:cNvSpPr>
+            <a:spLocks noGrp="1"/>
+          </p:cNvSpPr>
+          <p:nvPr>
+            <p:ph type="title"/>
+          </p:nvPr>
+        </p:nvSpPr>
+        <p:spPr/>
+        <p:txBody>
+          <a:bodyPr/>
+          <a:lstStyle/>
+          <a:p>
+            <a:r>
+              <a:rPr lang="en-US" dirty="0"/>
+              <a:t>YARN/NPM</a:t>
+            </a:r>
+          </a:p>
+        </p:txBody>
+      </p:sp>
+      <p:sp>
+        <p:nvSpPr>
+          <p:cNvPr id="3" name="Content Placeholder 2"/>
+          <p:cNvSpPr>
+            <a:spLocks noGrp="1"/>
+          </p:cNvSpPr>
+          <p:nvPr>
+            <p:ph idx="1"/>
+          </p:nvPr>
+        </p:nvSpPr>
+        <p:spPr>
+          <a:xfrm>
+            <a:off x="333375" y="1825625"/>
+            <a:ext cx="11591925" cy="4954116"/>
+          </a:xfrm>
+        </p:spPr>
+        <p:txBody>
+          <a:bodyPr>
+            <a:normAutofit fontScale="92500" lnSpcReduction="10000"/>
+          </a:bodyPr>
+          <a:lstStyle/>
+          <a:p>
+            <a:r>
+              <a:rPr lang="en-US" dirty="0"/>
+              <a:t>We need to use </a:t>
+            </a:r>
+            <a:r>
+              <a:rPr lang="en-US" i="1" dirty="0"/>
+              <a:t>external libraries</a:t>
+            </a:r>
+            <a:r>
+              <a:rPr lang="en-US" dirty="0"/>
+              <a:t>, typically open-source</a:t>
+            </a:r>
+          </a:p>
+          <a:p>
+            <a:pPr lvl="1"/>
+            <a:r>
+              <a:rPr lang="en-US" dirty="0"/>
+              <a:t>An important library we are going to use in the rest of the course is for example </a:t>
+            </a:r>
+            <a:r>
+              <a:rPr lang="en-US" i="1" dirty="0"/>
+              <a:t>React</a:t>
+            </a:r>
+          </a:p>
+          <a:p>
+            <a:r>
+              <a:rPr lang="en-US" dirty="0"/>
+              <a:t>Two main tools in JS: </a:t>
+            </a:r>
+            <a:r>
+              <a:rPr lang="en-US" b="1" dirty="0"/>
+              <a:t>YARN</a:t>
+            </a:r>
+            <a:r>
+              <a:rPr lang="en-US" dirty="0"/>
+              <a:t> and </a:t>
+            </a:r>
+            <a:r>
+              <a:rPr lang="en-US" b="1" dirty="0"/>
+              <a:t>NPM</a:t>
+            </a:r>
+          </a:p>
+          <a:p>
+            <a:r>
+              <a:rPr lang="en-US" dirty="0"/>
+              <a:t>Both </a:t>
+            </a:r>
+            <a:r>
+              <a:rPr lang="en-US" b="1" dirty="0"/>
+              <a:t>YARN</a:t>
+            </a:r>
+            <a:r>
+              <a:rPr lang="en-US" dirty="0"/>
+              <a:t> and </a:t>
+            </a:r>
+            <a:r>
+              <a:rPr lang="en-US" b="1" dirty="0"/>
+              <a:t>NPM</a:t>
+            </a:r>
+            <a:r>
+              <a:rPr lang="en-US" dirty="0"/>
+              <a:t> access the same dependency repository</a:t>
+            </a:r>
+          </a:p>
+          <a:p>
+            <a:r>
+              <a:rPr lang="en-US" b="1" dirty="0"/>
+              <a:t>YARN</a:t>
+            </a:r>
+            <a:r>
+              <a:rPr lang="en-US" dirty="0"/>
+              <a:t> tends to be better, with new features coming earlier</a:t>
+            </a:r>
+          </a:p>
+          <a:p>
+            <a:r>
+              <a:rPr lang="en-US" dirty="0"/>
+              <a:t>We will use it from terminal</a:t>
+            </a:r>
+          </a:p>
+          <a:p>
+            <a:r>
+              <a:rPr lang="en-US" dirty="0"/>
+              <a:t>As </a:t>
+            </a:r>
+            <a:r>
+              <a:rPr lang="en-US" b="1" dirty="0"/>
+              <a:t>YARN</a:t>
+            </a:r>
+            <a:r>
+              <a:rPr lang="en-US" dirty="0"/>
+              <a:t> executes JS code, we need a runtime for it: that is the reason why you also need to install </a:t>
+            </a:r>
+            <a:r>
+              <a:rPr lang="en-US" b="1" dirty="0" err="1"/>
+              <a:t>NodeJS</a:t>
+            </a:r>
+            <a:endParaRPr lang="en-US" b="1" dirty="0"/>
+          </a:p>
+          <a:p>
+            <a:pPr lvl="1"/>
+            <a:r>
+              <a:rPr lang="en-US" dirty="0"/>
+              <a:t>not going to start a build tool inside a browser…</a:t>
+            </a:r>
+          </a:p>
+          <a:p>
+            <a:endParaRPr lang="en-US" dirty="0"/>
+          </a:p>
+        </p:txBody>
+      </p:sp>
+    </p:spTree>
+    <p:extLst>
+      <p:ext uri="{BB962C8B-B14F-4D97-AF65-F5344CB8AC3E}">
+        <p14:creationId xmlns:p14="http://schemas.microsoft.com/office/powerpoint/2010/main" val="1904657639"/>
+      </p:ext>
+    </p:extLst>
+  </p:cSld>
+  <p:clrMapOvr>
+    <a:masterClrMapping/>
+  </p:clrMapOvr>
+</p:sld>
+</file>
+
+<file path=ppt/slides/slide21.xml><?xml version="1.0" encoding="utf-8"?>
+<p:sld xmlns:a="http://schemas.openxmlformats.org/drawingml/2006/main" xmlns:r="http://schemas.openxmlformats.org/officeDocument/2006/relationships" xmlns:p="http://schemas.openxmlformats.org/presentationml/2006/main">
+  <p:cSld>
+    <p:spTree>
+      <p:nvGrpSpPr>
+        <p:cNvPr id="1" name=""/>
+        <p:cNvGrpSpPr/>
+        <p:nvPr/>
+      </p:nvGrpSpPr>
+      <p:grpSpPr>
+        <a:xfrm>
+          <a:off x="0" y="0"/>
+          <a:ext cx="0" cy="0"/>
+          <a:chOff x="0" y="0"/>
+          <a:chExt cx="0" cy="0"/>
+        </a:xfrm>
+      </p:grpSpPr>
+      <p:sp>
+        <p:nvSpPr>
           <p:cNvPr id="3" name="Content Placeholder 2"/>
           <p:cNvSpPr>
             <a:spLocks noGrp="1"/>
@@ -4679,58 +4820,58 @@
           <a:lstStyle/>
           <a:p>
             <a:r>
-              <a:rPr lang="en-US" b="1" dirty="0" smtClean="0"/>
+              <a:rPr lang="en-US" b="1" dirty="0"/>
               <a:t>yarn </a:t>
             </a:r>
             <a:r>
-              <a:rPr lang="en-US" b="1" dirty="0" err="1" smtClean="0"/>
+              <a:rPr lang="en-US" b="1" dirty="0" err="1"/>
               <a:t>init</a:t>
             </a:r>
             <a:r>
-              <a:rPr lang="en-US" b="1" dirty="0" smtClean="0"/>
+              <a:rPr lang="en-US" b="1" dirty="0"/>
               <a:t> –y</a:t>
             </a:r>
           </a:p>
           <a:p>
             <a:pPr lvl="1"/>
             <a:r>
-              <a:rPr lang="en-US" dirty="0" smtClean="0"/>
+              <a:rPr lang="en-US" dirty="0"/>
               <a:t>create a new </a:t>
-            </a:r>
-            <a:r>
-              <a:rPr lang="en-US" i="1" dirty="0" err="1" smtClean="0"/>
-              <a:t>package.json</a:t>
-            </a:r>
-            <a:r>
-              <a:rPr lang="en-US" dirty="0" smtClean="0"/>
-              <a:t> in current folder, needed when starting new project</a:t>
-            </a:r>
-          </a:p>
-          <a:p>
-            <a:r>
-              <a:rPr lang="en-US" b="1" dirty="0" smtClean="0"/>
-              <a:t>yarn install </a:t>
-            </a:r>
-          </a:p>
-          <a:p>
-            <a:pPr lvl="1"/>
-            <a:r>
-              <a:rPr lang="en-US" dirty="0" smtClean="0"/>
-              <a:t>download and install in “</a:t>
-            </a:r>
-            <a:r>
-              <a:rPr lang="en-US" i="1" dirty="0" err="1" smtClean="0"/>
-              <a:t>node_modules</a:t>
-            </a:r>
-            <a:r>
-              <a:rPr lang="en-US" dirty="0" smtClean="0"/>
-              <a:t>” folder all the dependencies declared in </a:t>
             </a:r>
             <a:r>
               <a:rPr lang="en-US" i="1" dirty="0" err="1"/>
               <a:t>package.json</a:t>
             </a:r>
-            <a:endParaRPr lang="en-US" i="1" dirty="0" smtClean="0"/>
+            <a:r>
+              <a:rPr lang="en-US" dirty="0"/>
+              <a:t> in current folder, needed when starting new project</a:t>
+            </a:r>
+          </a:p>
+          <a:p>
+            <a:r>
+              <a:rPr lang="en-US" b="1" dirty="0"/>
+              <a:t>yarn install </a:t>
+            </a:r>
+          </a:p>
+          <a:p>
+            <a:pPr lvl="1"/>
+            <a:r>
+              <a:rPr lang="en-US" dirty="0"/>
+              <a:t>download and install in “</a:t>
+            </a:r>
+            <a:r>
+              <a:rPr lang="en-US" i="1" dirty="0" err="1"/>
+              <a:t>node_modules</a:t>
+            </a:r>
+            <a:r>
+              <a:rPr lang="en-US" dirty="0"/>
+              <a:t>” folder all the dependencies declared in </a:t>
+            </a:r>
+            <a:r>
+              <a:rPr lang="en-US" i="1" dirty="0" err="1"/>
+              <a:t>package.json</a:t>
+            </a:r>
+            <a:endParaRPr lang="en-US" i="1" dirty="0"/>
           </a:p>
           <a:p>
             <a:endParaRPr lang="en-US" dirty="0"/>
@@ -4774,412 +4915,6 @@
 </p:sld>
 </file>
 
-<file path=ppt/slides/slide2.xml><?xml version="1.0" encoding="utf-8"?>
-<p:sld xmlns:a="http://schemas.openxmlformats.org/drawingml/2006/main" xmlns:r="http://schemas.openxmlformats.org/officeDocument/2006/relationships" xmlns:p="http://schemas.openxmlformats.org/presentationml/2006/main">
-  <p:cSld>
-    <p:spTree>
-      <p:nvGrpSpPr>
-        <p:cNvPr id="1" name=""/>
-        <p:cNvGrpSpPr/>
-        <p:nvPr/>
-      </p:nvGrpSpPr>
-      <p:grpSpPr>
-        <a:xfrm>
-          <a:off x="0" y="0"/>
-          <a:ext cx="0" cy="0"/>
-          <a:chOff x="0" y="0"/>
-          <a:chExt cx="0" cy="0"/>
-        </a:xfrm>
-      </p:grpSpPr>
-      <p:sp>
-        <p:nvSpPr>
-          <p:cNvPr id="2" name="Title 1"/>
-          <p:cNvSpPr>
-            <a:spLocks noGrp="1"/>
-          </p:cNvSpPr>
-          <p:nvPr>
-            <p:ph type="title"/>
-          </p:nvPr>
-        </p:nvSpPr>
-        <p:spPr/>
-        <p:txBody>
-          <a:bodyPr/>
-          <a:lstStyle/>
-          <a:p>
-            <a:r>
-              <a:rPr lang="en-US" dirty="0" smtClean="0"/>
-              <a:t>Goals</a:t>
-            </a:r>
-            <a:endParaRPr lang="en-US" dirty="0"/>
-          </a:p>
-        </p:txBody>
-      </p:sp>
-      <p:sp>
-        <p:nvSpPr>
-          <p:cNvPr id="3" name="Content Placeholder 2"/>
-          <p:cNvSpPr>
-            <a:spLocks noGrp="1"/>
-          </p:cNvSpPr>
-          <p:nvPr>
-            <p:ph idx="1"/>
-          </p:nvPr>
-        </p:nvSpPr>
-        <p:spPr>
-          <a:xfrm>
-            <a:off x="362465" y="1825624"/>
-            <a:ext cx="11524735" cy="4781121"/>
-          </a:xfrm>
-        </p:spPr>
-        <p:txBody>
-          <a:bodyPr/>
-          <a:lstStyle/>
-          <a:p>
-            <a:r>
-              <a:rPr lang="en-US" dirty="0" smtClean="0"/>
-              <a:t>Review/intro to Bash Terminal</a:t>
-            </a:r>
-          </a:p>
-          <a:p>
-            <a:r>
-              <a:rPr lang="en-US" dirty="0" smtClean="0"/>
-              <a:t>Build tools: </a:t>
-            </a:r>
-            <a:r>
-              <a:rPr lang="en-US" b="1" dirty="0" smtClean="0"/>
-              <a:t>YARN</a:t>
-            </a:r>
-            <a:r>
-              <a:rPr lang="en-US" dirty="0" smtClean="0"/>
-              <a:t>, </a:t>
-            </a:r>
-            <a:r>
-              <a:rPr lang="en-US" b="1" dirty="0" err="1" smtClean="0"/>
-              <a:t>WebPack</a:t>
-            </a:r>
-            <a:r>
-              <a:rPr lang="en-US" dirty="0" smtClean="0"/>
-              <a:t> and </a:t>
-            </a:r>
-            <a:r>
-              <a:rPr lang="en-US" b="1" dirty="0" smtClean="0"/>
-              <a:t>Babel</a:t>
-            </a:r>
-          </a:p>
-          <a:p>
-            <a:r>
-              <a:rPr lang="en-US" dirty="0" smtClean="0"/>
-              <a:t>How to write test cases</a:t>
-            </a:r>
-            <a:endParaRPr lang="en-US" dirty="0"/>
-          </a:p>
-        </p:txBody>
-      </p:sp>
-    </p:spTree>
-    <p:extLst>
-      <p:ext uri="{BB962C8B-B14F-4D97-AF65-F5344CB8AC3E}">
-        <p14:creationId xmlns:p14="http://schemas.microsoft.com/office/powerpoint/2010/main" val="1370664921"/>
-      </p:ext>
-    </p:extLst>
-  </p:cSld>
-  <p:clrMapOvr>
-    <a:masterClrMapping/>
-  </p:clrMapOvr>
-</p:sld>
-</file>
-
-<file path=ppt/slides/slide20.xml><?xml version="1.0" encoding="utf-8"?>
-<p:sld xmlns:a="http://schemas.openxmlformats.org/drawingml/2006/main" xmlns:r="http://schemas.openxmlformats.org/officeDocument/2006/relationships" xmlns:p="http://schemas.openxmlformats.org/presentationml/2006/main">
-  <p:cSld>
-    <p:spTree>
-      <p:nvGrpSpPr>
-        <p:cNvPr id="1" name=""/>
-        <p:cNvGrpSpPr/>
-        <p:nvPr/>
-      </p:nvGrpSpPr>
-      <p:grpSpPr>
-        <a:xfrm>
-          <a:off x="0" y="0"/>
-          <a:ext cx="0" cy="0"/>
-          <a:chOff x="0" y="0"/>
-          <a:chExt cx="0" cy="0"/>
-        </a:xfrm>
-      </p:grpSpPr>
-      <p:sp>
-        <p:nvSpPr>
-          <p:cNvPr id="2" name="Title 1"/>
-          <p:cNvSpPr>
-            <a:spLocks noGrp="1"/>
-          </p:cNvSpPr>
-          <p:nvPr>
-            <p:ph type="title"/>
-          </p:nvPr>
-        </p:nvSpPr>
-        <p:spPr/>
-        <p:txBody>
-          <a:bodyPr/>
-          <a:lstStyle/>
-          <a:p>
-            <a:r>
-              <a:rPr lang="en-US" i="1" dirty="0" err="1" smtClean="0"/>
-              <a:t>package.json</a:t>
-            </a:r>
-            <a:endParaRPr lang="en-US" i="1" dirty="0"/>
-          </a:p>
-        </p:txBody>
-      </p:sp>
-      <p:sp>
-        <p:nvSpPr>
-          <p:cNvPr id="3" name="Content Placeholder 2"/>
-          <p:cNvSpPr>
-            <a:spLocks noGrp="1"/>
-          </p:cNvSpPr>
-          <p:nvPr>
-            <p:ph idx="1"/>
-          </p:nvPr>
-        </p:nvSpPr>
-        <p:spPr>
-          <a:xfrm>
-            <a:off x="533400" y="1825624"/>
-            <a:ext cx="11155680" cy="4902836"/>
-          </a:xfrm>
-        </p:spPr>
-        <p:txBody>
-          <a:bodyPr/>
-          <a:lstStyle/>
-          <a:p>
-            <a:r>
-              <a:rPr lang="en-US" dirty="0" smtClean="0"/>
-              <a:t>Main configuration file for the project</a:t>
-            </a:r>
-          </a:p>
-          <a:p>
-            <a:r>
-              <a:rPr lang="en-US" dirty="0" smtClean="0"/>
-              <a:t>Similar to </a:t>
-            </a:r>
-            <a:r>
-              <a:rPr lang="en-US" i="1" dirty="0" smtClean="0"/>
-              <a:t>pom.xml</a:t>
-            </a:r>
-            <a:r>
-              <a:rPr lang="en-US" dirty="0" smtClean="0"/>
-              <a:t> in Maven Java projects</a:t>
-            </a:r>
-          </a:p>
-          <a:p>
-            <a:r>
-              <a:rPr lang="en-US" dirty="0" smtClean="0"/>
-              <a:t>Three main parts you need to care about:</a:t>
-            </a:r>
-          </a:p>
-          <a:p>
-            <a:pPr lvl="1"/>
-            <a:r>
-              <a:rPr lang="en-US" b="1" dirty="0" smtClean="0"/>
-              <a:t>scripts</a:t>
-            </a:r>
-            <a:r>
-              <a:rPr lang="en-US" dirty="0" smtClean="0"/>
-              <a:t>: executable commands from YARN. </a:t>
-            </a:r>
-            <a:r>
-              <a:rPr lang="en-US" dirty="0" err="1" smtClean="0"/>
-              <a:t>Eg</a:t>
-            </a:r>
-            <a:r>
-              <a:rPr lang="en-US" dirty="0" smtClean="0"/>
-              <a:t>, to build or run the app</a:t>
-            </a:r>
-          </a:p>
-          <a:p>
-            <a:pPr lvl="1"/>
-            <a:r>
-              <a:rPr lang="en-US" b="1" dirty="0" smtClean="0"/>
-              <a:t>dependencies</a:t>
-            </a:r>
-            <a:r>
-              <a:rPr lang="en-US" dirty="0" smtClean="0"/>
-              <a:t>: dependencies used in the project</a:t>
-            </a:r>
-          </a:p>
-          <a:p>
-            <a:pPr lvl="1"/>
-            <a:r>
-              <a:rPr lang="en-US" b="1" dirty="0" err="1" smtClean="0"/>
-              <a:t>devDependencies</a:t>
-            </a:r>
-            <a:r>
-              <a:rPr lang="en-US" dirty="0" smtClean="0"/>
-              <a:t>: dependencies only used during development, but not being part of the final app (</a:t>
-            </a:r>
-            <a:r>
-              <a:rPr lang="en-US" dirty="0" err="1" smtClean="0"/>
-              <a:t>eg</a:t>
-            </a:r>
-            <a:r>
-              <a:rPr lang="en-US" dirty="0" smtClean="0"/>
-              <a:t>, we will see </a:t>
-            </a:r>
-            <a:r>
-              <a:rPr lang="en-US" i="1" dirty="0" err="1" smtClean="0"/>
-              <a:t>WebPack</a:t>
-            </a:r>
-            <a:r>
-              <a:rPr lang="en-US" dirty="0" smtClean="0"/>
-              <a:t>)</a:t>
-            </a:r>
-          </a:p>
-          <a:p>
-            <a:endParaRPr lang="en-US" dirty="0"/>
-          </a:p>
-        </p:txBody>
-      </p:sp>
-    </p:spTree>
-    <p:extLst>
-      <p:ext uri="{BB962C8B-B14F-4D97-AF65-F5344CB8AC3E}">
-        <p14:creationId xmlns:p14="http://schemas.microsoft.com/office/powerpoint/2010/main" val="593764777"/>
-      </p:ext>
-    </p:extLst>
-  </p:cSld>
-  <p:clrMapOvr>
-    <a:masterClrMapping/>
-  </p:clrMapOvr>
-</p:sld>
-</file>
-
-<file path=ppt/slides/slide21.xml><?xml version="1.0" encoding="utf-8"?>
-<p:sld xmlns:a="http://schemas.openxmlformats.org/drawingml/2006/main" xmlns:r="http://schemas.openxmlformats.org/officeDocument/2006/relationships" xmlns:p="http://schemas.openxmlformats.org/presentationml/2006/main">
-  <p:cSld>
-    <p:spTree>
-      <p:nvGrpSpPr>
-        <p:cNvPr id="1" name=""/>
-        <p:cNvGrpSpPr/>
-        <p:nvPr/>
-      </p:nvGrpSpPr>
-      <p:grpSpPr>
-        <a:xfrm>
-          <a:off x="0" y="0"/>
-          <a:ext cx="0" cy="0"/>
-          <a:chOff x="0" y="0"/>
-          <a:chExt cx="0" cy="0"/>
-        </a:xfrm>
-      </p:grpSpPr>
-      <p:sp>
-        <p:nvSpPr>
-          <p:cNvPr id="2" name="Title 1"/>
-          <p:cNvSpPr>
-            <a:spLocks noGrp="1"/>
-          </p:cNvSpPr>
-          <p:nvPr>
-            <p:ph type="title"/>
-          </p:nvPr>
-        </p:nvSpPr>
-        <p:spPr/>
-        <p:txBody>
-          <a:bodyPr/>
-          <a:lstStyle/>
-          <a:p>
-            <a:r>
-              <a:rPr lang="en-US" dirty="0" smtClean="0"/>
-              <a:t>JSON for Configuration Files</a:t>
-            </a:r>
-            <a:endParaRPr lang="en-US" dirty="0"/>
-          </a:p>
-        </p:txBody>
-      </p:sp>
-      <p:sp>
-        <p:nvSpPr>
-          <p:cNvPr id="3" name="Content Placeholder 2"/>
-          <p:cNvSpPr>
-            <a:spLocks noGrp="1"/>
-          </p:cNvSpPr>
-          <p:nvPr>
-            <p:ph idx="1"/>
-          </p:nvPr>
-        </p:nvSpPr>
-        <p:spPr>
-          <a:xfrm>
-            <a:off x="263611" y="1825625"/>
-            <a:ext cx="11689492" cy="4351338"/>
-          </a:xfrm>
-        </p:spPr>
-        <p:txBody>
-          <a:bodyPr/>
-          <a:lstStyle/>
-          <a:p>
-            <a:pPr marL="0" indent="0">
-              <a:buNone/>
-            </a:pPr>
-            <a:r>
-              <a:rPr lang="en-US" i="1" dirty="0" smtClean="0"/>
-              <a:t>&lt;rant&gt;</a:t>
-            </a:r>
-          </a:p>
-          <a:p>
-            <a:pPr marL="0" indent="0">
-              <a:buNone/>
-            </a:pPr>
-            <a:r>
-              <a:rPr lang="en-US" dirty="0" smtClean="0"/>
-              <a:t>JSON as format for configuration files is simply </a:t>
-            </a:r>
-            <a:r>
-              <a:rPr lang="en-US" b="1" dirty="0" smtClean="0"/>
-              <a:t>awful</a:t>
-            </a:r>
-            <a:r>
-              <a:rPr lang="en-US" dirty="0" smtClean="0"/>
-              <a:t>.</a:t>
-            </a:r>
-          </a:p>
-          <a:p>
-            <a:pPr marL="0" indent="0">
-              <a:buNone/>
-            </a:pPr>
-            <a:r>
-              <a:rPr lang="en-US" dirty="0" smtClean="0"/>
-              <a:t>For example, you cannot have comments…</a:t>
-            </a:r>
-          </a:p>
-          <a:p>
-            <a:pPr marL="0" indent="0">
-              <a:buNone/>
-            </a:pPr>
-            <a:r>
-              <a:rPr lang="en-US" dirty="0" smtClean="0"/>
-              <a:t>NPM is not better, as uses exactly the same </a:t>
-            </a:r>
-            <a:r>
-              <a:rPr lang="en-US" i="1" dirty="0" err="1" smtClean="0"/>
-              <a:t>package.json</a:t>
-            </a:r>
-            <a:endParaRPr lang="en-US" i="1" dirty="0"/>
-          </a:p>
-          <a:p>
-            <a:pPr marL="0" indent="0">
-              <a:buNone/>
-            </a:pPr>
-            <a:r>
-              <a:rPr lang="en-US" i="1" dirty="0" smtClean="0"/>
-              <a:t>&lt;/rant&gt;</a:t>
-            </a:r>
-            <a:endParaRPr lang="en-US" i="1" dirty="0"/>
-          </a:p>
-        </p:txBody>
-      </p:sp>
-    </p:spTree>
-    <p:extLst>
-      <p:ext uri="{BB962C8B-B14F-4D97-AF65-F5344CB8AC3E}">
-        <p14:creationId xmlns:p14="http://schemas.microsoft.com/office/powerpoint/2010/main" val="49604185"/>
-      </p:ext>
-    </p:extLst>
-  </p:cSld>
-  <p:clrMapOvr>
-    <a:masterClrMapping/>
-  </p:clrMapOvr>
-</p:sld>
-</file>
-
 <file path=ppt/slides/slide22.xml><?xml version="1.0" encoding="utf-8"?>
 <p:sld xmlns:a="http://schemas.openxmlformats.org/drawingml/2006/main" xmlns:r="http://schemas.openxmlformats.org/officeDocument/2006/relationships" xmlns:p="http://schemas.openxmlformats.org/presentationml/2006/main">
   <p:cSld>
@@ -5213,8 +4948,8 @@
           <a:lstStyle/>
           <a:p>
             <a:r>
-              <a:rPr lang="en-US" i="1" dirty="0" err="1" smtClean="0"/>
-              <a:t>yarn.lock</a:t>
+              <a:rPr lang="en-US" i="1" dirty="0" err="1"/>
+              <a:t>package.json</a:t>
             </a:r>
             <a:endParaRPr lang="en-US" i="1" dirty="0"/>
           </a:p>
@@ -5232,100 +4967,97 @@
         </p:nvSpPr>
         <p:spPr>
           <a:xfrm>
-            <a:off x="296561" y="1825625"/>
-            <a:ext cx="11730681" cy="4847024"/>
+            <a:off x="533400" y="1825624"/>
+            <a:ext cx="11155680" cy="4902836"/>
           </a:xfrm>
         </p:spPr>
         <p:txBody>
-          <a:bodyPr>
-            <a:normAutofit lnSpcReduction="10000"/>
-          </a:bodyPr>
-          <a:lstStyle/>
-          <a:p>
-            <a:r>
-              <a:rPr lang="en-US" dirty="0" smtClean="0"/>
-              <a:t>Once you install the dependencies, you will see that YARN does create a </a:t>
-            </a:r>
-            <a:r>
-              <a:rPr lang="en-US" i="1" dirty="0" err="1" smtClean="0"/>
-              <a:t>yarn.lock</a:t>
-            </a:r>
-            <a:r>
-              <a:rPr lang="en-US" dirty="0" smtClean="0"/>
-              <a:t> file</a:t>
-            </a:r>
-          </a:p>
-          <a:p>
-            <a:r>
-              <a:rPr lang="en-US" dirty="0" smtClean="0"/>
-              <a:t>Dependencies need to define which version to use, </a:t>
-            </a:r>
-            <a:r>
-              <a:rPr lang="en-US" dirty="0" err="1" smtClean="0"/>
+          <a:bodyPr/>
+          <a:lstStyle/>
+          <a:p>
+            <a:r>
+              <a:rPr lang="en-US" dirty="0"/>
+              <a:t>Main configuration file for the project</a:t>
+            </a:r>
+          </a:p>
+          <a:p>
+            <a:r>
+              <a:rPr lang="en-US" dirty="0"/>
+              <a:t>Similar to </a:t>
+            </a:r>
+            <a:r>
+              <a:rPr lang="en-US" i="1" dirty="0"/>
+              <a:t>pom.xml</a:t>
+            </a:r>
+            <a:r>
+              <a:rPr lang="en-US" dirty="0"/>
+              <a:t> in Maven Java projects</a:t>
+            </a:r>
+          </a:p>
+          <a:p>
+            <a:r>
+              <a:rPr lang="en-US" dirty="0"/>
+              <a:t>Three main parts you need to care about:</a:t>
+            </a:r>
+          </a:p>
+          <a:p>
+            <a:pPr lvl="1"/>
+            <a:r>
+              <a:rPr lang="en-US" b="1" dirty="0"/>
+              <a:t>scripts</a:t>
+            </a:r>
+            <a:r>
+              <a:rPr lang="en-US" dirty="0"/>
+              <a:t>: executable commands from YARN. </a:t>
+            </a:r>
+            <a:r>
+              <a:rPr lang="en-US" dirty="0" err="1"/>
+              <a:t>Eg</a:t>
+            </a:r>
+            <a:r>
+              <a:rPr lang="en-US" dirty="0"/>
+              <a:t>, to build or run the app</a:t>
+            </a:r>
+          </a:p>
+          <a:p>
+            <a:pPr lvl="1"/>
+            <a:r>
+              <a:rPr lang="en-US" b="1" dirty="0"/>
+              <a:t>dependencies</a:t>
+            </a:r>
+            <a:r>
+              <a:rPr lang="en-US" dirty="0"/>
+              <a:t>: dependencies used in the project</a:t>
+            </a:r>
+          </a:p>
+          <a:p>
+            <a:pPr lvl="1"/>
+            <a:r>
+              <a:rPr lang="en-US" b="1" dirty="0" err="1"/>
+              <a:t>devDependencies</a:t>
+            </a:r>
+            <a:r>
+              <a:rPr lang="en-US" dirty="0"/>
+              <a:t>: dependencies only used during development, but not being part of the final app (</a:t>
+            </a:r>
+            <a:r>
+              <a:rPr lang="en-US" dirty="0" err="1"/>
               <a:t>eg</a:t>
             </a:r>
             <a:r>
-              <a:rPr lang="en-US" dirty="0" smtClean="0"/>
-              <a:t> 1.0.2</a:t>
-            </a:r>
-          </a:p>
-          <a:p>
-            <a:r>
-              <a:rPr lang="en-US" dirty="0" smtClean="0"/>
-              <a:t>You can use caret </a:t>
-            </a:r>
-            <a:r>
-              <a:rPr lang="en-US" b="1" dirty="0" smtClean="0"/>
-              <a:t>^</a:t>
-            </a:r>
-            <a:r>
-              <a:rPr lang="en-US" dirty="0" smtClean="0"/>
-              <a:t> to represent the most recent major version </a:t>
-            </a:r>
-          </a:p>
-          <a:p>
-            <a:pPr lvl="1"/>
-            <a:r>
-              <a:rPr lang="en-US" dirty="0" smtClean="0"/>
-              <a:t>e.g., </a:t>
-            </a:r>
-            <a:r>
-              <a:rPr lang="en-US" b="1" dirty="0" smtClean="0"/>
-              <a:t>^1.0.2</a:t>
-            </a:r>
-            <a:r>
-              <a:rPr lang="en-US" dirty="0" smtClean="0"/>
-              <a:t>  will match </a:t>
-            </a:r>
-            <a:r>
-              <a:rPr lang="en-US" b="1" dirty="0" smtClean="0"/>
-              <a:t>^1.4.1</a:t>
-            </a:r>
-            <a:r>
-              <a:rPr lang="en-US" dirty="0" smtClean="0"/>
-              <a:t>, but not </a:t>
-            </a:r>
-            <a:r>
-              <a:rPr lang="en-US" b="1" dirty="0" smtClean="0"/>
-              <a:t>2.0.0</a:t>
-            </a:r>
-          </a:p>
-          <a:p>
-            <a:r>
-              <a:rPr lang="en-US" i="1" dirty="0" err="1" smtClean="0"/>
-              <a:t>yarn.lock</a:t>
-            </a:r>
-            <a:r>
-              <a:rPr lang="en-US" dirty="0" smtClean="0"/>
-              <a:t> just tells YARN to use the exact same versions of the libraries when such file was created</a:t>
-            </a:r>
-          </a:p>
-          <a:p>
-            <a:pPr lvl="1"/>
-            <a:r>
-              <a:rPr lang="en-US" dirty="0" smtClean="0"/>
-              <a:t>extremely important when working in a team, and new minor updates break backward compatibility or introduce new regression bugs</a:t>
-            </a:r>
+              <a:rPr lang="en-US" dirty="0"/>
+              <a:t>, we will see </a:t>
+            </a:r>
+            <a:r>
+              <a:rPr lang="en-US" i="1" dirty="0" err="1"/>
+              <a:t>WebPack</a:t>
+            </a:r>
+            <a:r>
+              <a:rPr lang="en-US" dirty="0"/>
+              <a:t>)</a:t>
+            </a:r>
+          </a:p>
+          <a:p>
             <a:endParaRPr lang="en-US" dirty="0"/>
           </a:p>
         </p:txBody>
@@ -5333,7 +5065,7 @@
     </p:spTree>
     <p:extLst>
       <p:ext uri="{BB962C8B-B14F-4D97-AF65-F5344CB8AC3E}">
-        <p14:creationId xmlns:p14="http://schemas.microsoft.com/office/powerpoint/2010/main" val="996640242"/>
+        <p14:creationId xmlns:p14="http://schemas.microsoft.com/office/powerpoint/2010/main" val="593764777"/>
       </p:ext>
     </p:extLst>
   </p:cSld>
@@ -5376,10 +5108,9 @@
           <a:lstStyle/>
           <a:p>
             <a:r>
-              <a:rPr lang="en-US" i="1" dirty="0" err="1" smtClean="0"/>
-              <a:t>WebPack</a:t>
-            </a:r>
-            <a:endParaRPr lang="en-US" i="1" dirty="0"/>
+              <a:rPr lang="en-US" dirty="0"/>
+              <a:t>JSON for Configuration Files</a:t>
+            </a:r>
           </a:p>
         </p:txBody>
       </p:sp>
@@ -5395,62 +5126,77 @@
         </p:nvSpPr>
         <p:spPr>
           <a:xfrm>
-            <a:off x="286265" y="1825624"/>
-            <a:ext cx="11592697" cy="4698743"/>
+            <a:off x="263611" y="1825625"/>
+            <a:ext cx="11689492" cy="4351338"/>
           </a:xfrm>
         </p:spPr>
         <p:txBody>
           <a:bodyPr/>
           <a:lstStyle/>
           <a:p>
-            <a:r>
-              <a:rPr lang="en-US" dirty="0" smtClean="0"/>
-              <a:t>Downloading dependencies is not enough</a:t>
-            </a:r>
-          </a:p>
-          <a:p>
-            <a:r>
-              <a:rPr lang="en-US" dirty="0" smtClean="0"/>
-              <a:t>Such dependencies need to be accessed by the HTML pages</a:t>
-            </a:r>
-          </a:p>
-          <a:p>
-            <a:r>
-              <a:rPr lang="en-US" dirty="0" smtClean="0"/>
-              <a:t>Might be cumbersome to update HTML files for each dependency, for each different version</a:t>
-            </a:r>
-          </a:p>
-          <a:p>
-            <a:r>
-              <a:rPr lang="en-US" dirty="0" smtClean="0"/>
-              <a:t>Furthermore, we might only need a small set of functions from a specific library</a:t>
-            </a:r>
-          </a:p>
-          <a:p>
-            <a:r>
-              <a:rPr lang="en-US" dirty="0" smtClean="0"/>
-              <a:t>Solution: </a:t>
-            </a:r>
-            <a:r>
-              <a:rPr lang="en-US" i="1" dirty="0" smtClean="0"/>
-              <a:t>bundling</a:t>
-            </a:r>
-            <a:r>
-              <a:rPr lang="en-US" dirty="0" smtClean="0"/>
-              <a:t> with </a:t>
-            </a:r>
-            <a:r>
-              <a:rPr lang="en-US" b="1" dirty="0" err="1" smtClean="0"/>
-              <a:t>WebPack</a:t>
-            </a:r>
-            <a:endParaRPr lang="en-US" b="1" dirty="0"/>
+            <a:pPr marL="0" indent="0">
+              <a:buNone/>
+            </a:pPr>
+            <a:r>
+              <a:rPr lang="en-US" i="1" dirty="0"/>
+              <a:t>&lt;rant&gt;</a:t>
+            </a:r>
+          </a:p>
+          <a:p>
+            <a:pPr marL="0" indent="0">
+              <a:buNone/>
+            </a:pPr>
+            <a:r>
+              <a:rPr lang="en-US" dirty="0"/>
+              <a:t>JSON as format for configuration files is simply </a:t>
+            </a:r>
+            <a:r>
+              <a:rPr lang="en-US" b="1" dirty="0"/>
+              <a:t>awful</a:t>
+            </a:r>
+            <a:r>
+              <a:rPr lang="en-US" dirty="0"/>
+              <a:t>.</a:t>
+            </a:r>
+          </a:p>
+          <a:p>
+            <a:pPr marL="0" indent="0">
+              <a:buNone/>
+            </a:pPr>
+            <a:r>
+              <a:rPr lang="en-US" dirty="0"/>
+              <a:t>For example, you cannot have comments…</a:t>
+            </a:r>
+          </a:p>
+          <a:p>
+            <a:pPr marL="0" indent="0">
+              <a:buNone/>
+            </a:pPr>
+            <a:r>
+              <a:rPr lang="en-US" dirty="0"/>
+              <a:t>NPM is not better, as uses exactly the same </a:t>
+            </a:r>
+            <a:r>
+              <a:rPr lang="en-US" i="1" dirty="0" err="1"/>
+              <a:t>package.json</a:t>
+            </a:r>
+            <a:endParaRPr lang="en-US" i="1" dirty="0"/>
+          </a:p>
+          <a:p>
+            <a:pPr marL="0" indent="0">
+              <a:buNone/>
+            </a:pPr>
+            <a:r>
+              <a:rPr lang="en-US" i="1" dirty="0"/>
+              <a:t>&lt;/rant&gt;</a:t>
+            </a:r>
           </a:p>
         </p:txBody>
       </p:sp>
     </p:spTree>
     <p:extLst>
       <p:ext uri="{BB962C8B-B14F-4D97-AF65-F5344CB8AC3E}">
-        <p14:creationId xmlns:p14="http://schemas.microsoft.com/office/powerpoint/2010/main" val="1274245261"/>
+        <p14:creationId xmlns:p14="http://schemas.microsoft.com/office/powerpoint/2010/main" val="49604185"/>
       </p:ext>
     </p:extLst>
   </p:cSld>
@@ -5493,14 +5239,10 @@
           <a:lstStyle/>
           <a:p>
             <a:r>
-              <a:rPr lang="en-US" dirty="0"/>
-              <a:t>B</a:t>
-            </a:r>
-            <a:r>
-              <a:rPr lang="en-US" dirty="0" smtClean="0"/>
-              <a:t>undling</a:t>
-            </a:r>
-            <a:endParaRPr lang="en-US" dirty="0"/>
+              <a:rPr lang="en-US" i="1" dirty="0" err="1"/>
+              <a:t>yarn.lock</a:t>
+            </a:r>
+            <a:endParaRPr lang="en-US" i="1" dirty="0"/>
           </a:p>
         </p:txBody>
       </p:sp>
@@ -5516,366 +5258,134 @@
         </p:nvSpPr>
         <p:spPr>
           <a:xfrm>
-            <a:off x="943231" y="1589904"/>
-            <a:ext cx="10305535" cy="588061"/>
+            <a:off x="296561" y="1825625"/>
+            <a:ext cx="11730681" cy="4847024"/>
           </a:xfrm>
         </p:spPr>
         <p:txBody>
-          <a:bodyPr/>
-          <a:lstStyle/>
-          <a:p>
-            <a:pPr marL="0" indent="0">
-              <a:buNone/>
-            </a:pPr>
-            <a:r>
-              <a:rPr lang="en-US" dirty="0" smtClean="0"/>
-              <a:t>In the end, we get a </a:t>
-            </a:r>
-            <a:r>
-              <a:rPr lang="en-US" i="1" dirty="0" smtClean="0"/>
-              <a:t>single</a:t>
-            </a:r>
-            <a:r>
-              <a:rPr lang="en-US" dirty="0" smtClean="0"/>
-              <a:t> JS file</a:t>
-            </a:r>
-            <a:endParaRPr lang="en-US" i="1" dirty="0"/>
-          </a:p>
-        </p:txBody>
-      </p:sp>
-      <p:sp>
-        <p:nvSpPr>
-          <p:cNvPr id="4" name="Rounded Rectangle 3"/>
-          <p:cNvSpPr/>
-          <p:nvPr/>
-        </p:nvSpPr>
-        <p:spPr>
-          <a:xfrm>
-            <a:off x="2092410" y="2644346"/>
-            <a:ext cx="1573427" cy="1342768"/>
-          </a:xfrm>
-          <a:prstGeom prst="roundRect">
-            <a:avLst/>
-          </a:prstGeom>
-        </p:spPr>
-        <p:style>
-          <a:lnRef idx="2">
-            <a:schemeClr val="accent1">
-              <a:shade val="50000"/>
-            </a:schemeClr>
-          </a:lnRef>
-          <a:fillRef idx="1">
-            <a:schemeClr val="accent1"/>
-          </a:fillRef>
-          <a:effectRef idx="0">
-            <a:schemeClr val="accent1"/>
-          </a:effectRef>
-          <a:fontRef idx="minor">
-            <a:schemeClr val="lt1"/>
-          </a:fontRef>
-        </p:style>
-        <p:txBody>
-          <a:bodyPr rtlCol="0" anchor="ctr"/>
-          <a:lstStyle/>
-          <a:p>
-            <a:r>
-              <a:rPr lang="en-US" dirty="0" smtClean="0"/>
-              <a:t>Your JS files:</a:t>
-            </a:r>
-          </a:p>
-          <a:p>
-            <a:r>
-              <a:rPr lang="en-US" dirty="0" smtClean="0"/>
-              <a:t>foo.js</a:t>
-            </a:r>
-          </a:p>
-          <a:p>
-            <a:r>
-              <a:rPr lang="en-US" dirty="0" smtClean="0"/>
-              <a:t>bar.js</a:t>
-            </a:r>
-          </a:p>
-          <a:p>
-            <a:r>
-              <a:rPr lang="en-US" dirty="0" smtClean="0"/>
-              <a:t>whatever.js</a:t>
-            </a:r>
-          </a:p>
-          <a:p>
-            <a:r>
-              <a:rPr lang="en-US" dirty="0" smtClean="0"/>
-              <a:t>etc.</a:t>
-            </a:r>
-            <a:endParaRPr lang="en-US" dirty="0"/>
-          </a:p>
-        </p:txBody>
-      </p:sp>
-      <p:sp>
-        <p:nvSpPr>
-          <p:cNvPr id="5" name="Rounded Rectangle 4"/>
-          <p:cNvSpPr/>
-          <p:nvPr/>
-        </p:nvSpPr>
-        <p:spPr>
-          <a:xfrm>
-            <a:off x="1845276" y="5041556"/>
-            <a:ext cx="2067697" cy="1441621"/>
-          </a:xfrm>
-          <a:prstGeom prst="roundRect">
-            <a:avLst/>
-          </a:prstGeom>
-        </p:spPr>
-        <p:style>
-          <a:lnRef idx="2">
-            <a:schemeClr val="accent5">
-              <a:shade val="50000"/>
-            </a:schemeClr>
-          </a:lnRef>
-          <a:fillRef idx="1">
-            <a:schemeClr val="accent5"/>
-          </a:fillRef>
-          <a:effectRef idx="0">
-            <a:schemeClr val="accent5"/>
-          </a:effectRef>
-          <a:fontRef idx="minor">
-            <a:schemeClr val="lt1"/>
-          </a:fontRef>
-        </p:style>
-        <p:txBody>
-          <a:bodyPr rtlCol="0" anchor="ctr"/>
-          <a:lstStyle/>
-          <a:p>
-            <a:r>
-              <a:rPr lang="en-US" dirty="0" smtClean="0"/>
-              <a:t>Your libraries:</a:t>
-            </a:r>
-          </a:p>
-          <a:p>
-            <a:r>
-              <a:rPr lang="en-US" dirty="0" err="1" smtClean="0"/>
-              <a:t>loadash</a:t>
-            </a:r>
-            <a:endParaRPr lang="en-US" dirty="0" smtClean="0"/>
-          </a:p>
-          <a:p>
-            <a:r>
-              <a:rPr lang="en-US" dirty="0" smtClean="0"/>
-              <a:t>react</a:t>
-            </a:r>
-          </a:p>
-          <a:p>
-            <a:r>
-              <a:rPr lang="en-US" dirty="0" smtClean="0"/>
-              <a:t>react-router</a:t>
-            </a:r>
-          </a:p>
-          <a:p>
-            <a:r>
-              <a:rPr lang="en-US" dirty="0" err="1" smtClean="0"/>
-              <a:t>etc</a:t>
-            </a:r>
-            <a:endParaRPr lang="en-US" dirty="0"/>
-          </a:p>
-        </p:txBody>
-      </p:sp>
-      <p:sp>
-        <p:nvSpPr>
-          <p:cNvPr id="6" name="Rounded Rectangle 5"/>
-          <p:cNvSpPr/>
-          <p:nvPr/>
-        </p:nvSpPr>
-        <p:spPr>
-          <a:xfrm>
-            <a:off x="5255740" y="3987114"/>
-            <a:ext cx="1680519" cy="1054442"/>
-          </a:xfrm>
-          <a:prstGeom prst="roundRect">
-            <a:avLst/>
-          </a:prstGeom>
-        </p:spPr>
-        <p:style>
-          <a:lnRef idx="2">
-            <a:schemeClr val="accent4">
-              <a:shade val="50000"/>
-            </a:schemeClr>
-          </a:lnRef>
-          <a:fillRef idx="1">
-            <a:schemeClr val="accent4"/>
-          </a:fillRef>
-          <a:effectRef idx="0">
-            <a:schemeClr val="accent4"/>
-          </a:effectRef>
-          <a:fontRef idx="minor">
-            <a:schemeClr val="lt1"/>
-          </a:fontRef>
-        </p:style>
-        <p:txBody>
-          <a:bodyPr rtlCol="0" anchor="ctr"/>
-          <a:lstStyle/>
-          <a:p>
-            <a:pPr algn="ctr"/>
-            <a:r>
-              <a:rPr lang="en-US" sz="2800" dirty="0" err="1" smtClean="0"/>
-              <a:t>WebPack</a:t>
-            </a:r>
-            <a:endParaRPr lang="en-US" sz="2800" dirty="0"/>
-          </a:p>
-        </p:txBody>
-      </p:sp>
-      <p:sp>
-        <p:nvSpPr>
-          <p:cNvPr id="7" name="TextBox 6"/>
-          <p:cNvSpPr txBox="1"/>
-          <p:nvPr/>
-        </p:nvSpPr>
-        <p:spPr>
-          <a:xfrm>
-            <a:off x="8526162" y="4221947"/>
-            <a:ext cx="1747594" cy="584775"/>
-          </a:xfrm>
-          <a:prstGeom prst="rect">
-            <a:avLst/>
-          </a:prstGeom>
-          <a:noFill/>
-        </p:spPr>
-        <p:txBody>
-          <a:bodyPr wrap="none" rtlCol="0">
-            <a:spAutoFit/>
+          <a:bodyPr>
+            <a:normAutofit fontScale="92500" lnSpcReduction="10000"/>
           </a:bodyPr>
           <a:lstStyle/>
           <a:p>
             <a:r>
-              <a:rPr lang="en-US" sz="3200" b="1" dirty="0" smtClean="0"/>
-              <a:t>bundle.js</a:t>
-            </a:r>
-            <a:endParaRPr lang="en-US" sz="3200" b="1" dirty="0"/>
-          </a:p>
-        </p:txBody>
-      </p:sp>
-      <p:sp>
-        <p:nvSpPr>
-          <p:cNvPr id="8" name="Right Arrow 7"/>
-          <p:cNvSpPr/>
-          <p:nvPr/>
-        </p:nvSpPr>
-        <p:spPr>
-          <a:xfrm rot="1447483">
-            <a:off x="3842342" y="3495355"/>
-            <a:ext cx="1390242" cy="484632"/>
-          </a:xfrm>
-          <a:prstGeom prst="rightArrow">
-            <a:avLst/>
-          </a:prstGeom>
-        </p:spPr>
-        <p:style>
-          <a:lnRef idx="2">
-            <a:schemeClr val="accent1">
-              <a:shade val="50000"/>
-            </a:schemeClr>
-          </a:lnRef>
-          <a:fillRef idx="1">
-            <a:schemeClr val="accent1"/>
-          </a:fillRef>
-          <a:effectRef idx="0">
-            <a:schemeClr val="accent1"/>
-          </a:effectRef>
-          <a:fontRef idx="minor">
-            <a:schemeClr val="lt1"/>
-          </a:fontRef>
-        </p:style>
-        <p:txBody>
-          <a:bodyPr rtlCol="0" anchor="ctr"/>
-          <a:lstStyle/>
-          <a:p>
-            <a:pPr algn="ctr"/>
-            <a:endParaRPr lang="en-US"/>
-          </a:p>
-        </p:txBody>
-      </p:sp>
-      <p:sp>
-        <p:nvSpPr>
-          <p:cNvPr id="9" name="Right Arrow 8"/>
-          <p:cNvSpPr/>
-          <p:nvPr/>
-        </p:nvSpPr>
-        <p:spPr>
-          <a:xfrm rot="19243129">
-            <a:off x="3938002" y="5177502"/>
-            <a:ext cx="1298339" cy="484632"/>
-          </a:xfrm>
-          <a:prstGeom prst="rightArrow">
-            <a:avLst/>
-          </a:prstGeom>
-        </p:spPr>
-        <p:style>
-          <a:lnRef idx="2">
-            <a:schemeClr val="accent1">
-              <a:shade val="50000"/>
-            </a:schemeClr>
-          </a:lnRef>
-          <a:fillRef idx="1">
-            <a:schemeClr val="accent1"/>
-          </a:fillRef>
-          <a:effectRef idx="0">
-            <a:schemeClr val="accent1"/>
-          </a:effectRef>
-          <a:fontRef idx="minor">
-            <a:schemeClr val="lt1"/>
-          </a:fontRef>
-        </p:style>
-        <p:txBody>
-          <a:bodyPr rtlCol="0" anchor="ctr"/>
-          <a:lstStyle/>
-          <a:p>
-            <a:pPr algn="ctr"/>
-            <a:endParaRPr lang="en-US"/>
-          </a:p>
-        </p:txBody>
-      </p:sp>
-      <p:sp>
-        <p:nvSpPr>
-          <p:cNvPr id="10" name="Right Arrow 9"/>
-          <p:cNvSpPr/>
-          <p:nvPr/>
-        </p:nvSpPr>
-        <p:spPr>
-          <a:xfrm>
-            <a:off x="7300618" y="4272018"/>
-            <a:ext cx="978408" cy="484632"/>
-          </a:xfrm>
-          <a:prstGeom prst="rightArrow">
-            <a:avLst/>
-          </a:prstGeom>
-        </p:spPr>
-        <p:style>
-          <a:lnRef idx="2">
-            <a:schemeClr val="accent1">
-              <a:shade val="50000"/>
-            </a:schemeClr>
-          </a:lnRef>
-          <a:fillRef idx="1">
-            <a:schemeClr val="accent1"/>
-          </a:fillRef>
-          <a:effectRef idx="0">
-            <a:schemeClr val="accent1"/>
-          </a:effectRef>
-          <a:fontRef idx="minor">
-            <a:schemeClr val="lt1"/>
-          </a:fontRef>
-        </p:style>
-        <p:txBody>
-          <a:bodyPr rtlCol="0" anchor="ctr"/>
-          <a:lstStyle/>
-          <a:p>
-            <a:pPr algn="ctr"/>
-            <a:endParaRPr lang="en-US"/>
+              <a:rPr lang="en-US" dirty="0"/>
+              <a:t>Once you install the dependencies, you will see that YARN does create a </a:t>
+            </a:r>
+            <a:r>
+              <a:rPr lang="en-US" i="1" dirty="0" err="1"/>
+              <a:t>yarn.lock</a:t>
+            </a:r>
+            <a:r>
+              <a:rPr lang="en-US" dirty="0"/>
+              <a:t> file</a:t>
+            </a:r>
+          </a:p>
+          <a:p>
+            <a:r>
+              <a:rPr lang="en-US" dirty="0"/>
+              <a:t>Dependencies need to define which version to use, </a:t>
+            </a:r>
+            <a:r>
+              <a:rPr lang="en-US" dirty="0" err="1"/>
+              <a:t>eg</a:t>
+            </a:r>
+            <a:r>
+              <a:rPr lang="en-US" dirty="0"/>
+              <a:t> 1.0.2</a:t>
+            </a:r>
+          </a:p>
+          <a:p>
+            <a:r>
+              <a:rPr lang="en-US" dirty="0"/>
+              <a:t>You can use caret </a:t>
+            </a:r>
+            <a:r>
+              <a:rPr lang="en-US" b="1" dirty="0"/>
+              <a:t>^</a:t>
+            </a:r>
+            <a:r>
+              <a:rPr lang="en-US" dirty="0"/>
+              <a:t> to represent the most recent major version </a:t>
+            </a:r>
+          </a:p>
+          <a:p>
+            <a:pPr lvl="1"/>
+            <a:r>
+              <a:rPr lang="en-US" dirty="0"/>
+              <a:t>e.g., </a:t>
+            </a:r>
+            <a:r>
+              <a:rPr lang="en-US" b="1" dirty="0"/>
+              <a:t>^1.0.2</a:t>
+            </a:r>
+            <a:r>
+              <a:rPr lang="en-US" dirty="0"/>
+              <a:t>  will match </a:t>
+            </a:r>
+            <a:r>
+              <a:rPr lang="en-US" b="1" dirty="0"/>
+              <a:t>^1.4.1</a:t>
+            </a:r>
+            <a:r>
+              <a:rPr lang="en-US" dirty="0"/>
+              <a:t>, but not </a:t>
+            </a:r>
+            <a:r>
+              <a:rPr lang="en-US" b="1" dirty="0"/>
+              <a:t>2.0.0</a:t>
+            </a:r>
+          </a:p>
+          <a:p>
+            <a:r>
+              <a:rPr lang="en-US" i="1" dirty="0" err="1"/>
+              <a:t>yarn.lock</a:t>
+            </a:r>
+            <a:r>
+              <a:rPr lang="en-US" dirty="0"/>
+              <a:t> just tells YARN to use the exact same versions of the libraries when such file was created</a:t>
+            </a:r>
+          </a:p>
+          <a:p>
+            <a:pPr lvl="1"/>
+            <a:r>
+              <a:rPr lang="en-US" dirty="0"/>
+              <a:t>extremely important when working in a team, and new minor updates break backward compatibility or introduce new regression bugs</a:t>
+            </a:r>
+          </a:p>
+          <a:p>
+            <a:pPr lvl="1"/>
+            <a:r>
+              <a:rPr lang="en-US" dirty="0"/>
+              <a:t>even if you fix a version X of a dependency, this could use other third-dependencies with </a:t>
+            </a:r>
+            <a:r>
+              <a:rPr lang="en-US" b="1" dirty="0"/>
+              <a:t>^</a:t>
+            </a:r>
+            <a:r>
+              <a:rPr lang="en-US" dirty="0"/>
+              <a:t>, and so </a:t>
+            </a:r>
+            <a:r>
+              <a:rPr lang="en-US" i="1" dirty="0" err="1"/>
+              <a:t>yarn.lock</a:t>
+            </a:r>
+            <a:r>
+              <a:rPr lang="en-US" i="1" dirty="0"/>
+              <a:t> </a:t>
+            </a:r>
+            <a:r>
+              <a:rPr lang="en-US" dirty="0"/>
+              <a:t>becomes essential</a:t>
+            </a:r>
           </a:p>
         </p:txBody>
       </p:sp>
     </p:spTree>
     <p:extLst>
       <p:ext uri="{BB962C8B-B14F-4D97-AF65-F5344CB8AC3E}">
-        <p14:creationId xmlns:p14="http://schemas.microsoft.com/office/powerpoint/2010/main" val="3578146012"/>
+        <p14:creationId xmlns:p14="http://schemas.microsoft.com/office/powerpoint/2010/main" val="996640242"/>
       </p:ext>
     </p:extLst>
   </p:cSld>
@@ -5912,10 +5422,33 @@
             <p:ph type="title"/>
           </p:nvPr>
         </p:nvSpPr>
+        <p:spPr/>
+        <p:txBody>
+          <a:bodyPr/>
+          <a:lstStyle/>
+          <a:p>
+            <a:r>
+              <a:rPr lang="en-US" i="1" dirty="0" err="1"/>
+              <a:t>WebPack</a:t>
+            </a:r>
+            <a:endParaRPr lang="en-US" i="1" dirty="0"/>
+          </a:p>
+        </p:txBody>
+      </p:sp>
+      <p:sp>
+        <p:nvSpPr>
+          <p:cNvPr id="3" name="Content Placeholder 2"/>
+          <p:cNvSpPr>
+            <a:spLocks noGrp="1"/>
+          </p:cNvSpPr>
+          <p:nvPr>
+            <p:ph idx="1"/>
+          </p:nvPr>
+        </p:nvSpPr>
         <p:spPr>
           <a:xfrm>
-            <a:off x="838200" y="43934"/>
-            <a:ext cx="10515600" cy="1325563"/>
+            <a:off x="286265" y="1825624"/>
+            <a:ext cx="11592697" cy="4698743"/>
           </a:xfrm>
         </p:spPr>
         <p:txBody>
@@ -5923,877 +5456,53 @@
           <a:lstStyle/>
           <a:p>
             <a:r>
-              <a:rPr lang="en-US" dirty="0" smtClean="0"/>
-              <a:t>Configuring </a:t>
-            </a:r>
-            <a:r>
-              <a:rPr lang="en-US" i="1" dirty="0" err="1" smtClean="0"/>
+              <a:rPr lang="en-US" dirty="0"/>
+              <a:t>Downloading dependencies is not enough</a:t>
+            </a:r>
+          </a:p>
+          <a:p>
+            <a:r>
+              <a:rPr lang="en-US" dirty="0"/>
+              <a:t>Such dependencies need to be accessed by the HTML pages</a:t>
+            </a:r>
+          </a:p>
+          <a:p>
+            <a:r>
+              <a:rPr lang="en-US" dirty="0"/>
+              <a:t>Might be cumbersome to update HTML files for each dependency, for each different version</a:t>
+            </a:r>
+          </a:p>
+          <a:p>
+            <a:r>
+              <a:rPr lang="en-US" dirty="0"/>
+              <a:t>Furthermore, we might only need a small set of functions from a specific library</a:t>
+            </a:r>
+          </a:p>
+          <a:p>
+            <a:r>
+              <a:rPr lang="en-US" dirty="0"/>
+              <a:t>Solution: </a:t>
+            </a:r>
+            <a:r>
+              <a:rPr lang="en-US" i="1" dirty="0"/>
+              <a:t>bundling</a:t>
+            </a:r>
+            <a:r>
+              <a:rPr lang="en-US" dirty="0"/>
+              <a:t> with </a:t>
+            </a:r>
+            <a:r>
+              <a:rPr lang="en-US" b="1" dirty="0" err="1"/>
               <a:t>WebPack</a:t>
             </a:r>
-            <a:endParaRPr lang="en-US" i="1" dirty="0"/>
-          </a:p>
-        </p:txBody>
-      </p:sp>
-      <p:sp>
-        <p:nvSpPr>
-          <p:cNvPr id="3" name="Content Placeholder 2"/>
-          <p:cNvSpPr>
-            <a:spLocks noGrp="1"/>
-          </p:cNvSpPr>
-          <p:nvPr>
-            <p:ph idx="1"/>
-          </p:nvPr>
-        </p:nvSpPr>
-        <p:spPr>
-          <a:xfrm>
-            <a:off x="98854" y="1565190"/>
-            <a:ext cx="11936627" cy="2141838"/>
-          </a:xfrm>
-        </p:spPr>
-        <p:txBody>
-          <a:bodyPr>
-            <a:normAutofit lnSpcReduction="10000"/>
-          </a:bodyPr>
-          <a:lstStyle/>
-          <a:p>
-            <a:r>
-              <a:rPr lang="en-US" dirty="0" smtClean="0"/>
-              <a:t>Needs to be installed and called with YARN from </a:t>
-            </a:r>
-            <a:r>
-              <a:rPr lang="en-US" i="1" dirty="0" err="1" smtClean="0"/>
-              <a:t>package.json</a:t>
-            </a:r>
-            <a:endParaRPr lang="en-US" i="1" dirty="0" smtClean="0"/>
-          </a:p>
-          <a:p>
-            <a:r>
-              <a:rPr lang="en-US" i="1" dirty="0" err="1" smtClean="0"/>
-              <a:t>webpack</a:t>
-            </a:r>
-            <a:r>
-              <a:rPr lang="en-US" i="1" dirty="0" smtClean="0"/>
-              <a:t>-dev-server</a:t>
-            </a:r>
-            <a:r>
-              <a:rPr lang="en-US" dirty="0" smtClean="0"/>
-              <a:t> is a useful tool that starts a HTTP server with hot-reloading </a:t>
-            </a:r>
-          </a:p>
-          <a:p>
-            <a:pPr lvl="1"/>
-            <a:r>
-              <a:rPr lang="en-US" dirty="0" err="1" smtClean="0"/>
-              <a:t>ie</a:t>
-            </a:r>
-            <a:r>
-              <a:rPr lang="en-US" dirty="0" smtClean="0"/>
-              <a:t>, if you modify your JS files, it automatically re-bundle them</a:t>
-            </a:r>
-            <a:endParaRPr lang="en-US" dirty="0"/>
-          </a:p>
-        </p:txBody>
-      </p:sp>
-      <p:sp>
-        <p:nvSpPr>
-          <p:cNvPr id="4" name="Rectangle 1"/>
-          <p:cNvSpPr>
-            <a:spLocks noChangeArrowheads="1"/>
-          </p:cNvSpPr>
-          <p:nvPr/>
-        </p:nvSpPr>
-        <p:spPr bwMode="auto">
-          <a:xfrm>
-            <a:off x="469555" y="3920549"/>
-            <a:ext cx="10453817" cy="2862322"/>
-          </a:xfrm>
-          <a:prstGeom prst="rect">
-            <a:avLst/>
-          </a:prstGeom>
-          <a:solidFill>
-            <a:srgbClr val="FFFFFF"/>
-          </a:solidFill>
-          <a:ln>
-            <a:noFill/>
-          </a:ln>
-          <a:effectLst/>
-          <a:extLst>
-            <a:ext uri="{91240B29-F687-4F45-9708-019B960494DF}">
-              <a14:hiddenLine xmlns:a14="http://schemas.microsoft.com/office/drawing/2010/main" w="9525">
-                <a:solidFill>
-                  <a:schemeClr val="tx1"/>
-                </a:solidFill>
-                <a:miter lim="800000"/>
-                <a:headEnd/>
-                <a:tailEnd/>
-              </a14:hiddenLine>
-            </a:ext>
-            <a:ext uri="{AF507438-7753-43E0-B8FC-AC1667EBCBE1}">
-              <a14:hiddenEffects xmlns:a14="http://schemas.microsoft.com/office/drawing/2010/main">
-                <a:effectLst>
-                  <a:outerShdw dist="35921" dir="2700000" algn="ctr" rotWithShape="0">
-                    <a:schemeClr val="bg2"/>
-                  </a:outerShdw>
-                </a:effectLst>
-              </a14:hiddenEffects>
-            </a:ext>
-          </a:extLst>
-        </p:spPr>
-        <p:txBody>
-          <a:bodyPr vert="horz" wrap="square" lIns="91440" tIns="45720" rIns="91440" bIns="45720" numCol="1" anchor="ctr" anchorCtr="0" compatLnSpc="1">
-            <a:prstTxWarp prst="textNoShape">
-              <a:avLst/>
-            </a:prstTxWarp>
-            <a:spAutoFit/>
-          </a:bodyPr>
-          <a:lstStyle/>
-          <a:p>
-            <a:pPr eaLnBrk="0" fontAlgn="base" hangingPunct="0">
-              <a:spcBef>
-                <a:spcPct val="0"/>
-              </a:spcBef>
-              <a:spcAft>
-                <a:spcPct val="0"/>
-              </a:spcAft>
-            </a:pPr>
-            <a:r>
-              <a:rPr lang="en-US" altLang="en-US" sz="2000" b="1" dirty="0">
-                <a:solidFill>
-                  <a:srgbClr val="660E7A"/>
-                </a:solidFill>
-                <a:latin typeface="Courier New" panose="02070309020205020404" pitchFamily="49" charset="0"/>
-                <a:cs typeface="Courier New" panose="02070309020205020404" pitchFamily="49" charset="0"/>
-              </a:rPr>
-              <a:t>"scripts"</a:t>
-            </a:r>
-            <a:r>
-              <a:rPr lang="en-US" altLang="en-US" sz="2000" dirty="0">
-                <a:solidFill>
-                  <a:srgbClr val="000000"/>
-                </a:solidFill>
-                <a:latin typeface="Courier New" panose="02070309020205020404" pitchFamily="49" charset="0"/>
-                <a:cs typeface="Courier New" panose="02070309020205020404" pitchFamily="49" charset="0"/>
-              </a:rPr>
-              <a:t>: {</a:t>
-            </a:r>
-            <a:br>
-              <a:rPr lang="en-US" altLang="en-US" sz="2000" dirty="0">
-                <a:solidFill>
-                  <a:srgbClr val="000000"/>
-                </a:solidFill>
-                <a:latin typeface="Courier New" panose="02070309020205020404" pitchFamily="49" charset="0"/>
-                <a:cs typeface="Courier New" panose="02070309020205020404" pitchFamily="49" charset="0"/>
-              </a:rPr>
-            </a:br>
-            <a:r>
-              <a:rPr lang="en-US" altLang="en-US" sz="2000" dirty="0" smtClean="0">
-                <a:solidFill>
-                  <a:srgbClr val="000000"/>
-                </a:solidFill>
-                <a:latin typeface="Courier New" panose="02070309020205020404" pitchFamily="49" charset="0"/>
-                <a:cs typeface="Courier New" panose="02070309020205020404" pitchFamily="49" charset="0"/>
-              </a:rPr>
-              <a:t>   </a:t>
-            </a:r>
-            <a:r>
-              <a:rPr lang="en-US" altLang="en-US" sz="2000" b="1" dirty="0" smtClean="0">
-                <a:solidFill>
-                  <a:srgbClr val="660E7A"/>
-                </a:solidFill>
-                <a:latin typeface="Courier New" panose="02070309020205020404" pitchFamily="49" charset="0"/>
-                <a:cs typeface="Courier New" panose="02070309020205020404" pitchFamily="49" charset="0"/>
-              </a:rPr>
-              <a:t>"</a:t>
-            </a:r>
-            <a:r>
-              <a:rPr lang="en-US" altLang="en-US" sz="2000" b="1" dirty="0">
-                <a:solidFill>
-                  <a:srgbClr val="660E7A"/>
-                </a:solidFill>
-                <a:latin typeface="Courier New" panose="02070309020205020404" pitchFamily="49" charset="0"/>
-                <a:cs typeface="Courier New" panose="02070309020205020404" pitchFamily="49" charset="0"/>
-              </a:rPr>
-              <a:t>dev"</a:t>
-            </a:r>
-            <a:r>
-              <a:rPr lang="en-US" altLang="en-US" sz="2000" dirty="0">
-                <a:solidFill>
-                  <a:srgbClr val="000000"/>
-                </a:solidFill>
-                <a:latin typeface="Courier New" panose="02070309020205020404" pitchFamily="49" charset="0"/>
-                <a:cs typeface="Courier New" panose="02070309020205020404" pitchFamily="49" charset="0"/>
-              </a:rPr>
-              <a:t>: </a:t>
-            </a:r>
-            <a:r>
-              <a:rPr lang="en-US" altLang="en-US" sz="2000" b="1" dirty="0">
-                <a:solidFill>
-                  <a:srgbClr val="008000"/>
-                </a:solidFill>
-                <a:latin typeface="Courier New" panose="02070309020205020404" pitchFamily="49" charset="0"/>
-                <a:cs typeface="Courier New" panose="02070309020205020404" pitchFamily="49" charset="0"/>
-              </a:rPr>
-              <a:t>"</a:t>
-            </a:r>
-            <a:r>
-              <a:rPr lang="en-US" altLang="en-US" sz="2000" b="1" dirty="0" err="1">
-                <a:solidFill>
-                  <a:srgbClr val="008000"/>
-                </a:solidFill>
-                <a:latin typeface="Courier New" panose="02070309020205020404" pitchFamily="49" charset="0"/>
-                <a:cs typeface="Courier New" panose="02070309020205020404" pitchFamily="49" charset="0"/>
-              </a:rPr>
-              <a:t>webpack</a:t>
-            </a:r>
-            <a:r>
-              <a:rPr lang="en-US" altLang="en-US" sz="2000" b="1" dirty="0">
-                <a:solidFill>
-                  <a:srgbClr val="008000"/>
-                </a:solidFill>
-                <a:latin typeface="Courier New" panose="02070309020205020404" pitchFamily="49" charset="0"/>
-                <a:cs typeface="Courier New" panose="02070309020205020404" pitchFamily="49" charset="0"/>
-              </a:rPr>
-              <a:t>-dev-server --open --mode development"</a:t>
-            </a:r>
-            <a:r>
-              <a:rPr lang="en-US" altLang="en-US" sz="2000" dirty="0">
-                <a:solidFill>
-                  <a:srgbClr val="000000"/>
-                </a:solidFill>
-                <a:latin typeface="Courier New" panose="02070309020205020404" pitchFamily="49" charset="0"/>
-                <a:cs typeface="Courier New" panose="02070309020205020404" pitchFamily="49" charset="0"/>
-              </a:rPr>
-              <a:t>,</a:t>
-            </a:r>
-            <a:br>
-              <a:rPr lang="en-US" altLang="en-US" sz="2000" dirty="0">
-                <a:solidFill>
-                  <a:srgbClr val="000000"/>
-                </a:solidFill>
-                <a:latin typeface="Courier New" panose="02070309020205020404" pitchFamily="49" charset="0"/>
-                <a:cs typeface="Courier New" panose="02070309020205020404" pitchFamily="49" charset="0"/>
-              </a:rPr>
-            </a:br>
-            <a:r>
-              <a:rPr lang="en-US" altLang="en-US" sz="2000" dirty="0" smtClean="0">
-                <a:solidFill>
-                  <a:srgbClr val="000000"/>
-                </a:solidFill>
-                <a:latin typeface="Courier New" panose="02070309020205020404" pitchFamily="49" charset="0"/>
-                <a:cs typeface="Courier New" panose="02070309020205020404" pitchFamily="49" charset="0"/>
-              </a:rPr>
-              <a:t>   </a:t>
-            </a:r>
-            <a:r>
-              <a:rPr lang="en-US" altLang="en-US" sz="2000" b="1" dirty="0" smtClean="0">
-                <a:solidFill>
-                  <a:srgbClr val="660E7A"/>
-                </a:solidFill>
-                <a:latin typeface="Courier New" panose="02070309020205020404" pitchFamily="49" charset="0"/>
-                <a:cs typeface="Courier New" panose="02070309020205020404" pitchFamily="49" charset="0"/>
-              </a:rPr>
-              <a:t>"</a:t>
-            </a:r>
-            <a:r>
-              <a:rPr lang="en-US" altLang="en-US" sz="2000" b="1" dirty="0">
-                <a:solidFill>
-                  <a:srgbClr val="660E7A"/>
-                </a:solidFill>
-                <a:latin typeface="Courier New" panose="02070309020205020404" pitchFamily="49" charset="0"/>
-                <a:cs typeface="Courier New" panose="02070309020205020404" pitchFamily="49" charset="0"/>
-              </a:rPr>
-              <a:t>build"</a:t>
-            </a:r>
-            <a:r>
-              <a:rPr lang="en-US" altLang="en-US" sz="2000" dirty="0">
-                <a:solidFill>
-                  <a:srgbClr val="000000"/>
-                </a:solidFill>
-                <a:latin typeface="Courier New" panose="02070309020205020404" pitchFamily="49" charset="0"/>
-                <a:cs typeface="Courier New" panose="02070309020205020404" pitchFamily="49" charset="0"/>
-              </a:rPr>
-              <a:t>: </a:t>
-            </a:r>
-            <a:r>
-              <a:rPr lang="en-US" altLang="en-US" sz="2000" b="1" dirty="0">
-                <a:solidFill>
-                  <a:srgbClr val="008000"/>
-                </a:solidFill>
-                <a:latin typeface="Courier New" panose="02070309020205020404" pitchFamily="49" charset="0"/>
-                <a:cs typeface="Courier New" panose="02070309020205020404" pitchFamily="49" charset="0"/>
-              </a:rPr>
-              <a:t>"</a:t>
-            </a:r>
-            <a:r>
-              <a:rPr lang="en-US" altLang="en-US" sz="2000" b="1" dirty="0" err="1">
-                <a:solidFill>
-                  <a:srgbClr val="008000"/>
-                </a:solidFill>
-                <a:latin typeface="Courier New" panose="02070309020205020404" pitchFamily="49" charset="0"/>
-                <a:cs typeface="Courier New" panose="02070309020205020404" pitchFamily="49" charset="0"/>
-              </a:rPr>
-              <a:t>webpack</a:t>
-            </a:r>
-            <a:r>
-              <a:rPr lang="en-US" altLang="en-US" sz="2000" b="1" dirty="0">
-                <a:solidFill>
-                  <a:srgbClr val="008000"/>
-                </a:solidFill>
-                <a:latin typeface="Courier New" panose="02070309020205020404" pitchFamily="49" charset="0"/>
-                <a:cs typeface="Courier New" panose="02070309020205020404" pitchFamily="49" charset="0"/>
-              </a:rPr>
-              <a:t> --mode production"</a:t>
-            </a:r>
-            <a:br>
-              <a:rPr lang="en-US" altLang="en-US" sz="2000" b="1" dirty="0">
-                <a:solidFill>
-                  <a:srgbClr val="008000"/>
-                </a:solidFill>
-                <a:latin typeface="Courier New" panose="02070309020205020404" pitchFamily="49" charset="0"/>
-                <a:cs typeface="Courier New" panose="02070309020205020404" pitchFamily="49" charset="0"/>
-              </a:rPr>
-            </a:br>
-            <a:r>
-              <a:rPr lang="en-US" altLang="en-US" sz="2000" dirty="0" smtClean="0">
-                <a:solidFill>
-                  <a:srgbClr val="000000"/>
-                </a:solidFill>
-                <a:latin typeface="Courier New" panose="02070309020205020404" pitchFamily="49" charset="0"/>
-                <a:cs typeface="Courier New" panose="02070309020205020404" pitchFamily="49" charset="0"/>
-              </a:rPr>
-              <a:t>},</a:t>
-            </a:r>
-            <a:endParaRPr kumimoji="0" lang="en-US" altLang="en-US" sz="2000" b="1" i="0" u="none" strike="noStrike" cap="none" normalizeH="0" baseline="0" dirty="0" smtClean="0">
-              <a:ln>
-                <a:noFill/>
-              </a:ln>
-              <a:solidFill>
-                <a:srgbClr val="660E7A"/>
-              </a:solidFill>
-              <a:effectLst/>
-              <a:latin typeface="Courier New" panose="02070309020205020404" pitchFamily="49" charset="0"/>
-              <a:cs typeface="Courier New" panose="02070309020205020404" pitchFamily="49" charset="0"/>
-            </a:endParaRPr>
-          </a:p>
-          <a:p>
-            <a:pPr marL="0" marR="0" lvl="0" indent="0" algn="l" defTabSz="914400" rtl="0" eaLnBrk="0" fontAlgn="base" latinLnBrk="0" hangingPunct="0">
-              <a:lnSpc>
-                <a:spcPct val="100000"/>
-              </a:lnSpc>
-              <a:spcBef>
-                <a:spcPct val="0"/>
-              </a:spcBef>
-              <a:spcAft>
-                <a:spcPct val="0"/>
-              </a:spcAft>
-              <a:buClrTx/>
-              <a:buSzTx/>
-              <a:buFontTx/>
-              <a:buNone/>
-              <a:tabLst/>
-            </a:pPr>
-            <a:r>
-              <a:rPr kumimoji="0" lang="en-US" altLang="en-US" sz="2000" b="1" i="0" u="none" strike="noStrike" cap="none" normalizeH="0" baseline="0" dirty="0" smtClean="0">
-                <a:ln>
-                  <a:noFill/>
-                </a:ln>
-                <a:solidFill>
-                  <a:srgbClr val="660E7A"/>
-                </a:solidFill>
-                <a:effectLst/>
-                <a:latin typeface="Courier New" panose="02070309020205020404" pitchFamily="49" charset="0"/>
-                <a:cs typeface="Courier New" panose="02070309020205020404" pitchFamily="49" charset="0"/>
-              </a:rPr>
-              <a:t>"</a:t>
-            </a:r>
-            <a:r>
-              <a:rPr kumimoji="0" lang="en-US" altLang="en-US" sz="2000" b="1" i="0" u="none" strike="noStrike" cap="none" normalizeH="0" baseline="0" dirty="0" err="1" smtClean="0">
-                <a:ln>
-                  <a:noFill/>
-                </a:ln>
-                <a:solidFill>
-                  <a:srgbClr val="660E7A"/>
-                </a:solidFill>
-                <a:effectLst/>
-                <a:latin typeface="Courier New" panose="02070309020205020404" pitchFamily="49" charset="0"/>
-                <a:cs typeface="Courier New" panose="02070309020205020404" pitchFamily="49" charset="0"/>
-              </a:rPr>
-              <a:t>devDependencies</a:t>
-            </a:r>
-            <a:r>
-              <a:rPr kumimoji="0" lang="en-US" altLang="en-US" sz="2000" b="1" i="0" u="none" strike="noStrike" cap="none" normalizeH="0" baseline="0" dirty="0" smtClean="0">
-                <a:ln>
-                  <a:noFill/>
-                </a:ln>
-                <a:solidFill>
-                  <a:srgbClr val="660E7A"/>
-                </a:solidFill>
-                <a:effectLst/>
-                <a:latin typeface="Courier New" panose="02070309020205020404" pitchFamily="49" charset="0"/>
-                <a:cs typeface="Courier New" panose="02070309020205020404" pitchFamily="49" charset="0"/>
-              </a:rPr>
-              <a:t>"</a:t>
-            </a:r>
-            <a:r>
-              <a:rPr kumimoji="0" lang="en-US" altLang="en-US" sz="2000" b="0" i="0" u="none" strike="noStrike" cap="none" normalizeH="0" baseline="0" dirty="0" smtClean="0">
-                <a:ln>
-                  <a:noFill/>
-                </a:ln>
-                <a:solidFill>
-                  <a:srgbClr val="000000"/>
-                </a:solidFill>
-                <a:effectLst/>
-                <a:latin typeface="Courier New" panose="02070309020205020404" pitchFamily="49" charset="0"/>
-                <a:cs typeface="Courier New" panose="02070309020205020404" pitchFamily="49" charset="0"/>
-              </a:rPr>
-              <a:t>: {</a:t>
-            </a:r>
-            <a:br>
-              <a:rPr kumimoji="0" lang="en-US" altLang="en-US" sz="2000" b="0" i="0" u="none" strike="noStrike" cap="none" normalizeH="0" baseline="0" dirty="0" smtClean="0">
-                <a:ln>
-                  <a:noFill/>
-                </a:ln>
-                <a:solidFill>
-                  <a:srgbClr val="000000"/>
-                </a:solidFill>
-                <a:effectLst/>
-                <a:latin typeface="Courier New" panose="02070309020205020404" pitchFamily="49" charset="0"/>
-                <a:cs typeface="Courier New" panose="02070309020205020404" pitchFamily="49" charset="0"/>
-              </a:rPr>
-            </a:br>
-            <a:r>
-              <a:rPr kumimoji="0" lang="en-US" altLang="en-US" sz="2000" b="0" i="0" u="none" strike="noStrike" cap="none" normalizeH="0" baseline="0" dirty="0" smtClean="0">
-                <a:ln>
-                  <a:noFill/>
-                </a:ln>
-                <a:solidFill>
-                  <a:srgbClr val="000000"/>
-                </a:solidFill>
-                <a:effectLst/>
-                <a:latin typeface="Courier New" panose="02070309020205020404" pitchFamily="49" charset="0"/>
-                <a:cs typeface="Courier New" panose="02070309020205020404" pitchFamily="49" charset="0"/>
-              </a:rPr>
-              <a:t>  </a:t>
-            </a:r>
-            <a:r>
-              <a:rPr kumimoji="0" lang="en-US" altLang="en-US" sz="2000" b="1" i="0" u="none" strike="noStrike" cap="none" normalizeH="0" baseline="0" dirty="0" smtClean="0">
-                <a:ln>
-                  <a:noFill/>
-                </a:ln>
-                <a:solidFill>
-                  <a:srgbClr val="660E7A"/>
-                </a:solidFill>
-                <a:effectLst/>
-                <a:latin typeface="Courier New" panose="02070309020205020404" pitchFamily="49" charset="0"/>
-                <a:cs typeface="Courier New" panose="02070309020205020404" pitchFamily="49" charset="0"/>
-              </a:rPr>
-              <a:t>"</a:t>
-            </a:r>
-            <a:r>
-              <a:rPr kumimoji="0" lang="en-US" altLang="en-US" sz="2000" b="1" i="0" u="none" strike="noStrike" cap="none" normalizeH="0" baseline="0" dirty="0" err="1" smtClean="0">
-                <a:ln>
-                  <a:noFill/>
-                </a:ln>
-                <a:solidFill>
-                  <a:srgbClr val="660E7A"/>
-                </a:solidFill>
-                <a:effectLst/>
-                <a:latin typeface="Courier New" panose="02070309020205020404" pitchFamily="49" charset="0"/>
-                <a:cs typeface="Courier New" panose="02070309020205020404" pitchFamily="49" charset="0"/>
-              </a:rPr>
-              <a:t>webpack</a:t>
-            </a:r>
-            <a:r>
-              <a:rPr kumimoji="0" lang="en-US" altLang="en-US" sz="2000" b="1" i="0" u="none" strike="noStrike" cap="none" normalizeH="0" baseline="0" dirty="0" smtClean="0">
-                <a:ln>
-                  <a:noFill/>
-                </a:ln>
-                <a:solidFill>
-                  <a:srgbClr val="660E7A"/>
-                </a:solidFill>
-                <a:effectLst/>
-                <a:latin typeface="Courier New" panose="02070309020205020404" pitchFamily="49" charset="0"/>
-                <a:cs typeface="Courier New" panose="02070309020205020404" pitchFamily="49" charset="0"/>
-              </a:rPr>
-              <a:t>"</a:t>
-            </a:r>
-            <a:r>
-              <a:rPr kumimoji="0" lang="en-US" altLang="en-US" sz="2000" b="0" i="0" u="none" strike="noStrike" cap="none" normalizeH="0" baseline="0" dirty="0" smtClean="0">
-                <a:ln>
-                  <a:noFill/>
-                </a:ln>
-                <a:solidFill>
-                  <a:srgbClr val="000000"/>
-                </a:solidFill>
-                <a:effectLst/>
-                <a:latin typeface="Courier New" panose="02070309020205020404" pitchFamily="49" charset="0"/>
-                <a:cs typeface="Courier New" panose="02070309020205020404" pitchFamily="49" charset="0"/>
-              </a:rPr>
-              <a:t>: </a:t>
-            </a:r>
-            <a:r>
-              <a:rPr kumimoji="0" lang="en-US" altLang="en-US" sz="2000" b="1" i="0" u="none" strike="noStrike" cap="none" normalizeH="0" baseline="0" dirty="0" smtClean="0">
-                <a:ln>
-                  <a:noFill/>
-                </a:ln>
-                <a:solidFill>
-                  <a:srgbClr val="008000"/>
-                </a:solidFill>
-                <a:effectLst/>
-                <a:latin typeface="Courier New" panose="02070309020205020404" pitchFamily="49" charset="0"/>
-                <a:cs typeface="Courier New" panose="02070309020205020404" pitchFamily="49" charset="0"/>
-              </a:rPr>
-              <a:t>"^4.16.5"</a:t>
-            </a:r>
-            <a:r>
-              <a:rPr kumimoji="0" lang="en-US" altLang="en-US" sz="2000" b="0" i="0" u="none" strike="noStrike" cap="none" normalizeH="0" baseline="0" dirty="0" smtClean="0">
-                <a:ln>
-                  <a:noFill/>
-                </a:ln>
-                <a:solidFill>
-                  <a:srgbClr val="000000"/>
-                </a:solidFill>
-                <a:effectLst/>
-                <a:latin typeface="Courier New" panose="02070309020205020404" pitchFamily="49" charset="0"/>
-                <a:cs typeface="Courier New" panose="02070309020205020404" pitchFamily="49" charset="0"/>
-              </a:rPr>
-              <a:t>,</a:t>
-            </a:r>
-            <a:br>
-              <a:rPr kumimoji="0" lang="en-US" altLang="en-US" sz="2000" b="0" i="0" u="none" strike="noStrike" cap="none" normalizeH="0" baseline="0" dirty="0" smtClean="0">
-                <a:ln>
-                  <a:noFill/>
-                </a:ln>
-                <a:solidFill>
-                  <a:srgbClr val="000000"/>
-                </a:solidFill>
-                <a:effectLst/>
-                <a:latin typeface="Courier New" panose="02070309020205020404" pitchFamily="49" charset="0"/>
-                <a:cs typeface="Courier New" panose="02070309020205020404" pitchFamily="49" charset="0"/>
-              </a:rPr>
-            </a:br>
-            <a:r>
-              <a:rPr kumimoji="0" lang="en-US" altLang="en-US" sz="2000" b="0" i="0" u="none" strike="noStrike" cap="none" normalizeH="0" baseline="0" dirty="0" smtClean="0">
-                <a:ln>
-                  <a:noFill/>
-                </a:ln>
-                <a:solidFill>
-                  <a:srgbClr val="000000"/>
-                </a:solidFill>
-                <a:effectLst/>
-                <a:latin typeface="Courier New" panose="02070309020205020404" pitchFamily="49" charset="0"/>
-                <a:cs typeface="Courier New" panose="02070309020205020404" pitchFamily="49" charset="0"/>
-              </a:rPr>
-              <a:t>  </a:t>
-            </a:r>
-            <a:r>
-              <a:rPr kumimoji="0" lang="en-US" altLang="en-US" sz="2000" b="1" i="0" u="none" strike="noStrike" cap="none" normalizeH="0" baseline="0" dirty="0" smtClean="0">
-                <a:ln>
-                  <a:noFill/>
-                </a:ln>
-                <a:solidFill>
-                  <a:srgbClr val="660E7A"/>
-                </a:solidFill>
-                <a:effectLst/>
-                <a:latin typeface="Courier New" panose="02070309020205020404" pitchFamily="49" charset="0"/>
-                <a:cs typeface="Courier New" panose="02070309020205020404" pitchFamily="49" charset="0"/>
-              </a:rPr>
-              <a:t>"</a:t>
-            </a:r>
-            <a:r>
-              <a:rPr kumimoji="0" lang="en-US" altLang="en-US" sz="2000" b="1" i="0" u="none" strike="noStrike" cap="none" normalizeH="0" baseline="0" dirty="0" err="1" smtClean="0">
-                <a:ln>
-                  <a:noFill/>
-                </a:ln>
-                <a:solidFill>
-                  <a:srgbClr val="660E7A"/>
-                </a:solidFill>
-                <a:effectLst/>
-                <a:latin typeface="Courier New" panose="02070309020205020404" pitchFamily="49" charset="0"/>
-                <a:cs typeface="Courier New" panose="02070309020205020404" pitchFamily="49" charset="0"/>
-              </a:rPr>
-              <a:t>webpack</a:t>
-            </a:r>
-            <a:r>
-              <a:rPr kumimoji="0" lang="en-US" altLang="en-US" sz="2000" b="1" i="0" u="none" strike="noStrike" cap="none" normalizeH="0" baseline="0" dirty="0" smtClean="0">
-                <a:ln>
-                  <a:noFill/>
-                </a:ln>
-                <a:solidFill>
-                  <a:srgbClr val="660E7A"/>
-                </a:solidFill>
-                <a:effectLst/>
-                <a:latin typeface="Courier New" panose="02070309020205020404" pitchFamily="49" charset="0"/>
-                <a:cs typeface="Courier New" panose="02070309020205020404" pitchFamily="49" charset="0"/>
-              </a:rPr>
-              <a:t>-cli"</a:t>
-            </a:r>
-            <a:r>
-              <a:rPr kumimoji="0" lang="en-US" altLang="en-US" sz="2000" b="0" i="0" u="none" strike="noStrike" cap="none" normalizeH="0" baseline="0" dirty="0" smtClean="0">
-                <a:ln>
-                  <a:noFill/>
-                </a:ln>
-                <a:solidFill>
-                  <a:srgbClr val="000000"/>
-                </a:solidFill>
-                <a:effectLst/>
-                <a:latin typeface="Courier New" panose="02070309020205020404" pitchFamily="49" charset="0"/>
-                <a:cs typeface="Courier New" panose="02070309020205020404" pitchFamily="49" charset="0"/>
-              </a:rPr>
-              <a:t>: </a:t>
-            </a:r>
-            <a:r>
-              <a:rPr kumimoji="0" lang="en-US" altLang="en-US" sz="2000" b="1" i="0" u="none" strike="noStrike" cap="none" normalizeH="0" baseline="0" dirty="0" smtClean="0">
-                <a:ln>
-                  <a:noFill/>
-                </a:ln>
-                <a:solidFill>
-                  <a:srgbClr val="008000"/>
-                </a:solidFill>
-                <a:effectLst/>
-                <a:latin typeface="Courier New" panose="02070309020205020404" pitchFamily="49" charset="0"/>
-                <a:cs typeface="Courier New" panose="02070309020205020404" pitchFamily="49" charset="0"/>
-              </a:rPr>
-              <a:t>"^3.1.0"</a:t>
-            </a:r>
-            <a:r>
-              <a:rPr kumimoji="0" lang="en-US" altLang="en-US" sz="2000" b="0" i="0" u="none" strike="noStrike" cap="none" normalizeH="0" baseline="0" dirty="0" smtClean="0">
-                <a:ln>
-                  <a:noFill/>
-                </a:ln>
-                <a:solidFill>
-                  <a:srgbClr val="000000"/>
-                </a:solidFill>
-                <a:effectLst/>
-                <a:latin typeface="Courier New" panose="02070309020205020404" pitchFamily="49" charset="0"/>
-                <a:cs typeface="Courier New" panose="02070309020205020404" pitchFamily="49" charset="0"/>
-              </a:rPr>
-              <a:t>,</a:t>
-            </a:r>
-            <a:br>
-              <a:rPr kumimoji="0" lang="en-US" altLang="en-US" sz="2000" b="0" i="0" u="none" strike="noStrike" cap="none" normalizeH="0" baseline="0" dirty="0" smtClean="0">
-                <a:ln>
-                  <a:noFill/>
-                </a:ln>
-                <a:solidFill>
-                  <a:srgbClr val="000000"/>
-                </a:solidFill>
-                <a:effectLst/>
-                <a:latin typeface="Courier New" panose="02070309020205020404" pitchFamily="49" charset="0"/>
-                <a:cs typeface="Courier New" panose="02070309020205020404" pitchFamily="49" charset="0"/>
-              </a:rPr>
-            </a:br>
-            <a:r>
-              <a:rPr kumimoji="0" lang="en-US" altLang="en-US" sz="2000" b="0" i="0" u="none" strike="noStrike" cap="none" normalizeH="0" baseline="0" dirty="0" smtClean="0">
-                <a:ln>
-                  <a:noFill/>
-                </a:ln>
-                <a:solidFill>
-                  <a:srgbClr val="000000"/>
-                </a:solidFill>
-                <a:effectLst/>
-                <a:latin typeface="Courier New" panose="02070309020205020404" pitchFamily="49" charset="0"/>
-                <a:cs typeface="Courier New" panose="02070309020205020404" pitchFamily="49" charset="0"/>
-              </a:rPr>
-              <a:t>  </a:t>
-            </a:r>
-            <a:r>
-              <a:rPr kumimoji="0" lang="en-US" altLang="en-US" sz="2000" b="1" i="0" u="none" strike="noStrike" cap="none" normalizeH="0" baseline="0" dirty="0" smtClean="0">
-                <a:ln>
-                  <a:noFill/>
-                </a:ln>
-                <a:solidFill>
-                  <a:srgbClr val="660E7A"/>
-                </a:solidFill>
-                <a:effectLst/>
-                <a:latin typeface="Courier New" panose="02070309020205020404" pitchFamily="49" charset="0"/>
-                <a:cs typeface="Courier New" panose="02070309020205020404" pitchFamily="49" charset="0"/>
-              </a:rPr>
-              <a:t>"</a:t>
-            </a:r>
-            <a:r>
-              <a:rPr kumimoji="0" lang="en-US" altLang="en-US" sz="2000" b="1" i="0" u="none" strike="noStrike" cap="none" normalizeH="0" baseline="0" dirty="0" err="1" smtClean="0">
-                <a:ln>
-                  <a:noFill/>
-                </a:ln>
-                <a:solidFill>
-                  <a:srgbClr val="660E7A"/>
-                </a:solidFill>
-                <a:effectLst/>
-                <a:latin typeface="Courier New" panose="02070309020205020404" pitchFamily="49" charset="0"/>
-                <a:cs typeface="Courier New" panose="02070309020205020404" pitchFamily="49" charset="0"/>
-              </a:rPr>
-              <a:t>webpack</a:t>
-            </a:r>
-            <a:r>
-              <a:rPr kumimoji="0" lang="en-US" altLang="en-US" sz="2000" b="1" i="0" u="none" strike="noStrike" cap="none" normalizeH="0" baseline="0" dirty="0" smtClean="0">
-                <a:ln>
-                  <a:noFill/>
-                </a:ln>
-                <a:solidFill>
-                  <a:srgbClr val="660E7A"/>
-                </a:solidFill>
-                <a:effectLst/>
-                <a:latin typeface="Courier New" panose="02070309020205020404" pitchFamily="49" charset="0"/>
-                <a:cs typeface="Courier New" panose="02070309020205020404" pitchFamily="49" charset="0"/>
-              </a:rPr>
-              <a:t>-dev-server"</a:t>
-            </a:r>
-            <a:r>
-              <a:rPr kumimoji="0" lang="en-US" altLang="en-US" sz="2000" b="0" i="0" u="none" strike="noStrike" cap="none" normalizeH="0" baseline="0" dirty="0" smtClean="0">
-                <a:ln>
-                  <a:noFill/>
-                </a:ln>
-                <a:solidFill>
-                  <a:srgbClr val="000000"/>
-                </a:solidFill>
-                <a:effectLst/>
-                <a:latin typeface="Courier New" panose="02070309020205020404" pitchFamily="49" charset="0"/>
-                <a:cs typeface="Courier New" panose="02070309020205020404" pitchFamily="49" charset="0"/>
-              </a:rPr>
-              <a:t>: </a:t>
-            </a:r>
-            <a:r>
-              <a:rPr kumimoji="0" lang="en-US" altLang="en-US" sz="2000" b="1" i="0" u="none" strike="noStrike" cap="none" normalizeH="0" baseline="0" dirty="0" smtClean="0">
-                <a:ln>
-                  <a:noFill/>
-                </a:ln>
-                <a:solidFill>
-                  <a:srgbClr val="008000"/>
-                </a:solidFill>
-                <a:effectLst/>
-                <a:latin typeface="Courier New" panose="02070309020205020404" pitchFamily="49" charset="0"/>
-                <a:cs typeface="Courier New" panose="02070309020205020404" pitchFamily="49" charset="0"/>
-              </a:rPr>
-              <a:t>"^3.1.5"</a:t>
-            </a:r>
-            <a:br>
-              <a:rPr kumimoji="0" lang="en-US" altLang="en-US" sz="2000" b="1" i="0" u="none" strike="noStrike" cap="none" normalizeH="0" baseline="0" dirty="0" smtClean="0">
-                <a:ln>
-                  <a:noFill/>
-                </a:ln>
-                <a:solidFill>
-                  <a:srgbClr val="008000"/>
-                </a:solidFill>
-                <a:effectLst/>
-                <a:latin typeface="Courier New" panose="02070309020205020404" pitchFamily="49" charset="0"/>
-                <a:cs typeface="Courier New" panose="02070309020205020404" pitchFamily="49" charset="0"/>
-              </a:rPr>
-            </a:br>
-            <a:r>
-              <a:rPr kumimoji="0" lang="en-US" altLang="en-US" sz="2000" b="0" i="0" u="none" strike="noStrike" cap="none" normalizeH="0" baseline="0" dirty="0" smtClean="0">
-                <a:ln>
-                  <a:noFill/>
-                </a:ln>
-                <a:solidFill>
-                  <a:srgbClr val="000000"/>
-                </a:solidFill>
-                <a:effectLst/>
-                <a:latin typeface="Courier New" panose="02070309020205020404" pitchFamily="49" charset="0"/>
-                <a:cs typeface="Courier New" panose="02070309020205020404" pitchFamily="49" charset="0"/>
-              </a:rPr>
-              <a:t>}</a:t>
-            </a:r>
-            <a:endParaRPr kumimoji="0" lang="en-US" altLang="en-US" sz="1600" b="0" i="0" u="none" strike="noStrike" cap="none" normalizeH="0" baseline="0" dirty="0" smtClean="0">
-              <a:ln>
-                <a:noFill/>
-              </a:ln>
-              <a:solidFill>
-                <a:schemeClr val="tx1"/>
-              </a:solidFill>
-              <a:effectLst/>
-              <a:latin typeface="Arial" panose="020B0604020202020204" pitchFamily="34" charset="0"/>
-            </a:endParaRPr>
-          </a:p>
-        </p:txBody>
-      </p:sp>
-      <p:sp>
-        <p:nvSpPr>
-          <p:cNvPr id="5" name="Rectangle 2"/>
-          <p:cNvSpPr>
-            <a:spLocks noChangeArrowheads="1"/>
-          </p:cNvSpPr>
-          <p:nvPr/>
-        </p:nvSpPr>
-        <p:spPr bwMode="auto">
-          <a:xfrm>
-            <a:off x="0" y="43934"/>
-            <a:ext cx="184731" cy="369332"/>
-          </a:xfrm>
-          <a:prstGeom prst="rect">
-            <a:avLst/>
-          </a:prstGeom>
-          <a:solidFill>
-            <a:srgbClr val="FFFFFF"/>
-          </a:solidFill>
-          <a:ln>
-            <a:noFill/>
-          </a:ln>
-          <a:effectLst/>
-          <a:extLst>
-            <a:ext uri="{91240B29-F687-4F45-9708-019B960494DF}">
-              <a14:hiddenLine xmlns:a14="http://schemas.microsoft.com/office/drawing/2010/main" w="9525">
-                <a:solidFill>
-                  <a:schemeClr val="tx1"/>
-                </a:solidFill>
-                <a:miter lim="800000"/>
-                <a:headEnd/>
-                <a:tailEnd/>
-              </a14:hiddenLine>
-            </a:ext>
-            <a:ext uri="{AF507438-7753-43E0-B8FC-AC1667EBCBE1}">
-              <a14:hiddenEffects xmlns:a14="http://schemas.microsoft.com/office/drawing/2010/main">
-                <a:effectLst>
-                  <a:outerShdw dist="35921" dir="2700000" algn="ctr" rotWithShape="0">
-                    <a:schemeClr val="bg2"/>
-                  </a:outerShdw>
-                </a:effectLst>
-              </a14:hiddenEffects>
-            </a:ext>
-          </a:extLst>
-        </p:spPr>
-        <p:txBody>
-          <a:bodyPr vert="horz" wrap="none" lIns="91440" tIns="45720" rIns="91440" bIns="45720" numCol="1" anchor="ctr" anchorCtr="0" compatLnSpc="1">
-            <a:prstTxWarp prst="textNoShape">
-              <a:avLst/>
-            </a:prstTxWarp>
-            <a:spAutoFit/>
-          </a:bodyPr>
-          <a:lstStyle/>
-          <a:p>
-            <a:pPr marL="0" marR="0" lvl="0" indent="0" algn="l" defTabSz="914400" rtl="0" eaLnBrk="0" fontAlgn="base" latinLnBrk="0" hangingPunct="0">
-              <a:lnSpc>
-                <a:spcPct val="100000"/>
-              </a:lnSpc>
-              <a:spcBef>
-                <a:spcPct val="0"/>
-              </a:spcBef>
-              <a:spcAft>
-                <a:spcPct val="0"/>
-              </a:spcAft>
-              <a:buClrTx/>
-              <a:buSzTx/>
-              <a:buFontTx/>
-              <a:buNone/>
-              <a:tabLst/>
-            </a:pPr>
-            <a:endParaRPr kumimoji="0" lang="en-US" altLang="en-US" sz="1800" b="0" i="0" u="none" strike="noStrike" cap="none" normalizeH="0" baseline="0" dirty="0" smtClean="0">
-              <a:ln>
-                <a:noFill/>
-              </a:ln>
-              <a:solidFill>
-                <a:schemeClr val="tx1"/>
-              </a:solidFill>
-              <a:effectLst/>
-              <a:latin typeface="Arial" panose="020B0604020202020204" pitchFamily="34" charset="0"/>
-            </a:endParaRPr>
+            <a:endParaRPr lang="en-US" b="1" dirty="0"/>
           </a:p>
         </p:txBody>
       </p:sp>
     </p:spTree>
     <p:extLst>
       <p:ext uri="{BB962C8B-B14F-4D97-AF65-F5344CB8AC3E}">
-        <p14:creationId xmlns:p14="http://schemas.microsoft.com/office/powerpoint/2010/main" val="2180544995"/>
+        <p14:creationId xmlns:p14="http://schemas.microsoft.com/office/powerpoint/2010/main" val="1274245261"/>
       </p:ext>
     </p:extLst>
   </p:cSld>
@@ -6836,10 +5545,9 @@
           <a:lstStyle/>
           <a:p>
             <a:r>
-              <a:rPr lang="en-US" i="1" dirty="0" smtClean="0"/>
-              <a:t>webpack.config.js</a:t>
-            </a:r>
-            <a:endParaRPr lang="en-US" i="1" dirty="0"/>
+              <a:rPr lang="en-US" dirty="0"/>
+              <a:t>Bundling</a:t>
+            </a:r>
           </a:p>
         </p:txBody>
       </p:sp>
@@ -6855,51 +5563,364 @@
         </p:nvSpPr>
         <p:spPr>
           <a:xfrm>
-            <a:off x="280085" y="1825625"/>
-            <a:ext cx="11738919" cy="4789359"/>
+            <a:off x="943231" y="1589904"/>
+            <a:ext cx="10305535" cy="588061"/>
           </a:xfrm>
         </p:spPr>
         <p:txBody>
           <a:bodyPr/>
           <a:lstStyle/>
           <a:p>
-            <a:r>
-              <a:rPr lang="en-US" dirty="0" smtClean="0"/>
-              <a:t>Besides being called from </a:t>
-            </a:r>
-            <a:r>
-              <a:rPr lang="en-US" i="1" dirty="0" err="1" smtClean="0"/>
-              <a:t>package.json</a:t>
-            </a:r>
-            <a:r>
-              <a:rPr lang="en-US" dirty="0" smtClean="0"/>
-              <a:t>, WP also needs its own configurations</a:t>
-            </a:r>
-          </a:p>
-          <a:p>
-            <a:pPr lvl="1"/>
-            <a:r>
-              <a:rPr lang="en-US" dirty="0" err="1" smtClean="0"/>
-              <a:t>Eg</a:t>
-            </a:r>
-            <a:r>
-              <a:rPr lang="en-US" dirty="0" smtClean="0"/>
-              <a:t>, name of the file to create, and which directory to save it into</a:t>
-            </a:r>
-          </a:p>
-          <a:p>
-            <a:r>
-              <a:rPr lang="en-US" dirty="0" smtClean="0"/>
-              <a:t>Configuration done in a JavaScript file</a:t>
+            <a:pPr marL="0" indent="0">
+              <a:buNone/>
+            </a:pPr>
+            <a:r>
+              <a:rPr lang="en-US" dirty="0"/>
+              <a:t>In the end, we get a </a:t>
+            </a:r>
+            <a:r>
+              <a:rPr lang="en-US" i="1" dirty="0"/>
+              <a:t>single</a:t>
+            </a:r>
+            <a:r>
+              <a:rPr lang="en-US" dirty="0"/>
+              <a:t> JS file</a:t>
+            </a:r>
+            <a:endParaRPr lang="en-US" i="1" dirty="0"/>
+          </a:p>
+        </p:txBody>
+      </p:sp>
+      <p:sp>
+        <p:nvSpPr>
+          <p:cNvPr id="4" name="Rounded Rectangle 3"/>
+          <p:cNvSpPr/>
+          <p:nvPr/>
+        </p:nvSpPr>
+        <p:spPr>
+          <a:xfrm>
+            <a:off x="2092410" y="2644346"/>
+            <a:ext cx="1573427" cy="1342768"/>
+          </a:xfrm>
+          <a:prstGeom prst="roundRect">
+            <a:avLst/>
+          </a:prstGeom>
+        </p:spPr>
+        <p:style>
+          <a:lnRef idx="2">
+            <a:schemeClr val="accent1">
+              <a:shade val="50000"/>
+            </a:schemeClr>
+          </a:lnRef>
+          <a:fillRef idx="1">
+            <a:schemeClr val="accent1"/>
+          </a:fillRef>
+          <a:effectRef idx="0">
+            <a:schemeClr val="accent1"/>
+          </a:effectRef>
+          <a:fontRef idx="minor">
+            <a:schemeClr val="lt1"/>
+          </a:fontRef>
+        </p:style>
+        <p:txBody>
+          <a:bodyPr rtlCol="0" anchor="ctr"/>
+          <a:lstStyle/>
+          <a:p>
+            <a:r>
+              <a:rPr lang="en-US" dirty="0"/>
+              <a:t>Your JS files:</a:t>
+            </a:r>
+          </a:p>
+          <a:p>
+            <a:r>
+              <a:rPr lang="en-US" dirty="0"/>
+              <a:t>foo.js</a:t>
+            </a:r>
+          </a:p>
+          <a:p>
+            <a:r>
+              <a:rPr lang="en-US" dirty="0"/>
+              <a:t>bar.js</a:t>
+            </a:r>
+          </a:p>
+          <a:p>
+            <a:r>
+              <a:rPr lang="en-US" dirty="0"/>
+              <a:t>whatever.js</a:t>
+            </a:r>
+          </a:p>
+          <a:p>
+            <a:r>
+              <a:rPr lang="en-US" dirty="0"/>
+              <a:t>etc.</a:t>
+            </a:r>
+          </a:p>
+        </p:txBody>
+      </p:sp>
+      <p:sp>
+        <p:nvSpPr>
+          <p:cNvPr id="5" name="Rounded Rectangle 4"/>
+          <p:cNvSpPr/>
+          <p:nvPr/>
+        </p:nvSpPr>
+        <p:spPr>
+          <a:xfrm>
+            <a:off x="1845276" y="5041556"/>
+            <a:ext cx="2067697" cy="1441621"/>
+          </a:xfrm>
+          <a:prstGeom prst="roundRect">
+            <a:avLst/>
+          </a:prstGeom>
+        </p:spPr>
+        <p:style>
+          <a:lnRef idx="2">
+            <a:schemeClr val="accent5">
+              <a:shade val="50000"/>
+            </a:schemeClr>
+          </a:lnRef>
+          <a:fillRef idx="1">
+            <a:schemeClr val="accent5"/>
+          </a:fillRef>
+          <a:effectRef idx="0">
+            <a:schemeClr val="accent5"/>
+          </a:effectRef>
+          <a:fontRef idx="minor">
+            <a:schemeClr val="lt1"/>
+          </a:fontRef>
+        </p:style>
+        <p:txBody>
+          <a:bodyPr rtlCol="0" anchor="ctr"/>
+          <a:lstStyle/>
+          <a:p>
+            <a:r>
+              <a:rPr lang="en-US" dirty="0"/>
+              <a:t>Your libraries:</a:t>
+            </a:r>
+          </a:p>
+          <a:p>
+            <a:r>
+              <a:rPr lang="en-US" dirty="0" err="1"/>
+              <a:t>lodash</a:t>
             </a:r>
             <a:endParaRPr lang="en-US" dirty="0"/>
+          </a:p>
+          <a:p>
+            <a:r>
+              <a:rPr lang="en-US" dirty="0"/>
+              <a:t>react</a:t>
+            </a:r>
+          </a:p>
+          <a:p>
+            <a:r>
+              <a:rPr lang="en-US" dirty="0"/>
+              <a:t>react-router</a:t>
+            </a:r>
+          </a:p>
+          <a:p>
+            <a:r>
+              <a:rPr lang="en-US" dirty="0" err="1"/>
+              <a:t>etc</a:t>
+            </a:r>
+            <a:endParaRPr lang="en-US" dirty="0"/>
+          </a:p>
+        </p:txBody>
+      </p:sp>
+      <p:sp>
+        <p:nvSpPr>
+          <p:cNvPr id="6" name="Rounded Rectangle 5"/>
+          <p:cNvSpPr/>
+          <p:nvPr/>
+        </p:nvSpPr>
+        <p:spPr>
+          <a:xfrm>
+            <a:off x="5255740" y="3987114"/>
+            <a:ext cx="1680519" cy="1054442"/>
+          </a:xfrm>
+          <a:prstGeom prst="roundRect">
+            <a:avLst/>
+          </a:prstGeom>
+        </p:spPr>
+        <p:style>
+          <a:lnRef idx="2">
+            <a:schemeClr val="accent4">
+              <a:shade val="50000"/>
+            </a:schemeClr>
+          </a:lnRef>
+          <a:fillRef idx="1">
+            <a:schemeClr val="accent4"/>
+          </a:fillRef>
+          <a:effectRef idx="0">
+            <a:schemeClr val="accent4"/>
+          </a:effectRef>
+          <a:fontRef idx="minor">
+            <a:schemeClr val="lt1"/>
+          </a:fontRef>
+        </p:style>
+        <p:txBody>
+          <a:bodyPr rtlCol="0" anchor="ctr"/>
+          <a:lstStyle/>
+          <a:p>
+            <a:pPr algn="ctr"/>
+            <a:r>
+              <a:rPr lang="en-US" sz="2800" dirty="0" err="1"/>
+              <a:t>WebPack</a:t>
+            </a:r>
+            <a:endParaRPr lang="en-US" sz="2800" dirty="0"/>
+          </a:p>
+        </p:txBody>
+      </p:sp>
+      <p:sp>
+        <p:nvSpPr>
+          <p:cNvPr id="7" name="TextBox 6"/>
+          <p:cNvSpPr txBox="1"/>
+          <p:nvPr/>
+        </p:nvSpPr>
+        <p:spPr>
+          <a:xfrm>
+            <a:off x="8526162" y="4221947"/>
+            <a:ext cx="1747594" cy="584775"/>
+          </a:xfrm>
+          <a:prstGeom prst="rect">
+            <a:avLst/>
+          </a:prstGeom>
+          <a:noFill/>
+        </p:spPr>
+        <p:txBody>
+          <a:bodyPr wrap="none" rtlCol="0">
+            <a:spAutoFit/>
+          </a:bodyPr>
+          <a:lstStyle/>
+          <a:p>
+            <a:r>
+              <a:rPr lang="en-US" sz="3200" b="1" dirty="0"/>
+              <a:t>bundle.js</a:t>
+            </a:r>
+          </a:p>
+        </p:txBody>
+      </p:sp>
+      <p:sp>
+        <p:nvSpPr>
+          <p:cNvPr id="8" name="Right Arrow 7"/>
+          <p:cNvSpPr/>
+          <p:nvPr/>
+        </p:nvSpPr>
+        <p:spPr>
+          <a:xfrm rot="1447483">
+            <a:off x="3842342" y="3495355"/>
+            <a:ext cx="1390242" cy="484632"/>
+          </a:xfrm>
+          <a:prstGeom prst="rightArrow">
+            <a:avLst/>
+          </a:prstGeom>
+        </p:spPr>
+        <p:style>
+          <a:lnRef idx="2">
+            <a:schemeClr val="accent1">
+              <a:shade val="50000"/>
+            </a:schemeClr>
+          </a:lnRef>
+          <a:fillRef idx="1">
+            <a:schemeClr val="accent1"/>
+          </a:fillRef>
+          <a:effectRef idx="0">
+            <a:schemeClr val="accent1"/>
+          </a:effectRef>
+          <a:fontRef idx="minor">
+            <a:schemeClr val="lt1"/>
+          </a:fontRef>
+        </p:style>
+        <p:txBody>
+          <a:bodyPr rtlCol="0" anchor="ctr"/>
+          <a:lstStyle/>
+          <a:p>
+            <a:pPr algn="ctr"/>
+            <a:endParaRPr lang="en-US"/>
+          </a:p>
+        </p:txBody>
+      </p:sp>
+      <p:sp>
+        <p:nvSpPr>
+          <p:cNvPr id="9" name="Right Arrow 8"/>
+          <p:cNvSpPr/>
+          <p:nvPr/>
+        </p:nvSpPr>
+        <p:spPr>
+          <a:xfrm rot="19243129">
+            <a:off x="3938002" y="5177502"/>
+            <a:ext cx="1298339" cy="484632"/>
+          </a:xfrm>
+          <a:prstGeom prst="rightArrow">
+            <a:avLst/>
+          </a:prstGeom>
+        </p:spPr>
+        <p:style>
+          <a:lnRef idx="2">
+            <a:schemeClr val="accent1">
+              <a:shade val="50000"/>
+            </a:schemeClr>
+          </a:lnRef>
+          <a:fillRef idx="1">
+            <a:schemeClr val="accent1"/>
+          </a:fillRef>
+          <a:effectRef idx="0">
+            <a:schemeClr val="accent1"/>
+          </a:effectRef>
+          <a:fontRef idx="minor">
+            <a:schemeClr val="lt1"/>
+          </a:fontRef>
+        </p:style>
+        <p:txBody>
+          <a:bodyPr rtlCol="0" anchor="ctr"/>
+          <a:lstStyle/>
+          <a:p>
+            <a:pPr algn="ctr"/>
+            <a:endParaRPr lang="en-US"/>
+          </a:p>
+        </p:txBody>
+      </p:sp>
+      <p:sp>
+        <p:nvSpPr>
+          <p:cNvPr id="10" name="Right Arrow 9"/>
+          <p:cNvSpPr/>
+          <p:nvPr/>
+        </p:nvSpPr>
+        <p:spPr>
+          <a:xfrm>
+            <a:off x="7300618" y="4272018"/>
+            <a:ext cx="978408" cy="484632"/>
+          </a:xfrm>
+          <a:prstGeom prst="rightArrow">
+            <a:avLst/>
+          </a:prstGeom>
+        </p:spPr>
+        <p:style>
+          <a:lnRef idx="2">
+            <a:schemeClr val="accent1">
+              <a:shade val="50000"/>
+            </a:schemeClr>
+          </a:lnRef>
+          <a:fillRef idx="1">
+            <a:schemeClr val="accent1"/>
+          </a:fillRef>
+          <a:effectRef idx="0">
+            <a:schemeClr val="accent1"/>
+          </a:effectRef>
+          <a:fontRef idx="minor">
+            <a:schemeClr val="lt1"/>
+          </a:fontRef>
+        </p:style>
+        <p:txBody>
+          <a:bodyPr rtlCol="0" anchor="ctr"/>
+          <a:lstStyle/>
+          <a:p>
+            <a:pPr algn="ctr"/>
+            <a:endParaRPr lang="en-US"/>
           </a:p>
         </p:txBody>
       </p:sp>
     </p:spTree>
     <p:extLst>
       <p:ext uri="{BB962C8B-B14F-4D97-AF65-F5344CB8AC3E}">
-        <p14:creationId xmlns:p14="http://schemas.microsoft.com/office/powerpoint/2010/main" val="439023244"/>
+        <p14:creationId xmlns:p14="http://schemas.microsoft.com/office/powerpoint/2010/main" val="3578146012"/>
       </p:ext>
     </p:extLst>
   </p:cSld>
@@ -6936,161 +5957,867 @@
             <p:ph type="title"/>
           </p:nvPr>
         </p:nvSpPr>
-        <p:spPr/>
-        <p:txBody>
-          <a:bodyPr/>
-          <a:lstStyle/>
-          <a:p>
-            <a:r>
-              <a:rPr lang="en-US" i="1" dirty="0" smtClean="0"/>
-              <a:t>Code Transformation</a:t>
-            </a:r>
-            <a:endParaRPr lang="en-US" i="1" dirty="0"/>
-          </a:p>
-        </p:txBody>
-      </p:sp>
-      <p:sp>
-        <p:nvSpPr>
-          <p:cNvPr id="3" name="Content Placeholder 2"/>
-          <p:cNvSpPr>
-            <a:spLocks noGrp="1"/>
-          </p:cNvSpPr>
-          <p:nvPr>
-            <p:ph idx="1"/>
-          </p:nvPr>
-        </p:nvSpPr>
         <p:spPr>
           <a:xfrm>
-            <a:off x="288324" y="1825624"/>
-            <a:ext cx="11681254" cy="4797597"/>
+            <a:off x="838200" y="43934"/>
+            <a:ext cx="10515600" cy="1325563"/>
           </a:xfrm>
         </p:spPr>
         <p:txBody>
+          <a:bodyPr/>
+          <a:lstStyle/>
+          <a:p>
+            <a:r>
+              <a:rPr lang="en-US" dirty="0"/>
+              <a:t>Configuring </a:t>
+            </a:r>
+            <a:r>
+              <a:rPr lang="en-US" i="1" dirty="0" err="1"/>
+              <a:t>WebPack</a:t>
+            </a:r>
+            <a:endParaRPr lang="en-US" i="1" dirty="0"/>
+          </a:p>
+        </p:txBody>
+      </p:sp>
+      <p:sp>
+        <p:nvSpPr>
+          <p:cNvPr id="3" name="Content Placeholder 2"/>
+          <p:cNvSpPr>
+            <a:spLocks noGrp="1"/>
+          </p:cNvSpPr>
+          <p:nvPr>
+            <p:ph idx="1"/>
+          </p:nvPr>
+        </p:nvSpPr>
+        <p:spPr>
+          <a:xfrm>
+            <a:off x="98854" y="1565190"/>
+            <a:ext cx="11936627" cy="2141838"/>
+          </a:xfrm>
+        </p:spPr>
+        <p:txBody>
           <a:bodyPr>
-            <a:normAutofit fontScale="92500" lnSpcReduction="10000"/>
+            <a:normAutofit lnSpcReduction="10000"/>
           </a:bodyPr>
           <a:lstStyle/>
           <a:p>
             <a:r>
-              <a:rPr lang="en-US" dirty="0" smtClean="0"/>
-              <a:t>Bundling is not enough, might need to do </a:t>
-            </a:r>
-            <a:r>
-              <a:rPr lang="en-US" i="1" dirty="0" smtClean="0"/>
-              <a:t>transformations</a:t>
-            </a:r>
-          </a:p>
-          <a:p>
-            <a:r>
-              <a:rPr lang="en-US" dirty="0" smtClean="0"/>
-              <a:t>Support other languages: </a:t>
-            </a:r>
-            <a:r>
-              <a:rPr lang="en-US" i="1" dirty="0" err="1" smtClean="0"/>
-              <a:t>TypeScript</a:t>
-            </a:r>
-            <a:r>
-              <a:rPr lang="en-US" dirty="0" smtClean="0"/>
-              <a:t> and </a:t>
-            </a:r>
-            <a:r>
-              <a:rPr lang="en-US" b="1" dirty="0" smtClean="0"/>
-              <a:t>JSX</a:t>
-            </a:r>
-            <a:r>
-              <a:rPr lang="en-US" dirty="0" smtClean="0"/>
-              <a:t> </a:t>
+              <a:rPr lang="en-US" dirty="0"/>
+              <a:t>Needs to be installed and called with YARN from </a:t>
+            </a:r>
+            <a:r>
+              <a:rPr lang="en-US" i="1" dirty="0" err="1"/>
+              <a:t>package.json</a:t>
+            </a:r>
+            <a:endParaRPr lang="en-US" i="1" dirty="0"/>
+          </a:p>
+          <a:p>
+            <a:r>
+              <a:rPr lang="en-US" i="1" dirty="0" err="1"/>
+              <a:t>webpack</a:t>
+            </a:r>
+            <a:r>
+              <a:rPr lang="en-US" i="1" dirty="0"/>
+              <a:t>-dev-server</a:t>
+            </a:r>
+            <a:r>
+              <a:rPr lang="en-US" dirty="0"/>
+              <a:t> is a useful tool that starts a HTTP server with hot-reloading </a:t>
             </a:r>
           </a:p>
           <a:p>
             <a:pPr lvl="1"/>
             <a:r>
-              <a:rPr lang="en-US" dirty="0" smtClean="0"/>
-              <a:t>which are not natively supported by browsers, which only deal with JS</a:t>
-            </a:r>
-          </a:p>
-          <a:p>
-            <a:pPr lvl="1"/>
-            <a:r>
-              <a:rPr lang="en-US" dirty="0" smtClean="0"/>
-              <a:t>JSX will be essential when dealing with </a:t>
-            </a:r>
-            <a:r>
-              <a:rPr lang="en-US" i="1" dirty="0" smtClean="0"/>
-              <a:t>React</a:t>
-            </a:r>
-          </a:p>
-          <a:p>
-            <a:r>
-              <a:rPr lang="en-US" dirty="0" smtClean="0"/>
-              <a:t>Support old browsers:</a:t>
-            </a:r>
-          </a:p>
-          <a:p>
-            <a:pPr lvl="1"/>
-            <a:r>
-              <a:rPr lang="en-US" dirty="0" err="1" smtClean="0"/>
-              <a:t>eg</a:t>
-            </a:r>
-            <a:r>
-              <a:rPr lang="en-US" dirty="0" smtClean="0"/>
-              <a:t>, transform code using new JS features (</a:t>
-            </a:r>
-            <a:r>
-              <a:rPr lang="en-US" dirty="0" err="1" smtClean="0"/>
-              <a:t>eg</a:t>
-            </a:r>
-            <a:r>
-              <a:rPr lang="en-US" dirty="0" smtClean="0"/>
-              <a:t>, </a:t>
-            </a:r>
-            <a:r>
-              <a:rPr lang="en-US" i="1" dirty="0" err="1" smtClean="0"/>
-              <a:t>async</a:t>
-            </a:r>
-            <a:r>
-              <a:rPr lang="en-US" i="1" dirty="0" smtClean="0"/>
-              <a:t>/await</a:t>
-            </a:r>
-            <a:r>
-              <a:rPr lang="en-US" dirty="0" smtClean="0"/>
-              <a:t>) into equivalent, valid old JS </a:t>
-            </a:r>
-          </a:p>
-          <a:p>
-            <a:r>
-              <a:rPr lang="en-US" dirty="0" err="1" smtClean="0"/>
-              <a:t>Minification</a:t>
-            </a:r>
-            <a:r>
-              <a:rPr lang="en-US" dirty="0" smtClean="0"/>
-              <a:t>:</a:t>
-            </a:r>
-          </a:p>
-          <a:p>
-            <a:pPr lvl="1"/>
-            <a:r>
-              <a:rPr lang="en-US" dirty="0" err="1" smtClean="0"/>
-              <a:t>eg</a:t>
-            </a:r>
-            <a:r>
-              <a:rPr lang="en-US" dirty="0" smtClean="0"/>
-              <a:t>, remove comments and empty spaces from JS files to decrease their size, needed to make their download faster</a:t>
-            </a:r>
-          </a:p>
-          <a:p>
-            <a:r>
-              <a:rPr lang="en-US" dirty="0" smtClean="0"/>
-              <a:t>etc.</a:t>
-            </a:r>
-            <a:endParaRPr lang="en-US" dirty="0"/>
+              <a:rPr lang="en-US" dirty="0" err="1"/>
+              <a:t>ie</a:t>
+            </a:r>
+            <a:r>
+              <a:rPr lang="en-US" dirty="0"/>
+              <a:t>, if you modify your JS files, it automatically re-bundle them</a:t>
+            </a:r>
+          </a:p>
+        </p:txBody>
+      </p:sp>
+      <p:sp>
+        <p:nvSpPr>
+          <p:cNvPr id="4" name="Rectangle 1"/>
+          <p:cNvSpPr>
+            <a:spLocks noChangeArrowheads="1"/>
+          </p:cNvSpPr>
+          <p:nvPr/>
+        </p:nvSpPr>
+        <p:spPr bwMode="auto">
+          <a:xfrm>
+            <a:off x="469555" y="3920549"/>
+            <a:ext cx="10453817" cy="2862322"/>
+          </a:xfrm>
+          <a:prstGeom prst="rect">
+            <a:avLst/>
+          </a:prstGeom>
+          <a:solidFill>
+            <a:srgbClr val="FFFFFF"/>
+          </a:solidFill>
+          <a:ln>
+            <a:noFill/>
+          </a:ln>
+          <a:effectLst/>
+          <a:extLst>
+            <a:ext uri="{91240B29-F687-4F45-9708-019B960494DF}">
+              <a14:hiddenLine xmlns:a14="http://schemas.microsoft.com/office/drawing/2010/main" w="9525">
+                <a:solidFill>
+                  <a:schemeClr val="tx1"/>
+                </a:solidFill>
+                <a:miter lim="800000"/>
+                <a:headEnd/>
+                <a:tailEnd/>
+              </a14:hiddenLine>
+            </a:ext>
+            <a:ext uri="{AF507438-7753-43E0-B8FC-AC1667EBCBE1}">
+              <a14:hiddenEffects xmlns:a14="http://schemas.microsoft.com/office/drawing/2010/main">
+                <a:effectLst>
+                  <a:outerShdw dist="35921" dir="2700000" algn="ctr" rotWithShape="0">
+                    <a:schemeClr val="bg2"/>
+                  </a:outerShdw>
+                </a:effectLst>
+              </a14:hiddenEffects>
+            </a:ext>
+          </a:extLst>
+        </p:spPr>
+        <p:txBody>
+          <a:bodyPr vert="horz" wrap="square" lIns="91440" tIns="45720" rIns="91440" bIns="45720" numCol="1" anchor="ctr" anchorCtr="0" compatLnSpc="1">
+            <a:prstTxWarp prst="textNoShape">
+              <a:avLst/>
+            </a:prstTxWarp>
+            <a:spAutoFit/>
+          </a:bodyPr>
+          <a:lstStyle/>
+          <a:p>
+            <a:pPr eaLnBrk="0" fontAlgn="base" hangingPunct="0">
+              <a:spcBef>
+                <a:spcPct val="0"/>
+              </a:spcBef>
+              <a:spcAft>
+                <a:spcPct val="0"/>
+              </a:spcAft>
+            </a:pPr>
+            <a:r>
+              <a:rPr lang="en-US" altLang="en-US" sz="2000" b="1" dirty="0">
+                <a:solidFill>
+                  <a:srgbClr val="660E7A"/>
+                </a:solidFill>
+                <a:latin typeface="Courier New" panose="02070309020205020404" pitchFamily="49" charset="0"/>
+                <a:cs typeface="Courier New" panose="02070309020205020404" pitchFamily="49" charset="0"/>
+              </a:rPr>
+              <a:t>"scripts"</a:t>
+            </a:r>
+            <a:r>
+              <a:rPr lang="en-US" altLang="en-US" sz="2000" dirty="0">
+                <a:solidFill>
+                  <a:srgbClr val="000000"/>
+                </a:solidFill>
+                <a:latin typeface="Courier New" panose="02070309020205020404" pitchFamily="49" charset="0"/>
+                <a:cs typeface="Courier New" panose="02070309020205020404" pitchFamily="49" charset="0"/>
+              </a:rPr>
+              <a:t>: {</a:t>
+            </a:r>
+            <a:br>
+              <a:rPr lang="en-US" altLang="en-US" sz="2000" dirty="0">
+                <a:solidFill>
+                  <a:srgbClr val="000000"/>
+                </a:solidFill>
+                <a:latin typeface="Courier New" panose="02070309020205020404" pitchFamily="49" charset="0"/>
+                <a:cs typeface="Courier New" panose="02070309020205020404" pitchFamily="49" charset="0"/>
+              </a:rPr>
+            </a:br>
+            <a:r>
+              <a:rPr lang="en-US" altLang="en-US" sz="2000" dirty="0">
+                <a:solidFill>
+                  <a:srgbClr val="000000"/>
+                </a:solidFill>
+                <a:latin typeface="Courier New" panose="02070309020205020404" pitchFamily="49" charset="0"/>
+                <a:cs typeface="Courier New" panose="02070309020205020404" pitchFamily="49" charset="0"/>
+              </a:rPr>
+              <a:t>   </a:t>
+            </a:r>
+            <a:r>
+              <a:rPr lang="en-US" altLang="en-US" sz="2000" b="1" dirty="0">
+                <a:solidFill>
+                  <a:srgbClr val="660E7A"/>
+                </a:solidFill>
+                <a:latin typeface="Courier New" panose="02070309020205020404" pitchFamily="49" charset="0"/>
+                <a:cs typeface="Courier New" panose="02070309020205020404" pitchFamily="49" charset="0"/>
+              </a:rPr>
+              <a:t>"dev"</a:t>
+            </a:r>
+            <a:r>
+              <a:rPr lang="en-US" altLang="en-US" sz="2000" dirty="0">
+                <a:solidFill>
+                  <a:srgbClr val="000000"/>
+                </a:solidFill>
+                <a:latin typeface="Courier New" panose="02070309020205020404" pitchFamily="49" charset="0"/>
+                <a:cs typeface="Courier New" panose="02070309020205020404" pitchFamily="49" charset="0"/>
+              </a:rPr>
+              <a:t>: </a:t>
+            </a:r>
+            <a:r>
+              <a:rPr lang="en-US" altLang="en-US" sz="2000" b="1" dirty="0">
+                <a:solidFill>
+                  <a:srgbClr val="008000"/>
+                </a:solidFill>
+                <a:latin typeface="Courier New" panose="02070309020205020404" pitchFamily="49" charset="0"/>
+                <a:cs typeface="Courier New" panose="02070309020205020404" pitchFamily="49" charset="0"/>
+              </a:rPr>
+              <a:t>"</a:t>
+            </a:r>
+            <a:r>
+              <a:rPr lang="en-US" altLang="en-US" sz="2000" b="1" dirty="0" err="1">
+                <a:solidFill>
+                  <a:srgbClr val="008000"/>
+                </a:solidFill>
+                <a:latin typeface="Courier New" panose="02070309020205020404" pitchFamily="49" charset="0"/>
+                <a:cs typeface="Courier New" panose="02070309020205020404" pitchFamily="49" charset="0"/>
+              </a:rPr>
+              <a:t>webpack</a:t>
+            </a:r>
+            <a:r>
+              <a:rPr lang="en-US" altLang="en-US" sz="2000" b="1" dirty="0">
+                <a:solidFill>
+                  <a:srgbClr val="008000"/>
+                </a:solidFill>
+                <a:latin typeface="Courier New" panose="02070309020205020404" pitchFamily="49" charset="0"/>
+                <a:cs typeface="Courier New" panose="02070309020205020404" pitchFamily="49" charset="0"/>
+              </a:rPr>
+              <a:t>-dev-server --open --mode development"</a:t>
+            </a:r>
+            <a:r>
+              <a:rPr lang="en-US" altLang="en-US" sz="2000" dirty="0">
+                <a:solidFill>
+                  <a:srgbClr val="000000"/>
+                </a:solidFill>
+                <a:latin typeface="Courier New" panose="02070309020205020404" pitchFamily="49" charset="0"/>
+                <a:cs typeface="Courier New" panose="02070309020205020404" pitchFamily="49" charset="0"/>
+              </a:rPr>
+              <a:t>,</a:t>
+            </a:r>
+            <a:br>
+              <a:rPr lang="en-US" altLang="en-US" sz="2000" dirty="0">
+                <a:solidFill>
+                  <a:srgbClr val="000000"/>
+                </a:solidFill>
+                <a:latin typeface="Courier New" panose="02070309020205020404" pitchFamily="49" charset="0"/>
+                <a:cs typeface="Courier New" panose="02070309020205020404" pitchFamily="49" charset="0"/>
+              </a:rPr>
+            </a:br>
+            <a:r>
+              <a:rPr lang="en-US" altLang="en-US" sz="2000" dirty="0">
+                <a:solidFill>
+                  <a:srgbClr val="000000"/>
+                </a:solidFill>
+                <a:latin typeface="Courier New" panose="02070309020205020404" pitchFamily="49" charset="0"/>
+                <a:cs typeface="Courier New" panose="02070309020205020404" pitchFamily="49" charset="0"/>
+              </a:rPr>
+              <a:t>   </a:t>
+            </a:r>
+            <a:r>
+              <a:rPr lang="en-US" altLang="en-US" sz="2000" b="1" dirty="0">
+                <a:solidFill>
+                  <a:srgbClr val="660E7A"/>
+                </a:solidFill>
+                <a:latin typeface="Courier New" panose="02070309020205020404" pitchFamily="49" charset="0"/>
+                <a:cs typeface="Courier New" panose="02070309020205020404" pitchFamily="49" charset="0"/>
+              </a:rPr>
+              <a:t>"build"</a:t>
+            </a:r>
+            <a:r>
+              <a:rPr lang="en-US" altLang="en-US" sz="2000" dirty="0">
+                <a:solidFill>
+                  <a:srgbClr val="000000"/>
+                </a:solidFill>
+                <a:latin typeface="Courier New" panose="02070309020205020404" pitchFamily="49" charset="0"/>
+                <a:cs typeface="Courier New" panose="02070309020205020404" pitchFamily="49" charset="0"/>
+              </a:rPr>
+              <a:t>: </a:t>
+            </a:r>
+            <a:r>
+              <a:rPr lang="en-US" altLang="en-US" sz="2000" b="1" dirty="0">
+                <a:solidFill>
+                  <a:srgbClr val="008000"/>
+                </a:solidFill>
+                <a:latin typeface="Courier New" panose="02070309020205020404" pitchFamily="49" charset="0"/>
+                <a:cs typeface="Courier New" panose="02070309020205020404" pitchFamily="49" charset="0"/>
+              </a:rPr>
+              <a:t>"</a:t>
+            </a:r>
+            <a:r>
+              <a:rPr lang="en-US" altLang="en-US" sz="2000" b="1" dirty="0" err="1">
+                <a:solidFill>
+                  <a:srgbClr val="008000"/>
+                </a:solidFill>
+                <a:latin typeface="Courier New" panose="02070309020205020404" pitchFamily="49" charset="0"/>
+                <a:cs typeface="Courier New" panose="02070309020205020404" pitchFamily="49" charset="0"/>
+              </a:rPr>
+              <a:t>webpack</a:t>
+            </a:r>
+            <a:r>
+              <a:rPr lang="en-US" altLang="en-US" sz="2000" b="1" dirty="0">
+                <a:solidFill>
+                  <a:srgbClr val="008000"/>
+                </a:solidFill>
+                <a:latin typeface="Courier New" panose="02070309020205020404" pitchFamily="49" charset="0"/>
+                <a:cs typeface="Courier New" panose="02070309020205020404" pitchFamily="49" charset="0"/>
+              </a:rPr>
+              <a:t> --mode production"</a:t>
+            </a:r>
+            <a:br>
+              <a:rPr lang="en-US" altLang="en-US" sz="2000" b="1" dirty="0">
+                <a:solidFill>
+                  <a:srgbClr val="008000"/>
+                </a:solidFill>
+                <a:latin typeface="Courier New" panose="02070309020205020404" pitchFamily="49" charset="0"/>
+                <a:cs typeface="Courier New" panose="02070309020205020404" pitchFamily="49" charset="0"/>
+              </a:rPr>
+            </a:br>
+            <a:r>
+              <a:rPr lang="en-US" altLang="en-US" sz="2000" dirty="0">
+                <a:solidFill>
+                  <a:srgbClr val="000000"/>
+                </a:solidFill>
+                <a:latin typeface="Courier New" panose="02070309020205020404" pitchFamily="49" charset="0"/>
+                <a:cs typeface="Courier New" panose="02070309020205020404" pitchFamily="49" charset="0"/>
+              </a:rPr>
+              <a:t>},</a:t>
+            </a:r>
+            <a:endParaRPr kumimoji="0" lang="en-US" altLang="en-US" sz="2000" b="1" i="0" u="none" strike="noStrike" cap="none" normalizeH="0" baseline="0" dirty="0">
+              <a:ln>
+                <a:noFill/>
+              </a:ln>
+              <a:solidFill>
+                <a:srgbClr val="660E7A"/>
+              </a:solidFill>
+              <a:effectLst/>
+              <a:latin typeface="Courier New" panose="02070309020205020404" pitchFamily="49" charset="0"/>
+              <a:cs typeface="Courier New" panose="02070309020205020404" pitchFamily="49" charset="0"/>
+            </a:endParaRPr>
+          </a:p>
+          <a:p>
+            <a:pPr marL="0" marR="0" lvl="0" indent="0" algn="l" defTabSz="914400" rtl="0" eaLnBrk="0" fontAlgn="base" latinLnBrk="0" hangingPunct="0">
+              <a:lnSpc>
+                <a:spcPct val="100000"/>
+              </a:lnSpc>
+              <a:spcBef>
+                <a:spcPct val="0"/>
+              </a:spcBef>
+              <a:spcAft>
+                <a:spcPct val="0"/>
+              </a:spcAft>
+              <a:buClrTx/>
+              <a:buSzTx/>
+              <a:buFontTx/>
+              <a:buNone/>
+              <a:tabLst/>
+            </a:pPr>
+            <a:r>
+              <a:rPr kumimoji="0" lang="en-US" altLang="en-US" sz="2000" b="1" i="0" u="none" strike="noStrike" cap="none" normalizeH="0" baseline="0" dirty="0">
+                <a:ln>
+                  <a:noFill/>
+                </a:ln>
+                <a:solidFill>
+                  <a:srgbClr val="660E7A"/>
+                </a:solidFill>
+                <a:effectLst/>
+                <a:latin typeface="Courier New" panose="02070309020205020404" pitchFamily="49" charset="0"/>
+                <a:cs typeface="Courier New" panose="02070309020205020404" pitchFamily="49" charset="0"/>
+              </a:rPr>
+              <a:t>"</a:t>
+            </a:r>
+            <a:r>
+              <a:rPr kumimoji="0" lang="en-US" altLang="en-US" sz="2000" b="1" i="0" u="none" strike="noStrike" cap="none" normalizeH="0" baseline="0" dirty="0" err="1">
+                <a:ln>
+                  <a:noFill/>
+                </a:ln>
+                <a:solidFill>
+                  <a:srgbClr val="660E7A"/>
+                </a:solidFill>
+                <a:effectLst/>
+                <a:latin typeface="Courier New" panose="02070309020205020404" pitchFamily="49" charset="0"/>
+                <a:cs typeface="Courier New" panose="02070309020205020404" pitchFamily="49" charset="0"/>
+              </a:rPr>
+              <a:t>devDependencies</a:t>
+            </a:r>
+            <a:r>
+              <a:rPr kumimoji="0" lang="en-US" altLang="en-US" sz="2000" b="1" i="0" u="none" strike="noStrike" cap="none" normalizeH="0" baseline="0" dirty="0">
+                <a:ln>
+                  <a:noFill/>
+                </a:ln>
+                <a:solidFill>
+                  <a:srgbClr val="660E7A"/>
+                </a:solidFill>
+                <a:effectLst/>
+                <a:latin typeface="Courier New" panose="02070309020205020404" pitchFamily="49" charset="0"/>
+                <a:cs typeface="Courier New" panose="02070309020205020404" pitchFamily="49" charset="0"/>
+              </a:rPr>
+              <a:t>"</a:t>
+            </a:r>
+            <a:r>
+              <a:rPr kumimoji="0" lang="en-US" altLang="en-US" sz="2000" b="0" i="0" u="none" strike="noStrike" cap="none" normalizeH="0" baseline="0" dirty="0">
+                <a:ln>
+                  <a:noFill/>
+                </a:ln>
+                <a:solidFill>
+                  <a:srgbClr val="000000"/>
+                </a:solidFill>
+                <a:effectLst/>
+                <a:latin typeface="Courier New" panose="02070309020205020404" pitchFamily="49" charset="0"/>
+                <a:cs typeface="Courier New" panose="02070309020205020404" pitchFamily="49" charset="0"/>
+              </a:rPr>
+              <a:t>: {</a:t>
+            </a:r>
+            <a:br>
+              <a:rPr kumimoji="0" lang="en-US" altLang="en-US" sz="2000" b="0" i="0" u="none" strike="noStrike" cap="none" normalizeH="0" baseline="0" dirty="0">
+                <a:ln>
+                  <a:noFill/>
+                </a:ln>
+                <a:solidFill>
+                  <a:srgbClr val="000000"/>
+                </a:solidFill>
+                <a:effectLst/>
+                <a:latin typeface="Courier New" panose="02070309020205020404" pitchFamily="49" charset="0"/>
+                <a:cs typeface="Courier New" panose="02070309020205020404" pitchFamily="49" charset="0"/>
+              </a:rPr>
+            </a:br>
+            <a:r>
+              <a:rPr kumimoji="0" lang="en-US" altLang="en-US" sz="2000" b="0" i="0" u="none" strike="noStrike" cap="none" normalizeH="0" baseline="0" dirty="0">
+                <a:ln>
+                  <a:noFill/>
+                </a:ln>
+                <a:solidFill>
+                  <a:srgbClr val="000000"/>
+                </a:solidFill>
+                <a:effectLst/>
+                <a:latin typeface="Courier New" panose="02070309020205020404" pitchFamily="49" charset="0"/>
+                <a:cs typeface="Courier New" panose="02070309020205020404" pitchFamily="49" charset="0"/>
+              </a:rPr>
+              <a:t>  </a:t>
+            </a:r>
+            <a:r>
+              <a:rPr kumimoji="0" lang="en-US" altLang="en-US" sz="2000" b="1" i="0" u="none" strike="noStrike" cap="none" normalizeH="0" baseline="0" dirty="0">
+                <a:ln>
+                  <a:noFill/>
+                </a:ln>
+                <a:solidFill>
+                  <a:srgbClr val="660E7A"/>
+                </a:solidFill>
+                <a:effectLst/>
+                <a:latin typeface="Courier New" panose="02070309020205020404" pitchFamily="49" charset="0"/>
+                <a:cs typeface="Courier New" panose="02070309020205020404" pitchFamily="49" charset="0"/>
+              </a:rPr>
+              <a:t>"</a:t>
+            </a:r>
+            <a:r>
+              <a:rPr kumimoji="0" lang="en-US" altLang="en-US" sz="2000" b="1" i="0" u="none" strike="noStrike" cap="none" normalizeH="0" baseline="0" dirty="0" err="1">
+                <a:ln>
+                  <a:noFill/>
+                </a:ln>
+                <a:solidFill>
+                  <a:srgbClr val="660E7A"/>
+                </a:solidFill>
+                <a:effectLst/>
+                <a:latin typeface="Courier New" panose="02070309020205020404" pitchFamily="49" charset="0"/>
+                <a:cs typeface="Courier New" panose="02070309020205020404" pitchFamily="49" charset="0"/>
+              </a:rPr>
+              <a:t>webpack</a:t>
+            </a:r>
+            <a:r>
+              <a:rPr kumimoji="0" lang="en-US" altLang="en-US" sz="2000" b="1" i="0" u="none" strike="noStrike" cap="none" normalizeH="0" baseline="0" dirty="0">
+                <a:ln>
+                  <a:noFill/>
+                </a:ln>
+                <a:solidFill>
+                  <a:srgbClr val="660E7A"/>
+                </a:solidFill>
+                <a:effectLst/>
+                <a:latin typeface="Courier New" panose="02070309020205020404" pitchFamily="49" charset="0"/>
+                <a:cs typeface="Courier New" panose="02070309020205020404" pitchFamily="49" charset="0"/>
+              </a:rPr>
+              <a:t>"</a:t>
+            </a:r>
+            <a:r>
+              <a:rPr kumimoji="0" lang="en-US" altLang="en-US" sz="2000" b="0" i="0" u="none" strike="noStrike" cap="none" normalizeH="0" baseline="0" dirty="0">
+                <a:ln>
+                  <a:noFill/>
+                </a:ln>
+                <a:solidFill>
+                  <a:srgbClr val="000000"/>
+                </a:solidFill>
+                <a:effectLst/>
+                <a:latin typeface="Courier New" panose="02070309020205020404" pitchFamily="49" charset="0"/>
+                <a:cs typeface="Courier New" panose="02070309020205020404" pitchFamily="49" charset="0"/>
+              </a:rPr>
+              <a:t>: </a:t>
+            </a:r>
+            <a:r>
+              <a:rPr kumimoji="0" lang="en-US" altLang="en-US" sz="2000" b="1" i="0" u="none" strike="noStrike" cap="none" normalizeH="0" baseline="0" dirty="0">
+                <a:ln>
+                  <a:noFill/>
+                </a:ln>
+                <a:solidFill>
+                  <a:srgbClr val="008000"/>
+                </a:solidFill>
+                <a:effectLst/>
+                <a:latin typeface="Courier New" panose="02070309020205020404" pitchFamily="49" charset="0"/>
+                <a:cs typeface="Courier New" panose="02070309020205020404" pitchFamily="49" charset="0"/>
+              </a:rPr>
+              <a:t>"^4.16.5"</a:t>
+            </a:r>
+            <a:r>
+              <a:rPr kumimoji="0" lang="en-US" altLang="en-US" sz="2000" b="0" i="0" u="none" strike="noStrike" cap="none" normalizeH="0" baseline="0" dirty="0">
+                <a:ln>
+                  <a:noFill/>
+                </a:ln>
+                <a:solidFill>
+                  <a:srgbClr val="000000"/>
+                </a:solidFill>
+                <a:effectLst/>
+                <a:latin typeface="Courier New" panose="02070309020205020404" pitchFamily="49" charset="0"/>
+                <a:cs typeface="Courier New" panose="02070309020205020404" pitchFamily="49" charset="0"/>
+              </a:rPr>
+              <a:t>,</a:t>
+            </a:r>
+            <a:br>
+              <a:rPr kumimoji="0" lang="en-US" altLang="en-US" sz="2000" b="0" i="0" u="none" strike="noStrike" cap="none" normalizeH="0" baseline="0" dirty="0">
+                <a:ln>
+                  <a:noFill/>
+                </a:ln>
+                <a:solidFill>
+                  <a:srgbClr val="000000"/>
+                </a:solidFill>
+                <a:effectLst/>
+                <a:latin typeface="Courier New" panose="02070309020205020404" pitchFamily="49" charset="0"/>
+                <a:cs typeface="Courier New" panose="02070309020205020404" pitchFamily="49" charset="0"/>
+              </a:rPr>
+            </a:br>
+            <a:r>
+              <a:rPr kumimoji="0" lang="en-US" altLang="en-US" sz="2000" b="0" i="0" u="none" strike="noStrike" cap="none" normalizeH="0" baseline="0" dirty="0">
+                <a:ln>
+                  <a:noFill/>
+                </a:ln>
+                <a:solidFill>
+                  <a:srgbClr val="000000"/>
+                </a:solidFill>
+                <a:effectLst/>
+                <a:latin typeface="Courier New" panose="02070309020205020404" pitchFamily="49" charset="0"/>
+                <a:cs typeface="Courier New" panose="02070309020205020404" pitchFamily="49" charset="0"/>
+              </a:rPr>
+              <a:t>  </a:t>
+            </a:r>
+            <a:r>
+              <a:rPr kumimoji="0" lang="en-US" altLang="en-US" sz="2000" b="1" i="0" u="none" strike="noStrike" cap="none" normalizeH="0" baseline="0" dirty="0">
+                <a:ln>
+                  <a:noFill/>
+                </a:ln>
+                <a:solidFill>
+                  <a:srgbClr val="660E7A"/>
+                </a:solidFill>
+                <a:effectLst/>
+                <a:latin typeface="Courier New" panose="02070309020205020404" pitchFamily="49" charset="0"/>
+                <a:cs typeface="Courier New" panose="02070309020205020404" pitchFamily="49" charset="0"/>
+              </a:rPr>
+              <a:t>"</a:t>
+            </a:r>
+            <a:r>
+              <a:rPr kumimoji="0" lang="en-US" altLang="en-US" sz="2000" b="1" i="0" u="none" strike="noStrike" cap="none" normalizeH="0" baseline="0" dirty="0" err="1">
+                <a:ln>
+                  <a:noFill/>
+                </a:ln>
+                <a:solidFill>
+                  <a:srgbClr val="660E7A"/>
+                </a:solidFill>
+                <a:effectLst/>
+                <a:latin typeface="Courier New" panose="02070309020205020404" pitchFamily="49" charset="0"/>
+                <a:cs typeface="Courier New" panose="02070309020205020404" pitchFamily="49" charset="0"/>
+              </a:rPr>
+              <a:t>webpack</a:t>
+            </a:r>
+            <a:r>
+              <a:rPr kumimoji="0" lang="en-US" altLang="en-US" sz="2000" b="1" i="0" u="none" strike="noStrike" cap="none" normalizeH="0" baseline="0" dirty="0">
+                <a:ln>
+                  <a:noFill/>
+                </a:ln>
+                <a:solidFill>
+                  <a:srgbClr val="660E7A"/>
+                </a:solidFill>
+                <a:effectLst/>
+                <a:latin typeface="Courier New" panose="02070309020205020404" pitchFamily="49" charset="0"/>
+                <a:cs typeface="Courier New" panose="02070309020205020404" pitchFamily="49" charset="0"/>
+              </a:rPr>
+              <a:t>-cli"</a:t>
+            </a:r>
+            <a:r>
+              <a:rPr kumimoji="0" lang="en-US" altLang="en-US" sz="2000" b="0" i="0" u="none" strike="noStrike" cap="none" normalizeH="0" baseline="0" dirty="0">
+                <a:ln>
+                  <a:noFill/>
+                </a:ln>
+                <a:solidFill>
+                  <a:srgbClr val="000000"/>
+                </a:solidFill>
+                <a:effectLst/>
+                <a:latin typeface="Courier New" panose="02070309020205020404" pitchFamily="49" charset="0"/>
+                <a:cs typeface="Courier New" panose="02070309020205020404" pitchFamily="49" charset="0"/>
+              </a:rPr>
+              <a:t>: </a:t>
+            </a:r>
+            <a:r>
+              <a:rPr kumimoji="0" lang="en-US" altLang="en-US" sz="2000" b="1" i="0" u="none" strike="noStrike" cap="none" normalizeH="0" baseline="0" dirty="0">
+                <a:ln>
+                  <a:noFill/>
+                </a:ln>
+                <a:solidFill>
+                  <a:srgbClr val="008000"/>
+                </a:solidFill>
+                <a:effectLst/>
+                <a:latin typeface="Courier New" panose="02070309020205020404" pitchFamily="49" charset="0"/>
+                <a:cs typeface="Courier New" panose="02070309020205020404" pitchFamily="49" charset="0"/>
+              </a:rPr>
+              <a:t>"^3.1.0"</a:t>
+            </a:r>
+            <a:r>
+              <a:rPr kumimoji="0" lang="en-US" altLang="en-US" sz="2000" b="0" i="0" u="none" strike="noStrike" cap="none" normalizeH="0" baseline="0" dirty="0">
+                <a:ln>
+                  <a:noFill/>
+                </a:ln>
+                <a:solidFill>
+                  <a:srgbClr val="000000"/>
+                </a:solidFill>
+                <a:effectLst/>
+                <a:latin typeface="Courier New" panose="02070309020205020404" pitchFamily="49" charset="0"/>
+                <a:cs typeface="Courier New" panose="02070309020205020404" pitchFamily="49" charset="0"/>
+              </a:rPr>
+              <a:t>,</a:t>
+            </a:r>
+            <a:br>
+              <a:rPr kumimoji="0" lang="en-US" altLang="en-US" sz="2000" b="0" i="0" u="none" strike="noStrike" cap="none" normalizeH="0" baseline="0" dirty="0">
+                <a:ln>
+                  <a:noFill/>
+                </a:ln>
+                <a:solidFill>
+                  <a:srgbClr val="000000"/>
+                </a:solidFill>
+                <a:effectLst/>
+                <a:latin typeface="Courier New" panose="02070309020205020404" pitchFamily="49" charset="0"/>
+                <a:cs typeface="Courier New" panose="02070309020205020404" pitchFamily="49" charset="0"/>
+              </a:rPr>
+            </a:br>
+            <a:r>
+              <a:rPr kumimoji="0" lang="en-US" altLang="en-US" sz="2000" b="0" i="0" u="none" strike="noStrike" cap="none" normalizeH="0" baseline="0" dirty="0">
+                <a:ln>
+                  <a:noFill/>
+                </a:ln>
+                <a:solidFill>
+                  <a:srgbClr val="000000"/>
+                </a:solidFill>
+                <a:effectLst/>
+                <a:latin typeface="Courier New" panose="02070309020205020404" pitchFamily="49" charset="0"/>
+                <a:cs typeface="Courier New" panose="02070309020205020404" pitchFamily="49" charset="0"/>
+              </a:rPr>
+              <a:t>  </a:t>
+            </a:r>
+            <a:r>
+              <a:rPr kumimoji="0" lang="en-US" altLang="en-US" sz="2000" b="1" i="0" u="none" strike="noStrike" cap="none" normalizeH="0" baseline="0" dirty="0">
+                <a:ln>
+                  <a:noFill/>
+                </a:ln>
+                <a:solidFill>
+                  <a:srgbClr val="660E7A"/>
+                </a:solidFill>
+                <a:effectLst/>
+                <a:latin typeface="Courier New" panose="02070309020205020404" pitchFamily="49" charset="0"/>
+                <a:cs typeface="Courier New" panose="02070309020205020404" pitchFamily="49" charset="0"/>
+              </a:rPr>
+              <a:t>"</a:t>
+            </a:r>
+            <a:r>
+              <a:rPr kumimoji="0" lang="en-US" altLang="en-US" sz="2000" b="1" i="0" u="none" strike="noStrike" cap="none" normalizeH="0" baseline="0" dirty="0" err="1">
+                <a:ln>
+                  <a:noFill/>
+                </a:ln>
+                <a:solidFill>
+                  <a:srgbClr val="660E7A"/>
+                </a:solidFill>
+                <a:effectLst/>
+                <a:latin typeface="Courier New" panose="02070309020205020404" pitchFamily="49" charset="0"/>
+                <a:cs typeface="Courier New" panose="02070309020205020404" pitchFamily="49" charset="0"/>
+              </a:rPr>
+              <a:t>webpack</a:t>
+            </a:r>
+            <a:r>
+              <a:rPr kumimoji="0" lang="en-US" altLang="en-US" sz="2000" b="1" i="0" u="none" strike="noStrike" cap="none" normalizeH="0" baseline="0" dirty="0">
+                <a:ln>
+                  <a:noFill/>
+                </a:ln>
+                <a:solidFill>
+                  <a:srgbClr val="660E7A"/>
+                </a:solidFill>
+                <a:effectLst/>
+                <a:latin typeface="Courier New" panose="02070309020205020404" pitchFamily="49" charset="0"/>
+                <a:cs typeface="Courier New" panose="02070309020205020404" pitchFamily="49" charset="0"/>
+              </a:rPr>
+              <a:t>-dev-server"</a:t>
+            </a:r>
+            <a:r>
+              <a:rPr kumimoji="0" lang="en-US" altLang="en-US" sz="2000" b="0" i="0" u="none" strike="noStrike" cap="none" normalizeH="0" baseline="0" dirty="0">
+                <a:ln>
+                  <a:noFill/>
+                </a:ln>
+                <a:solidFill>
+                  <a:srgbClr val="000000"/>
+                </a:solidFill>
+                <a:effectLst/>
+                <a:latin typeface="Courier New" panose="02070309020205020404" pitchFamily="49" charset="0"/>
+                <a:cs typeface="Courier New" panose="02070309020205020404" pitchFamily="49" charset="0"/>
+              </a:rPr>
+              <a:t>: </a:t>
+            </a:r>
+            <a:r>
+              <a:rPr kumimoji="0" lang="en-US" altLang="en-US" sz="2000" b="1" i="0" u="none" strike="noStrike" cap="none" normalizeH="0" baseline="0" dirty="0">
+                <a:ln>
+                  <a:noFill/>
+                </a:ln>
+                <a:solidFill>
+                  <a:srgbClr val="008000"/>
+                </a:solidFill>
+                <a:effectLst/>
+                <a:latin typeface="Courier New" panose="02070309020205020404" pitchFamily="49" charset="0"/>
+                <a:cs typeface="Courier New" panose="02070309020205020404" pitchFamily="49" charset="0"/>
+              </a:rPr>
+              <a:t>"^3.1.5"</a:t>
+            </a:r>
+            <a:br>
+              <a:rPr kumimoji="0" lang="en-US" altLang="en-US" sz="2000" b="1" i="0" u="none" strike="noStrike" cap="none" normalizeH="0" baseline="0" dirty="0">
+                <a:ln>
+                  <a:noFill/>
+                </a:ln>
+                <a:solidFill>
+                  <a:srgbClr val="008000"/>
+                </a:solidFill>
+                <a:effectLst/>
+                <a:latin typeface="Courier New" panose="02070309020205020404" pitchFamily="49" charset="0"/>
+                <a:cs typeface="Courier New" panose="02070309020205020404" pitchFamily="49" charset="0"/>
+              </a:rPr>
+            </a:br>
+            <a:r>
+              <a:rPr kumimoji="0" lang="en-US" altLang="en-US" sz="2000" b="0" i="0" u="none" strike="noStrike" cap="none" normalizeH="0" baseline="0" dirty="0">
+                <a:ln>
+                  <a:noFill/>
+                </a:ln>
+                <a:solidFill>
+                  <a:srgbClr val="000000"/>
+                </a:solidFill>
+                <a:effectLst/>
+                <a:latin typeface="Courier New" panose="02070309020205020404" pitchFamily="49" charset="0"/>
+                <a:cs typeface="Courier New" panose="02070309020205020404" pitchFamily="49" charset="0"/>
+              </a:rPr>
+              <a:t>}</a:t>
+            </a:r>
+            <a:endParaRPr kumimoji="0" lang="en-US" altLang="en-US" sz="1600" b="0" i="0" u="none" strike="noStrike" cap="none" normalizeH="0" baseline="0" dirty="0">
+              <a:ln>
+                <a:noFill/>
+              </a:ln>
+              <a:solidFill>
+                <a:schemeClr val="tx1"/>
+              </a:solidFill>
+              <a:effectLst/>
+              <a:latin typeface="Arial" panose="020B0604020202020204" pitchFamily="34" charset="0"/>
+            </a:endParaRPr>
+          </a:p>
+        </p:txBody>
+      </p:sp>
+      <p:sp>
+        <p:nvSpPr>
+          <p:cNvPr id="5" name="Rectangle 2"/>
+          <p:cNvSpPr>
+            <a:spLocks noChangeArrowheads="1"/>
+          </p:cNvSpPr>
+          <p:nvPr/>
+        </p:nvSpPr>
+        <p:spPr bwMode="auto">
+          <a:xfrm>
+            <a:off x="0" y="43934"/>
+            <a:ext cx="184731" cy="369332"/>
+          </a:xfrm>
+          <a:prstGeom prst="rect">
+            <a:avLst/>
+          </a:prstGeom>
+          <a:solidFill>
+            <a:srgbClr val="FFFFFF"/>
+          </a:solidFill>
+          <a:ln>
+            <a:noFill/>
+          </a:ln>
+          <a:effectLst/>
+          <a:extLst>
+            <a:ext uri="{91240B29-F687-4F45-9708-019B960494DF}">
+              <a14:hiddenLine xmlns:a14="http://schemas.microsoft.com/office/drawing/2010/main" w="9525">
+                <a:solidFill>
+                  <a:schemeClr val="tx1"/>
+                </a:solidFill>
+                <a:miter lim="800000"/>
+                <a:headEnd/>
+                <a:tailEnd/>
+              </a14:hiddenLine>
+            </a:ext>
+            <a:ext uri="{AF507438-7753-43E0-B8FC-AC1667EBCBE1}">
+              <a14:hiddenEffects xmlns:a14="http://schemas.microsoft.com/office/drawing/2010/main">
+                <a:effectLst>
+                  <a:outerShdw dist="35921" dir="2700000" algn="ctr" rotWithShape="0">
+                    <a:schemeClr val="bg2"/>
+                  </a:outerShdw>
+                </a:effectLst>
+              </a14:hiddenEffects>
+            </a:ext>
+          </a:extLst>
+        </p:spPr>
+        <p:txBody>
+          <a:bodyPr vert="horz" wrap="none" lIns="91440" tIns="45720" rIns="91440" bIns="45720" numCol="1" anchor="ctr" anchorCtr="0" compatLnSpc="1">
+            <a:prstTxWarp prst="textNoShape">
+              <a:avLst/>
+            </a:prstTxWarp>
+            <a:spAutoFit/>
+          </a:bodyPr>
+          <a:lstStyle/>
+          <a:p>
+            <a:pPr marL="0" marR="0" lvl="0" indent="0" algn="l" defTabSz="914400" rtl="0" eaLnBrk="0" fontAlgn="base" latinLnBrk="0" hangingPunct="0">
+              <a:lnSpc>
+                <a:spcPct val="100000"/>
+              </a:lnSpc>
+              <a:spcBef>
+                <a:spcPct val="0"/>
+              </a:spcBef>
+              <a:spcAft>
+                <a:spcPct val="0"/>
+              </a:spcAft>
+              <a:buClrTx/>
+              <a:buSzTx/>
+              <a:buFontTx/>
+              <a:buNone/>
+              <a:tabLst/>
+            </a:pPr>
+            <a:endParaRPr kumimoji="0" lang="en-US" altLang="en-US" sz="1800" b="0" i="0" u="none" strike="noStrike" cap="none" normalizeH="0" baseline="0" dirty="0">
+              <a:ln>
+                <a:noFill/>
+              </a:ln>
+              <a:solidFill>
+                <a:schemeClr val="tx1"/>
+              </a:solidFill>
+              <a:effectLst/>
+              <a:latin typeface="Arial" panose="020B0604020202020204" pitchFamily="34" charset="0"/>
+            </a:endParaRPr>
           </a:p>
         </p:txBody>
       </p:sp>
     </p:spTree>
     <p:extLst>
       <p:ext uri="{BB962C8B-B14F-4D97-AF65-F5344CB8AC3E}">
-        <p14:creationId xmlns:p14="http://schemas.microsoft.com/office/powerpoint/2010/main" val="3833922402"/>
+        <p14:creationId xmlns:p14="http://schemas.microsoft.com/office/powerpoint/2010/main" val="2180544995"/>
       </p:ext>
     </p:extLst>
   </p:cSld>
@@ -7133,10 +6860,9 @@
           <a:lstStyle/>
           <a:p>
             <a:r>
-              <a:rPr lang="en-US" i="1" dirty="0" smtClean="0"/>
-              <a:t>Babel</a:t>
-            </a:r>
-            <a:endParaRPr lang="en-US" i="1" dirty="0"/>
+              <a:rPr lang="en-US" i="1" dirty="0"/>
+              <a:t>webpack.config.js</a:t>
+            </a:r>
           </a:p>
         </p:txBody>
       </p:sp>
@@ -7152,8 +6878,8 @@
         </p:nvSpPr>
         <p:spPr>
           <a:xfrm>
-            <a:off x="304799" y="1825624"/>
-            <a:ext cx="11648303" cy="4772883"/>
+            <a:off x="280085" y="1825625"/>
+            <a:ext cx="11738919" cy="4789359"/>
           </a:xfrm>
         </p:spPr>
         <p:txBody>
@@ -7161,77 +6887,41 @@
           <a:lstStyle/>
           <a:p>
             <a:r>
-              <a:rPr lang="en-US" b="1" dirty="0" smtClean="0"/>
-              <a:t>Babel</a:t>
-            </a:r>
-            <a:r>
-              <a:rPr lang="en-US" dirty="0" smtClean="0"/>
-              <a:t> is the main tool to make JS transformations</a:t>
-            </a:r>
-          </a:p>
-          <a:p>
-            <a:r>
-              <a:rPr lang="en-US" dirty="0" smtClean="0"/>
-              <a:t>Need to be installed from </a:t>
-            </a:r>
-            <a:r>
-              <a:rPr lang="en-US" i="1" dirty="0" err="1" smtClean="0"/>
+              <a:rPr lang="en-US" dirty="0"/>
+              <a:t>Besides being called from </a:t>
+            </a:r>
+            <a:r>
+              <a:rPr lang="en-US" i="1" dirty="0" err="1"/>
               <a:t>package.json</a:t>
             </a:r>
-            <a:endParaRPr lang="en-US" i="1" dirty="0" smtClean="0"/>
-          </a:p>
-          <a:p>
-            <a:r>
-              <a:rPr lang="en-US" dirty="0" smtClean="0"/>
-              <a:t>Need its own </a:t>
-            </a:r>
-            <a:r>
-              <a:rPr lang="en-US" b="1" dirty="0" smtClean="0"/>
-              <a:t>.</a:t>
-            </a:r>
-            <a:r>
-              <a:rPr lang="en-US" b="1" dirty="0" err="1" smtClean="0"/>
-              <a:t>babelrc</a:t>
-            </a:r>
-            <a:r>
-              <a:rPr lang="en-US" b="1" dirty="0" smtClean="0"/>
-              <a:t> </a:t>
-            </a:r>
-            <a:r>
-              <a:rPr lang="en-US" dirty="0" smtClean="0"/>
-              <a:t>configuration file, specifying which transformations to apply</a:t>
+            <a:r>
+              <a:rPr lang="en-US" dirty="0"/>
+              <a:t>, WP also needs its own configurations</a:t>
             </a:r>
           </a:p>
           <a:p>
             <a:pPr lvl="1"/>
             <a:r>
-              <a:rPr lang="en-US" i="1" dirty="0"/>
-              <a:t>W</a:t>
-            </a:r>
-            <a:r>
-              <a:rPr lang="en-US" i="1" dirty="0" smtClean="0"/>
-              <a:t>arning</a:t>
-            </a:r>
-            <a:r>
-              <a:rPr lang="en-US" dirty="0" smtClean="0"/>
-              <a:t>: the “</a:t>
-            </a:r>
-            <a:r>
-              <a:rPr lang="en-US" b="1" dirty="0" smtClean="0"/>
-              <a:t>.</a:t>
-            </a:r>
-            <a:r>
-              <a:rPr lang="en-US" dirty="0" smtClean="0"/>
-              <a:t>” in front of a file/folder name makes it “hidden” by default is some OSs, like Mac and Linux, which is not really ideal for a configuration file…</a:t>
-            </a:r>
-            <a:endParaRPr lang="en-US" dirty="0"/>
+              <a:rPr lang="en-US" dirty="0" err="1"/>
+              <a:t>Eg</a:t>
+            </a:r>
+            <a:r>
+              <a:rPr lang="en-US" dirty="0"/>
+              <a:t>, name of the file to create, and which directory to save it into</a:t>
+            </a:r>
+          </a:p>
+          <a:p>
+            <a:r>
+              <a:rPr lang="en-US" dirty="0"/>
+              <a:t>Configuration done in a JavaScript file</a:t>
+            </a:r>
           </a:p>
         </p:txBody>
       </p:sp>
     </p:spTree>
     <p:extLst>
       <p:ext uri="{BB962C8B-B14F-4D97-AF65-F5344CB8AC3E}">
-        <p14:creationId xmlns:p14="http://schemas.microsoft.com/office/powerpoint/2010/main" val="4260479724"/>
+        <p14:creationId xmlns:p14="http://schemas.microsoft.com/office/powerpoint/2010/main" val="439023244"/>
       </p:ext>
     </p:extLst>
   </p:cSld>
@@ -7260,7 +6950,7 @@
       </p:grpSpPr>
       <p:sp>
         <p:nvSpPr>
-          <p:cNvPr id="4" name="Title 3"/>
+          <p:cNvPr id="2" name="Title 1"/>
           <p:cNvSpPr>
             <a:spLocks noGrp="1"/>
           </p:cNvSpPr>
@@ -7274,36 +6964,153 @@
           <a:lstStyle/>
           <a:p>
             <a:r>
-              <a:rPr lang="en-US" dirty="0" smtClean="0"/>
-              <a:t>Testing</a:t>
-            </a:r>
-            <a:endParaRPr lang="en-US" dirty="0"/>
-          </a:p>
-        </p:txBody>
-      </p:sp>
-      <p:sp>
-        <p:nvSpPr>
-          <p:cNvPr id="5" name="Text Placeholder 4"/>
-          <p:cNvSpPr>
-            <a:spLocks noGrp="1"/>
-          </p:cNvSpPr>
-          <p:nvPr>
-            <p:ph type="body" idx="1"/>
-          </p:nvPr>
-        </p:nvSpPr>
-        <p:spPr/>
-        <p:txBody>
-          <a:bodyPr/>
-          <a:lstStyle/>
-          <a:p>
-            <a:endParaRPr lang="en-US"/>
+              <a:rPr lang="en-US" i="1" dirty="0"/>
+              <a:t>Code Transformation</a:t>
+            </a:r>
+          </a:p>
+        </p:txBody>
+      </p:sp>
+      <p:sp>
+        <p:nvSpPr>
+          <p:cNvPr id="3" name="Content Placeholder 2"/>
+          <p:cNvSpPr>
+            <a:spLocks noGrp="1"/>
+          </p:cNvSpPr>
+          <p:nvPr>
+            <p:ph idx="1"/>
+          </p:nvPr>
+        </p:nvSpPr>
+        <p:spPr>
+          <a:xfrm>
+            <a:off x="288324" y="1825624"/>
+            <a:ext cx="11681254" cy="4797597"/>
+          </a:xfrm>
+        </p:spPr>
+        <p:txBody>
+          <a:bodyPr>
+            <a:normAutofit fontScale="92500" lnSpcReduction="10000"/>
+          </a:bodyPr>
+          <a:lstStyle/>
+          <a:p>
+            <a:r>
+              <a:rPr lang="en-US" dirty="0"/>
+              <a:t>Bundling is not enough, might need to do </a:t>
+            </a:r>
+            <a:r>
+              <a:rPr lang="en-US" i="1" dirty="0"/>
+              <a:t>transformations</a:t>
+            </a:r>
+          </a:p>
+          <a:p>
+            <a:r>
+              <a:rPr lang="en-US" dirty="0"/>
+              <a:t>Support other languages: </a:t>
+            </a:r>
+            <a:r>
+              <a:rPr lang="en-US" i="1" dirty="0" err="1"/>
+              <a:t>TypeScript</a:t>
+            </a:r>
+            <a:r>
+              <a:rPr lang="en-US" dirty="0"/>
+              <a:t> and </a:t>
+            </a:r>
+            <a:r>
+              <a:rPr lang="en-US" b="1" dirty="0"/>
+              <a:t>JSX</a:t>
+            </a:r>
+            <a:r>
+              <a:rPr lang="en-US" dirty="0"/>
+              <a:t> </a:t>
+            </a:r>
+          </a:p>
+          <a:p>
+            <a:pPr lvl="1"/>
+            <a:r>
+              <a:rPr lang="en-US" dirty="0"/>
+              <a:t>which are not natively supported by browsers, which only deal with JS</a:t>
+            </a:r>
+          </a:p>
+          <a:p>
+            <a:pPr lvl="1"/>
+            <a:r>
+              <a:rPr lang="en-US" dirty="0"/>
+              <a:t>JSX will be essential when dealing with </a:t>
+            </a:r>
+            <a:r>
+              <a:rPr lang="en-US" i="1" dirty="0"/>
+              <a:t>React</a:t>
+            </a:r>
+          </a:p>
+          <a:p>
+            <a:r>
+              <a:rPr lang="en-US" dirty="0"/>
+              <a:t>Support old browsers:</a:t>
+            </a:r>
+          </a:p>
+          <a:p>
+            <a:pPr lvl="1"/>
+            <a:r>
+              <a:rPr lang="en-US" dirty="0" err="1"/>
+              <a:t>eg</a:t>
+            </a:r>
+            <a:r>
+              <a:rPr lang="en-US" dirty="0"/>
+              <a:t>, transform code using new JS features (</a:t>
+            </a:r>
+            <a:r>
+              <a:rPr lang="en-US" dirty="0" err="1"/>
+              <a:t>eg</a:t>
+            </a:r>
+            <a:r>
+              <a:rPr lang="en-US" dirty="0"/>
+              <a:t>, </a:t>
+            </a:r>
+            <a:r>
+              <a:rPr lang="en-US" i="1" dirty="0" err="1"/>
+              <a:t>async</a:t>
+            </a:r>
+            <a:r>
+              <a:rPr lang="en-US" i="1" dirty="0"/>
+              <a:t>/await</a:t>
+            </a:r>
+            <a:r>
+              <a:rPr lang="en-US" dirty="0"/>
+              <a:t>) into equivalent, valid old JS </a:t>
+            </a:r>
+          </a:p>
+          <a:p>
+            <a:r>
+              <a:rPr lang="en-US" dirty="0" err="1"/>
+              <a:t>Minification</a:t>
+            </a:r>
+            <a:r>
+              <a:rPr lang="en-US" dirty="0"/>
+              <a:t>:</a:t>
+            </a:r>
+          </a:p>
+          <a:p>
+            <a:pPr lvl="1"/>
+            <a:r>
+              <a:rPr lang="en-US" dirty="0" err="1"/>
+              <a:t>eg</a:t>
+            </a:r>
+            <a:r>
+              <a:rPr lang="en-US" dirty="0"/>
+              <a:t>, remove comments and empty spaces from JS files to decrease their size, needed to make their download faster</a:t>
+            </a:r>
+          </a:p>
+          <a:p>
+            <a:r>
+              <a:rPr lang="en-US" dirty="0"/>
+              <a:t>etc.</a:t>
+            </a:r>
           </a:p>
         </p:txBody>
       </p:sp>
     </p:spTree>
     <p:extLst>
       <p:ext uri="{BB962C8B-B14F-4D97-AF65-F5344CB8AC3E}">
-        <p14:creationId xmlns:p14="http://schemas.microsoft.com/office/powerpoint/2010/main" val="1049621746"/>
+        <p14:creationId xmlns:p14="http://schemas.microsoft.com/office/powerpoint/2010/main" val="3833922402"/>
       </p:ext>
     </p:extLst>
   </p:cSld>
@@ -7351,10 +7158,9 @@
           <a:lstStyle/>
           <a:p>
             <a:r>
-              <a:rPr lang="en-US" dirty="0" smtClean="0"/>
+              <a:rPr lang="en-US" dirty="0"/>
               <a:t>Bash</a:t>
             </a:r>
-            <a:endParaRPr lang="en-US" dirty="0"/>
           </a:p>
         </p:txBody>
       </p:sp>
@@ -7368,13 +7174,6 @@
   <p:clrMapOvr>
     <a:masterClrMapping/>
   </p:clrMapOvr>
-  <p:timing>
-    <p:tnLst>
-      <p:par>
-        <p:cTn id="1" dur="indefinite" restart="never" nodeType="tmRoot"/>
-      </p:par>
-    </p:tnLst>
-  </p:timing>
 </p:sld>
 </file>
 
@@ -7411,10 +7210,9 @@
           <a:lstStyle/>
           <a:p>
             <a:r>
-              <a:rPr lang="en-US" dirty="0" smtClean="0"/>
-              <a:t>Testing</a:t>
-            </a:r>
-            <a:endParaRPr lang="en-US" dirty="0"/>
+              <a:rPr lang="en-US" i="1" dirty="0"/>
+              <a:t>Babel</a:t>
+            </a:r>
           </a:p>
         </p:txBody>
       </p:sp>
@@ -7430,8 +7228,8 @@
         </p:nvSpPr>
         <p:spPr>
           <a:xfrm>
-            <a:off x="304800" y="1825624"/>
-            <a:ext cx="11673016" cy="4855261"/>
+            <a:off x="304799" y="1825624"/>
+            <a:ext cx="11648303" cy="4772883"/>
           </a:xfrm>
         </p:spPr>
         <p:txBody>
@@ -7439,59 +7237,353 @@
           <a:lstStyle/>
           <a:p>
             <a:r>
-              <a:rPr lang="en-US" dirty="0" smtClean="0"/>
-              <a:t>To check the correctness of a program, writing test cases is very important</a:t>
-            </a:r>
-          </a:p>
-          <a:p>
-            <a:r>
-              <a:rPr lang="en-US" dirty="0" smtClean="0"/>
-              <a:t>For </a:t>
-            </a:r>
-            <a:r>
-              <a:rPr lang="en-US" i="1" dirty="0" smtClean="0"/>
-              <a:t>dynamically typed</a:t>
-            </a:r>
-            <a:r>
-              <a:rPr lang="en-US" dirty="0" smtClean="0"/>
-              <a:t> language, is even more important</a:t>
-            </a:r>
-          </a:p>
-          <a:p>
-            <a:pPr lvl="1"/>
-            <a:r>
-              <a:rPr lang="en-US" dirty="0" smtClean="0"/>
-              <a:t>as you lose a lot of warnings and checks from a compiler</a:t>
-            </a:r>
-          </a:p>
-          <a:p>
-            <a:r>
-              <a:rPr lang="en-US" dirty="0" smtClean="0"/>
-              <a:t>Different libraries in JS for testing, but we will use </a:t>
-            </a:r>
-            <a:r>
-              <a:rPr lang="en-US" b="1" dirty="0" smtClean="0"/>
-              <a:t>Jest</a:t>
-            </a:r>
-            <a:r>
-              <a:rPr lang="en-US" dirty="0" smtClean="0"/>
-              <a:t> </a:t>
-            </a:r>
-          </a:p>
-          <a:p>
-            <a:pPr lvl="1"/>
-            <a:r>
-              <a:rPr lang="en-US" dirty="0" smtClean="0"/>
-              <a:t>which is one of the most popular</a:t>
-            </a:r>
-            <a:endParaRPr lang="en-US" dirty="0"/>
+              <a:rPr lang="en-US" b="1" dirty="0"/>
+              <a:t>Babel</a:t>
+            </a:r>
+            <a:r>
+              <a:rPr lang="en-US" dirty="0"/>
+              <a:t> is the main tool to make JS transformations</a:t>
+            </a:r>
+          </a:p>
+          <a:p>
+            <a:r>
+              <a:rPr lang="en-US" dirty="0"/>
+              <a:t>Need to be installed and configured from </a:t>
+            </a:r>
+            <a:r>
+              <a:rPr lang="en-US" i="1" dirty="0" err="1"/>
+              <a:t>package.json</a:t>
+            </a:r>
+            <a:endParaRPr lang="en-US" i="1" dirty="0"/>
+          </a:p>
+        </p:txBody>
+      </p:sp>
+      <p:sp>
+        <p:nvSpPr>
+          <p:cNvPr id="4" name="Rectangle 3">
+            <a:extLst>
+              <a:ext uri="{FF2B5EF4-FFF2-40B4-BE49-F238E27FC236}">
+                <a16:creationId xmlns:a16="http://schemas.microsoft.com/office/drawing/2014/main" id="{B1BC9F7E-6FD2-9B4C-94EA-4C339EED2E3C}"/>
+              </a:ext>
+            </a:extLst>
+          </p:cNvPr>
+          <p:cNvSpPr/>
+          <p:nvPr/>
+        </p:nvSpPr>
+        <p:spPr>
+          <a:xfrm>
+            <a:off x="531222" y="3133793"/>
+            <a:ext cx="9196252" cy="3785652"/>
+          </a:xfrm>
+          <a:prstGeom prst="rect">
+            <a:avLst/>
+          </a:prstGeom>
+        </p:spPr>
+        <p:txBody>
+          <a:bodyPr wrap="square">
+            <a:spAutoFit/>
+          </a:bodyPr>
+          <a:lstStyle/>
+          <a:p>
+            <a:r>
+              <a:rPr lang="nb-NO" sz="2400" b="1" dirty="0">
+                <a:solidFill>
+                  <a:srgbClr val="660E7A"/>
+                </a:solidFill>
+              </a:rPr>
+              <a:t>"babel"</a:t>
+            </a:r>
+            <a:r>
+              <a:rPr lang="nb-NO" sz="2400" dirty="0"/>
+              <a:t>: {</a:t>
+            </a:r>
+            <a:br>
+              <a:rPr lang="nb-NO" sz="2400" dirty="0"/>
+            </a:br>
+            <a:r>
+              <a:rPr lang="nb-NO" sz="2400" dirty="0"/>
+              <a:t>    </a:t>
+            </a:r>
+            <a:r>
+              <a:rPr lang="nb-NO" sz="2400" b="1" dirty="0">
+                <a:solidFill>
+                  <a:srgbClr val="660E7A"/>
+                </a:solidFill>
+              </a:rPr>
+              <a:t>"</a:t>
+            </a:r>
+            <a:r>
+              <a:rPr lang="nb-NO" sz="2400" b="1" dirty="0" err="1">
+                <a:solidFill>
+                  <a:srgbClr val="660E7A"/>
+                </a:solidFill>
+              </a:rPr>
+              <a:t>presets</a:t>
+            </a:r>
+            <a:r>
+              <a:rPr lang="nb-NO" sz="2400" b="1" dirty="0">
+                <a:solidFill>
+                  <a:srgbClr val="660E7A"/>
+                </a:solidFill>
+              </a:rPr>
+              <a:t>"</a:t>
+            </a:r>
+            <a:r>
+              <a:rPr lang="nb-NO" sz="2400" dirty="0"/>
+              <a:t>: [</a:t>
+            </a:r>
+            <a:br>
+              <a:rPr lang="nb-NO" sz="2400" dirty="0"/>
+            </a:br>
+            <a:r>
+              <a:rPr lang="nb-NO" sz="2400" dirty="0"/>
+              <a:t>        </a:t>
+            </a:r>
+            <a:r>
+              <a:rPr lang="nb-NO" sz="2400" b="1" dirty="0">
+                <a:solidFill>
+                  <a:srgbClr val="008000"/>
+                </a:solidFill>
+              </a:rPr>
+              <a:t>"@babel/</a:t>
+            </a:r>
+            <a:r>
+              <a:rPr lang="nb-NO" sz="2400" b="1" dirty="0" err="1">
+                <a:solidFill>
+                  <a:srgbClr val="008000"/>
+                </a:solidFill>
+              </a:rPr>
+              <a:t>env</a:t>
+            </a:r>
+            <a:r>
+              <a:rPr lang="nb-NO" sz="2400" b="1" dirty="0">
+                <a:solidFill>
+                  <a:srgbClr val="008000"/>
+                </a:solidFill>
+              </a:rPr>
+              <a:t>"</a:t>
+            </a:r>
+            <a:br>
+              <a:rPr lang="nb-NO" sz="2400" b="1" dirty="0">
+                <a:solidFill>
+                  <a:srgbClr val="008000"/>
+                </a:solidFill>
+              </a:rPr>
+            </a:br>
+            <a:r>
+              <a:rPr lang="nb-NO" sz="2400" b="1" dirty="0">
+                <a:solidFill>
+                  <a:srgbClr val="008000"/>
+                </a:solidFill>
+              </a:rPr>
+              <a:t>    </a:t>
+            </a:r>
+            <a:r>
+              <a:rPr lang="nb-NO" sz="2400" dirty="0"/>
+              <a:t>]</a:t>
+            </a:r>
+            <a:br>
+              <a:rPr lang="nb-NO" sz="2400" dirty="0"/>
+            </a:br>
+            <a:r>
+              <a:rPr lang="nb-NO" sz="2400" dirty="0"/>
+              <a:t>}, </a:t>
+            </a:r>
+            <a:br>
+              <a:rPr lang="nb-NO" sz="2400" dirty="0"/>
+            </a:br>
+            <a:r>
+              <a:rPr lang="nb-NO" sz="2400" b="1" dirty="0">
+                <a:solidFill>
+                  <a:srgbClr val="660E7A"/>
+                </a:solidFill>
+              </a:rPr>
+              <a:t>"</a:t>
+            </a:r>
+            <a:r>
+              <a:rPr lang="nb-NO" sz="2400" b="1" dirty="0" err="1">
+                <a:solidFill>
+                  <a:srgbClr val="660E7A"/>
+                </a:solidFill>
+              </a:rPr>
+              <a:t>devDependencies</a:t>
+            </a:r>
+            <a:r>
+              <a:rPr lang="nb-NO" sz="2400" b="1" dirty="0">
+                <a:solidFill>
+                  <a:srgbClr val="660E7A"/>
+                </a:solidFill>
+              </a:rPr>
+              <a:t>"</a:t>
+            </a:r>
+            <a:r>
+              <a:rPr lang="nb-NO" sz="2400" dirty="0"/>
+              <a:t>: {</a:t>
+            </a:r>
+            <a:br>
+              <a:rPr lang="nb-NO" sz="2400" dirty="0"/>
+            </a:br>
+            <a:r>
+              <a:rPr lang="nb-NO" sz="2400" dirty="0"/>
+              <a:t>    </a:t>
+            </a:r>
+            <a:r>
+              <a:rPr lang="nb-NO" sz="2400" b="1" dirty="0">
+                <a:solidFill>
+                  <a:srgbClr val="660E7A"/>
+                </a:solidFill>
+              </a:rPr>
+              <a:t>"@babel/cli"</a:t>
+            </a:r>
+            <a:r>
+              <a:rPr lang="nb-NO" sz="2400" dirty="0"/>
+              <a:t>: </a:t>
+            </a:r>
+            <a:r>
+              <a:rPr lang="nb-NO" sz="2400" b="1" dirty="0">
+                <a:solidFill>
+                  <a:srgbClr val="008000"/>
+                </a:solidFill>
+              </a:rPr>
+              <a:t>"7.7.4"</a:t>
+            </a:r>
+            <a:r>
+              <a:rPr lang="nb-NO" sz="2400" dirty="0"/>
+              <a:t>, </a:t>
+            </a:r>
+            <a:br>
+              <a:rPr lang="nb-NO" sz="2400" dirty="0"/>
+            </a:br>
+            <a:r>
+              <a:rPr lang="nb-NO" sz="2400" dirty="0"/>
+              <a:t>    </a:t>
+            </a:r>
+            <a:r>
+              <a:rPr lang="nb-NO" sz="2400" b="1" dirty="0">
+                <a:solidFill>
+                  <a:srgbClr val="660E7A"/>
+                </a:solidFill>
+              </a:rPr>
+              <a:t>"@babel/</a:t>
+            </a:r>
+            <a:r>
+              <a:rPr lang="nb-NO" sz="2400" b="1" dirty="0" err="1">
+                <a:solidFill>
+                  <a:srgbClr val="660E7A"/>
+                </a:solidFill>
+              </a:rPr>
+              <a:t>core</a:t>
+            </a:r>
+            <a:r>
+              <a:rPr lang="nb-NO" sz="2400" b="1" dirty="0">
+                <a:solidFill>
+                  <a:srgbClr val="660E7A"/>
+                </a:solidFill>
+              </a:rPr>
+              <a:t>"</a:t>
+            </a:r>
+            <a:r>
+              <a:rPr lang="nb-NO" sz="2400" dirty="0"/>
+              <a:t>: </a:t>
+            </a:r>
+            <a:r>
+              <a:rPr lang="nb-NO" sz="2400" b="1" dirty="0">
+                <a:solidFill>
+                  <a:srgbClr val="008000"/>
+                </a:solidFill>
+              </a:rPr>
+              <a:t>"7.7.4"</a:t>
+            </a:r>
+            <a:r>
+              <a:rPr lang="nb-NO" sz="2400" dirty="0"/>
+              <a:t>, </a:t>
+            </a:r>
+            <a:br>
+              <a:rPr lang="nb-NO" sz="2400" dirty="0"/>
+            </a:br>
+            <a:r>
+              <a:rPr lang="nb-NO" sz="2400" dirty="0"/>
+              <a:t>    </a:t>
+            </a:r>
+            <a:r>
+              <a:rPr lang="nb-NO" sz="2400" b="1" dirty="0">
+                <a:solidFill>
+                  <a:srgbClr val="660E7A"/>
+                </a:solidFill>
+              </a:rPr>
+              <a:t>"@babel/</a:t>
+            </a:r>
+            <a:r>
+              <a:rPr lang="nb-NO" sz="2400" b="1" dirty="0" err="1">
+                <a:solidFill>
+                  <a:srgbClr val="660E7A"/>
+                </a:solidFill>
+              </a:rPr>
+              <a:t>preset-env</a:t>
+            </a:r>
+            <a:r>
+              <a:rPr lang="nb-NO" sz="2400" b="1" dirty="0">
+                <a:solidFill>
+                  <a:srgbClr val="660E7A"/>
+                </a:solidFill>
+              </a:rPr>
+              <a:t>"</a:t>
+            </a:r>
+            <a:r>
+              <a:rPr lang="nb-NO" sz="2400" dirty="0"/>
+              <a:t>: </a:t>
+            </a:r>
+            <a:r>
+              <a:rPr lang="nb-NO" sz="2400" b="1" dirty="0">
+                <a:solidFill>
+                  <a:srgbClr val="008000"/>
+                </a:solidFill>
+              </a:rPr>
+              <a:t>"7.7.4"</a:t>
+            </a:r>
+            <a:r>
+              <a:rPr lang="nb-NO" sz="2400" dirty="0"/>
+              <a:t>, </a:t>
+            </a:r>
+            <a:br>
+              <a:rPr lang="nb-NO" sz="2400" dirty="0"/>
+            </a:br>
+            <a:r>
+              <a:rPr lang="nb-NO" sz="2400" dirty="0"/>
+              <a:t>    </a:t>
+            </a:r>
+            <a:r>
+              <a:rPr lang="nb-NO" sz="2400" b="1" dirty="0">
+                <a:solidFill>
+                  <a:srgbClr val="660E7A"/>
+                </a:solidFill>
+              </a:rPr>
+              <a:t>"babel-jest"</a:t>
+            </a:r>
+            <a:r>
+              <a:rPr lang="nb-NO" sz="2400" dirty="0"/>
+              <a:t>: </a:t>
+            </a:r>
+            <a:r>
+              <a:rPr lang="nb-NO" sz="2400" b="1" dirty="0">
+                <a:solidFill>
+                  <a:srgbClr val="008000"/>
+                </a:solidFill>
+              </a:rPr>
+              <a:t>"24.9.0"</a:t>
+            </a:r>
+            <a:r>
+              <a:rPr lang="nb-NO" sz="2400" dirty="0"/>
+              <a:t>, </a:t>
+            </a:r>
+            <a:endParaRPr lang="en-US" sz="2400" dirty="0"/>
           </a:p>
         </p:txBody>
       </p:sp>
     </p:spTree>
     <p:extLst>
       <p:ext uri="{BB962C8B-B14F-4D97-AF65-F5344CB8AC3E}">
-        <p14:creationId xmlns:p14="http://schemas.microsoft.com/office/powerpoint/2010/main" val="1752866251"/>
+        <p14:creationId xmlns:p14="http://schemas.microsoft.com/office/powerpoint/2010/main" val="4260479724"/>
       </p:ext>
     </p:extLst>
   </p:cSld>
@@ -7520,7 +7612,7 @@
       </p:grpSpPr>
       <p:sp>
         <p:nvSpPr>
-          <p:cNvPr id="2" name="Title 1"/>
+          <p:cNvPr id="4" name="Title 3"/>
           <p:cNvSpPr>
             <a:spLocks noGrp="1"/>
           </p:cNvSpPr>
@@ -7534,715 +7626,16 @@
           <a:lstStyle/>
           <a:p>
             <a:r>
-              <a:rPr lang="en-US" dirty="0" smtClean="0"/>
-              <a:t>Configuring </a:t>
-            </a:r>
-            <a:r>
-              <a:rPr lang="en-US" i="1" dirty="0" smtClean="0"/>
-              <a:t>Jest</a:t>
-            </a:r>
-            <a:endParaRPr lang="en-US" i="1" dirty="0"/>
-          </a:p>
-        </p:txBody>
-      </p:sp>
-      <p:sp>
-        <p:nvSpPr>
-          <p:cNvPr id="3" name="Content Placeholder 2"/>
-          <p:cNvSpPr>
-            <a:spLocks noGrp="1"/>
-          </p:cNvSpPr>
-          <p:nvPr>
-            <p:ph idx="1"/>
-          </p:nvPr>
-        </p:nvSpPr>
-        <p:spPr>
-          <a:xfrm>
-            <a:off x="184731" y="1825625"/>
-            <a:ext cx="11331765" cy="1255326"/>
-          </a:xfrm>
-        </p:spPr>
-        <p:txBody>
-          <a:bodyPr/>
-          <a:lstStyle/>
-          <a:p>
-            <a:r>
-              <a:rPr lang="en-US" dirty="0" smtClean="0"/>
-              <a:t>Need entry in </a:t>
-            </a:r>
-            <a:r>
-              <a:rPr lang="en-US" b="1" dirty="0" smtClean="0"/>
-              <a:t>scripts</a:t>
-            </a:r>
-            <a:r>
-              <a:rPr lang="en-US" dirty="0" smtClean="0"/>
-              <a:t> to start it</a:t>
-            </a:r>
-          </a:p>
-          <a:p>
-            <a:r>
-              <a:rPr lang="en-US" dirty="0" smtClean="0"/>
-              <a:t>Need extra configurations to find out where the tests are</a:t>
-            </a:r>
-            <a:endParaRPr lang="en-US" dirty="0"/>
-          </a:p>
-        </p:txBody>
-      </p:sp>
-      <p:sp>
-        <p:nvSpPr>
-          <p:cNvPr id="4" name="Rectangle 1"/>
-          <p:cNvSpPr>
-            <a:spLocks noChangeArrowheads="1"/>
-          </p:cNvSpPr>
-          <p:nvPr/>
-        </p:nvSpPr>
-        <p:spPr bwMode="auto">
-          <a:xfrm>
-            <a:off x="304801" y="3694239"/>
-            <a:ext cx="7768280" cy="3046988"/>
-          </a:xfrm>
-          <a:prstGeom prst="rect">
-            <a:avLst/>
-          </a:prstGeom>
-          <a:solidFill>
-            <a:srgbClr val="FFFFFF"/>
-          </a:solidFill>
-          <a:ln>
-            <a:noFill/>
-          </a:ln>
-          <a:effectLst/>
-          <a:extLst>
-            <a:ext uri="{91240B29-F687-4F45-9708-019B960494DF}">
-              <a14:hiddenLine xmlns:a14="http://schemas.microsoft.com/office/drawing/2010/main" w="9525">
-                <a:solidFill>
-                  <a:schemeClr val="tx1"/>
-                </a:solidFill>
-                <a:miter lim="800000"/>
-                <a:headEnd/>
-                <a:tailEnd/>
-              </a14:hiddenLine>
-            </a:ext>
-            <a:ext uri="{AF507438-7753-43E0-B8FC-AC1667EBCBE1}">
-              <a14:hiddenEffects xmlns:a14="http://schemas.microsoft.com/office/drawing/2010/main">
-                <a:effectLst>
-                  <a:outerShdw dist="35921" dir="2700000" algn="ctr" rotWithShape="0">
-                    <a:schemeClr val="bg2"/>
-                  </a:outerShdw>
-                </a:effectLst>
-              </a14:hiddenEffects>
-            </a:ext>
-          </a:extLst>
-        </p:spPr>
-        <p:txBody>
-          <a:bodyPr vert="horz" wrap="square" lIns="91440" tIns="45720" rIns="91440" bIns="45720" numCol="1" anchor="ctr" anchorCtr="0" compatLnSpc="1">
-            <a:prstTxWarp prst="textNoShape">
-              <a:avLst/>
-            </a:prstTxWarp>
-            <a:spAutoFit/>
-          </a:bodyPr>
-          <a:lstStyle/>
-          <a:p>
-            <a:pPr marL="0" marR="0" lvl="0" indent="0" algn="l" defTabSz="914400" rtl="0" eaLnBrk="0" fontAlgn="base" latinLnBrk="0" hangingPunct="0">
-              <a:lnSpc>
-                <a:spcPct val="100000"/>
-              </a:lnSpc>
-              <a:spcBef>
-                <a:spcPct val="0"/>
-              </a:spcBef>
-              <a:spcAft>
-                <a:spcPct val="0"/>
-              </a:spcAft>
-              <a:buClrTx/>
-              <a:buSzTx/>
-              <a:buFontTx/>
-              <a:buNone/>
-              <a:tabLst/>
-            </a:pPr>
-            <a:r>
-              <a:rPr kumimoji="0" lang="en-US" altLang="en-US" sz="2400" b="1" i="0" u="none" strike="noStrike" cap="none" normalizeH="0" baseline="0" dirty="0" smtClean="0">
-                <a:ln>
-                  <a:noFill/>
-                </a:ln>
-                <a:solidFill>
-                  <a:srgbClr val="660E7A"/>
-                </a:solidFill>
-                <a:effectLst/>
-                <a:latin typeface="Courier New" panose="02070309020205020404" pitchFamily="49" charset="0"/>
-                <a:cs typeface="Courier New" panose="02070309020205020404" pitchFamily="49" charset="0"/>
-              </a:rPr>
-              <a:t>"scripts"</a:t>
-            </a:r>
-            <a:r>
-              <a:rPr kumimoji="0" lang="en-US" altLang="en-US" sz="2400" b="0" i="0" u="none" strike="noStrike" cap="none" normalizeH="0" baseline="0" dirty="0" smtClean="0">
-                <a:ln>
-                  <a:noFill/>
-                </a:ln>
-                <a:solidFill>
-                  <a:srgbClr val="000000"/>
-                </a:solidFill>
-                <a:effectLst/>
-                <a:latin typeface="Courier New" panose="02070309020205020404" pitchFamily="49" charset="0"/>
-                <a:cs typeface="Courier New" panose="02070309020205020404" pitchFamily="49" charset="0"/>
-              </a:rPr>
-              <a:t>: {</a:t>
-            </a:r>
-            <a:br>
-              <a:rPr kumimoji="0" lang="en-US" altLang="en-US" sz="2400" b="0" i="0" u="none" strike="noStrike" cap="none" normalizeH="0" baseline="0" dirty="0" smtClean="0">
-                <a:ln>
-                  <a:noFill/>
-                </a:ln>
-                <a:solidFill>
-                  <a:srgbClr val="000000"/>
-                </a:solidFill>
-                <a:effectLst/>
-                <a:latin typeface="Courier New" panose="02070309020205020404" pitchFamily="49" charset="0"/>
-                <a:cs typeface="Courier New" panose="02070309020205020404" pitchFamily="49" charset="0"/>
-              </a:rPr>
-            </a:br>
-            <a:r>
-              <a:rPr kumimoji="0" lang="en-US" altLang="en-US" sz="2400" b="0" i="0" u="none" strike="noStrike" cap="none" normalizeH="0" baseline="0" dirty="0" smtClean="0">
-                <a:ln>
-                  <a:noFill/>
-                </a:ln>
-                <a:solidFill>
-                  <a:srgbClr val="000000"/>
-                </a:solidFill>
-                <a:effectLst/>
-                <a:latin typeface="Courier New" panose="02070309020205020404" pitchFamily="49" charset="0"/>
-                <a:cs typeface="Courier New" panose="02070309020205020404" pitchFamily="49" charset="0"/>
-              </a:rPr>
-              <a:t>  </a:t>
-            </a:r>
-            <a:r>
-              <a:rPr kumimoji="0" lang="en-US" altLang="en-US" sz="2400" b="1" i="0" u="none" strike="noStrike" cap="none" normalizeH="0" baseline="0" dirty="0" smtClean="0">
-                <a:ln>
-                  <a:noFill/>
-                </a:ln>
-                <a:solidFill>
-                  <a:srgbClr val="660E7A"/>
-                </a:solidFill>
-                <a:effectLst/>
-                <a:latin typeface="Courier New" panose="02070309020205020404" pitchFamily="49" charset="0"/>
-                <a:cs typeface="Courier New" panose="02070309020205020404" pitchFamily="49" charset="0"/>
-              </a:rPr>
-              <a:t>"test"</a:t>
-            </a:r>
-            <a:r>
-              <a:rPr kumimoji="0" lang="en-US" altLang="en-US" sz="2400" b="0" i="0" u="none" strike="noStrike" cap="none" normalizeH="0" baseline="0" dirty="0" smtClean="0">
-                <a:ln>
-                  <a:noFill/>
-                </a:ln>
-                <a:solidFill>
-                  <a:srgbClr val="000000"/>
-                </a:solidFill>
-                <a:effectLst/>
-                <a:latin typeface="Courier New" panose="02070309020205020404" pitchFamily="49" charset="0"/>
-                <a:cs typeface="Courier New" panose="02070309020205020404" pitchFamily="49" charset="0"/>
-              </a:rPr>
-              <a:t>: </a:t>
-            </a:r>
-            <a:r>
-              <a:rPr kumimoji="0" lang="en-US" altLang="en-US" sz="2400" b="1" i="0" u="none" strike="noStrike" cap="none" normalizeH="0" baseline="0" dirty="0" smtClean="0">
-                <a:ln>
-                  <a:noFill/>
-                </a:ln>
-                <a:solidFill>
-                  <a:srgbClr val="008000"/>
-                </a:solidFill>
-                <a:effectLst/>
-                <a:latin typeface="Courier New" panose="02070309020205020404" pitchFamily="49" charset="0"/>
-                <a:cs typeface="Courier New" panose="02070309020205020404" pitchFamily="49" charset="0"/>
-              </a:rPr>
-              <a:t>"jest --coverage"</a:t>
-            </a:r>
-            <a:r>
-              <a:rPr kumimoji="0" lang="en-US" altLang="en-US" sz="2400" b="0" i="0" u="none" strike="noStrike" cap="none" normalizeH="0" baseline="0" dirty="0" smtClean="0">
-                <a:ln>
-                  <a:noFill/>
-                </a:ln>
-                <a:solidFill>
-                  <a:srgbClr val="000000"/>
-                </a:solidFill>
-                <a:effectLst/>
-                <a:latin typeface="Courier New" panose="02070309020205020404" pitchFamily="49" charset="0"/>
-                <a:cs typeface="Courier New" panose="02070309020205020404" pitchFamily="49" charset="0"/>
-              </a:rPr>
-              <a:t/>
-            </a:r>
-            <a:br>
-              <a:rPr kumimoji="0" lang="en-US" altLang="en-US" sz="2400" b="0" i="0" u="none" strike="noStrike" cap="none" normalizeH="0" baseline="0" dirty="0" smtClean="0">
-                <a:ln>
-                  <a:noFill/>
-                </a:ln>
-                <a:solidFill>
-                  <a:srgbClr val="000000"/>
-                </a:solidFill>
-                <a:effectLst/>
-                <a:latin typeface="Courier New" panose="02070309020205020404" pitchFamily="49" charset="0"/>
-                <a:cs typeface="Courier New" panose="02070309020205020404" pitchFamily="49" charset="0"/>
-              </a:rPr>
-            </a:br>
-            <a:r>
-              <a:rPr kumimoji="0" lang="en-US" altLang="en-US" sz="2400" b="0" i="0" u="none" strike="noStrike" cap="none" normalizeH="0" baseline="0" dirty="0" smtClean="0">
-                <a:ln>
-                  <a:noFill/>
-                </a:ln>
-                <a:solidFill>
-                  <a:srgbClr val="000000"/>
-                </a:solidFill>
-                <a:effectLst/>
-                <a:latin typeface="Courier New" panose="02070309020205020404" pitchFamily="49" charset="0"/>
-                <a:cs typeface="Courier New" panose="02070309020205020404" pitchFamily="49" charset="0"/>
-              </a:rPr>
-              <a:t>},</a:t>
-            </a:r>
-          </a:p>
-          <a:p>
-            <a:pPr eaLnBrk="0" fontAlgn="base" hangingPunct="0">
-              <a:spcBef>
-                <a:spcPct val="0"/>
-              </a:spcBef>
-              <a:spcAft>
-                <a:spcPct val="0"/>
-              </a:spcAft>
-            </a:pPr>
-            <a:r>
-              <a:rPr lang="en-US" altLang="en-US" sz="2000" b="1" dirty="0">
-                <a:solidFill>
-                  <a:srgbClr val="660E7A"/>
-                </a:solidFill>
-                <a:latin typeface="Courier New" panose="02070309020205020404" pitchFamily="49" charset="0"/>
-                <a:cs typeface="Courier New" panose="02070309020205020404" pitchFamily="49" charset="0"/>
-              </a:rPr>
-              <a:t>"jest"</a:t>
-            </a:r>
-            <a:r>
-              <a:rPr lang="en-US" altLang="en-US" sz="2000" dirty="0">
-                <a:solidFill>
-                  <a:srgbClr val="000000"/>
-                </a:solidFill>
-                <a:latin typeface="Courier New" panose="02070309020205020404" pitchFamily="49" charset="0"/>
-                <a:cs typeface="Courier New" panose="02070309020205020404" pitchFamily="49" charset="0"/>
-              </a:rPr>
-              <a:t>: {</a:t>
-            </a:r>
-            <a:br>
-              <a:rPr lang="en-US" altLang="en-US" sz="2000" dirty="0">
-                <a:solidFill>
-                  <a:srgbClr val="000000"/>
-                </a:solidFill>
-                <a:latin typeface="Courier New" panose="02070309020205020404" pitchFamily="49" charset="0"/>
-                <a:cs typeface="Courier New" panose="02070309020205020404" pitchFamily="49" charset="0"/>
-              </a:rPr>
-            </a:br>
-            <a:r>
-              <a:rPr lang="en-US" altLang="en-US" sz="2000" dirty="0">
-                <a:solidFill>
-                  <a:srgbClr val="000000"/>
-                </a:solidFill>
-                <a:latin typeface="Courier New" panose="02070309020205020404" pitchFamily="49" charset="0"/>
-                <a:cs typeface="Courier New" panose="02070309020205020404" pitchFamily="49" charset="0"/>
-              </a:rPr>
-              <a:t>  </a:t>
-            </a:r>
-            <a:r>
-              <a:rPr lang="en-US" altLang="en-US" sz="2000" b="1" dirty="0">
-                <a:solidFill>
-                  <a:srgbClr val="660E7A"/>
-                </a:solidFill>
-                <a:latin typeface="Courier New" panose="02070309020205020404" pitchFamily="49" charset="0"/>
-                <a:cs typeface="Courier New" panose="02070309020205020404" pitchFamily="49" charset="0"/>
-              </a:rPr>
-              <a:t>"</a:t>
-            </a:r>
-            <a:r>
-              <a:rPr lang="en-US" altLang="en-US" sz="2000" b="1" dirty="0" err="1">
-                <a:solidFill>
-                  <a:srgbClr val="660E7A"/>
-                </a:solidFill>
-                <a:latin typeface="Courier New" panose="02070309020205020404" pitchFamily="49" charset="0"/>
-                <a:cs typeface="Courier New" panose="02070309020205020404" pitchFamily="49" charset="0"/>
-              </a:rPr>
-              <a:t>testRegex</a:t>
-            </a:r>
-            <a:r>
-              <a:rPr lang="en-US" altLang="en-US" sz="2000" b="1" dirty="0">
-                <a:solidFill>
-                  <a:srgbClr val="660E7A"/>
-                </a:solidFill>
-                <a:latin typeface="Courier New" panose="02070309020205020404" pitchFamily="49" charset="0"/>
-                <a:cs typeface="Courier New" panose="02070309020205020404" pitchFamily="49" charset="0"/>
-              </a:rPr>
-              <a:t>"</a:t>
-            </a:r>
-            <a:r>
-              <a:rPr lang="en-US" altLang="en-US" sz="2000" dirty="0">
-                <a:solidFill>
-                  <a:srgbClr val="000000"/>
-                </a:solidFill>
-                <a:latin typeface="Courier New" panose="02070309020205020404" pitchFamily="49" charset="0"/>
-                <a:cs typeface="Courier New" panose="02070309020205020404" pitchFamily="49" charset="0"/>
-              </a:rPr>
-              <a:t>: </a:t>
-            </a:r>
-            <a:r>
-              <a:rPr lang="en-US" altLang="en-US" sz="2000" b="1" dirty="0">
-                <a:solidFill>
-                  <a:srgbClr val="008000"/>
-                </a:solidFill>
-                <a:latin typeface="Courier New" panose="02070309020205020404" pitchFamily="49" charset="0"/>
-                <a:cs typeface="Courier New" panose="02070309020205020404" pitchFamily="49" charset="0"/>
-              </a:rPr>
-              <a:t>"tests</a:t>
-            </a:r>
-            <a:r>
-              <a:rPr lang="en-US" altLang="en-US" sz="2000" b="1" dirty="0" smtClean="0">
-                <a:solidFill>
-                  <a:srgbClr val="008000"/>
-                </a:solidFill>
-                <a:latin typeface="Courier New" panose="02070309020205020404" pitchFamily="49" charset="0"/>
-                <a:cs typeface="Courier New" panose="02070309020205020404" pitchFamily="49" charset="0"/>
-              </a:rPr>
-              <a:t>/.*</a:t>
-            </a:r>
-            <a:r>
-              <a:rPr lang="en-US" altLang="en-US" sz="2000" b="1" dirty="0">
-                <a:solidFill>
-                  <a:srgbClr val="000080"/>
-                </a:solidFill>
-                <a:latin typeface="Courier New" panose="02070309020205020404" pitchFamily="49" charset="0"/>
-                <a:cs typeface="Courier New" panose="02070309020205020404" pitchFamily="49" charset="0"/>
-              </a:rPr>
-              <a:t>-</a:t>
-            </a:r>
-            <a:r>
-              <a:rPr lang="en-US" altLang="en-US" sz="2000" b="1" dirty="0" smtClean="0">
-                <a:solidFill>
-                  <a:srgbClr val="008000"/>
-                </a:solidFill>
-                <a:latin typeface="Courier New" panose="02070309020205020404" pitchFamily="49" charset="0"/>
-                <a:cs typeface="Courier New" panose="02070309020205020404" pitchFamily="49" charset="0"/>
-              </a:rPr>
-              <a:t>test</a:t>
-            </a:r>
-            <a:r>
-              <a:rPr lang="en-US" altLang="en-US" sz="2000" b="1" dirty="0">
-                <a:solidFill>
-                  <a:srgbClr val="000080"/>
-                </a:solidFill>
-                <a:latin typeface="Courier New" panose="02070309020205020404" pitchFamily="49" charset="0"/>
-                <a:cs typeface="Courier New" panose="02070309020205020404" pitchFamily="49" charset="0"/>
-              </a:rPr>
-              <a:t>\\</a:t>
-            </a:r>
-            <a:r>
-              <a:rPr lang="en-US" altLang="en-US" sz="2000" b="1" dirty="0">
-                <a:solidFill>
-                  <a:srgbClr val="008000"/>
-                </a:solidFill>
-                <a:latin typeface="Courier New" panose="02070309020205020404" pitchFamily="49" charset="0"/>
-                <a:cs typeface="Courier New" panose="02070309020205020404" pitchFamily="49" charset="0"/>
-              </a:rPr>
-              <a:t>.(</a:t>
-            </a:r>
-            <a:r>
-              <a:rPr lang="en-US" altLang="en-US" sz="2000" b="1" dirty="0" err="1">
-                <a:solidFill>
-                  <a:srgbClr val="008000"/>
-                </a:solidFill>
-                <a:latin typeface="Courier New" panose="02070309020205020404" pitchFamily="49" charset="0"/>
-                <a:cs typeface="Courier New" panose="02070309020205020404" pitchFamily="49" charset="0"/>
-              </a:rPr>
-              <a:t>js|jsx</a:t>
-            </a:r>
-            <a:r>
-              <a:rPr lang="en-US" altLang="en-US" sz="2000" b="1" dirty="0">
-                <a:solidFill>
-                  <a:srgbClr val="008000"/>
-                </a:solidFill>
-                <a:latin typeface="Courier New" panose="02070309020205020404" pitchFamily="49" charset="0"/>
-                <a:cs typeface="Courier New" panose="02070309020205020404" pitchFamily="49" charset="0"/>
-              </a:rPr>
-              <a:t>)$"</a:t>
-            </a:r>
-            <a:r>
-              <a:rPr lang="en-US" altLang="en-US" sz="2000" dirty="0">
-                <a:solidFill>
-                  <a:srgbClr val="000000"/>
-                </a:solidFill>
-                <a:latin typeface="Courier New" panose="02070309020205020404" pitchFamily="49" charset="0"/>
-                <a:cs typeface="Courier New" panose="02070309020205020404" pitchFamily="49" charset="0"/>
-              </a:rPr>
-              <a:t>,</a:t>
-            </a:r>
-            <a:br>
-              <a:rPr lang="en-US" altLang="en-US" sz="2000" dirty="0">
-                <a:solidFill>
-                  <a:srgbClr val="000000"/>
-                </a:solidFill>
-                <a:latin typeface="Courier New" panose="02070309020205020404" pitchFamily="49" charset="0"/>
-                <a:cs typeface="Courier New" panose="02070309020205020404" pitchFamily="49" charset="0"/>
-              </a:rPr>
-            </a:br>
-            <a:r>
-              <a:rPr lang="en-US" altLang="en-US" sz="2000" dirty="0">
-                <a:solidFill>
-                  <a:srgbClr val="000000"/>
-                </a:solidFill>
-                <a:latin typeface="Courier New" panose="02070309020205020404" pitchFamily="49" charset="0"/>
-                <a:cs typeface="Courier New" panose="02070309020205020404" pitchFamily="49" charset="0"/>
-              </a:rPr>
-              <a:t>  </a:t>
-            </a:r>
-            <a:r>
-              <a:rPr lang="en-US" altLang="en-US" sz="2000" b="1" dirty="0">
-                <a:solidFill>
-                  <a:srgbClr val="660E7A"/>
-                </a:solidFill>
-                <a:latin typeface="Courier New" panose="02070309020205020404" pitchFamily="49" charset="0"/>
-                <a:cs typeface="Courier New" panose="02070309020205020404" pitchFamily="49" charset="0"/>
-              </a:rPr>
-              <a:t>"</a:t>
-            </a:r>
-            <a:r>
-              <a:rPr lang="en-US" altLang="en-US" sz="2000" b="1" dirty="0" err="1">
-                <a:solidFill>
-                  <a:srgbClr val="660E7A"/>
-                </a:solidFill>
-                <a:latin typeface="Courier New" panose="02070309020205020404" pitchFamily="49" charset="0"/>
-                <a:cs typeface="Courier New" panose="02070309020205020404" pitchFamily="49" charset="0"/>
-              </a:rPr>
-              <a:t>collectCoverageFrom</a:t>
-            </a:r>
-            <a:r>
-              <a:rPr lang="en-US" altLang="en-US" sz="2000" b="1" dirty="0">
-                <a:solidFill>
-                  <a:srgbClr val="660E7A"/>
-                </a:solidFill>
-                <a:latin typeface="Courier New" panose="02070309020205020404" pitchFamily="49" charset="0"/>
-                <a:cs typeface="Courier New" panose="02070309020205020404" pitchFamily="49" charset="0"/>
-              </a:rPr>
-              <a:t>"</a:t>
-            </a:r>
-            <a:r>
-              <a:rPr lang="en-US" altLang="en-US" sz="2000" dirty="0">
-                <a:solidFill>
-                  <a:srgbClr val="000000"/>
-                </a:solidFill>
-                <a:latin typeface="Courier New" panose="02070309020205020404" pitchFamily="49" charset="0"/>
-                <a:cs typeface="Courier New" panose="02070309020205020404" pitchFamily="49" charset="0"/>
-              </a:rPr>
-              <a:t>: [</a:t>
-            </a:r>
-            <a:br>
-              <a:rPr lang="en-US" altLang="en-US" sz="2000" dirty="0">
-                <a:solidFill>
-                  <a:srgbClr val="000000"/>
-                </a:solidFill>
-                <a:latin typeface="Courier New" panose="02070309020205020404" pitchFamily="49" charset="0"/>
-                <a:cs typeface="Courier New" panose="02070309020205020404" pitchFamily="49" charset="0"/>
-              </a:rPr>
-            </a:br>
-            <a:r>
-              <a:rPr lang="en-US" altLang="en-US" sz="2000" dirty="0">
-                <a:solidFill>
-                  <a:srgbClr val="000000"/>
-                </a:solidFill>
-                <a:latin typeface="Courier New" panose="02070309020205020404" pitchFamily="49" charset="0"/>
-                <a:cs typeface="Courier New" panose="02070309020205020404" pitchFamily="49" charset="0"/>
-              </a:rPr>
-              <a:t>    </a:t>
-            </a:r>
-            <a:r>
-              <a:rPr lang="en-US" altLang="en-US" sz="2000" b="1" dirty="0">
-                <a:solidFill>
-                  <a:srgbClr val="008000"/>
-                </a:solidFill>
-                <a:latin typeface="Courier New" panose="02070309020205020404" pitchFamily="49" charset="0"/>
-                <a:cs typeface="Courier New" panose="02070309020205020404" pitchFamily="49" charset="0"/>
-              </a:rPr>
-              <a:t>"</a:t>
-            </a:r>
-            <a:r>
-              <a:rPr lang="en-US" altLang="en-US" sz="2000" b="1" dirty="0" err="1">
-                <a:solidFill>
-                  <a:srgbClr val="008000"/>
-                </a:solidFill>
-                <a:latin typeface="Courier New" panose="02070309020205020404" pitchFamily="49" charset="0"/>
-                <a:cs typeface="Courier New" panose="02070309020205020404" pitchFamily="49" charset="0"/>
-              </a:rPr>
-              <a:t>src</a:t>
-            </a:r>
-            <a:r>
-              <a:rPr lang="en-US" altLang="en-US" sz="2000" b="1" dirty="0">
-                <a:solidFill>
-                  <a:srgbClr val="008000"/>
-                </a:solidFill>
-                <a:latin typeface="Courier New" panose="02070309020205020404" pitchFamily="49" charset="0"/>
-                <a:cs typeface="Courier New" panose="02070309020205020404" pitchFamily="49" charset="0"/>
-              </a:rPr>
-              <a:t>/**.(</a:t>
-            </a:r>
-            <a:r>
-              <a:rPr lang="en-US" altLang="en-US" sz="2000" b="1" dirty="0" err="1">
-                <a:solidFill>
-                  <a:srgbClr val="008000"/>
-                </a:solidFill>
-                <a:latin typeface="Courier New" panose="02070309020205020404" pitchFamily="49" charset="0"/>
-                <a:cs typeface="Courier New" panose="02070309020205020404" pitchFamily="49" charset="0"/>
-              </a:rPr>
-              <a:t>js|jsx</a:t>
-            </a:r>
-            <a:r>
-              <a:rPr lang="en-US" altLang="en-US" sz="2000" b="1" dirty="0">
-                <a:solidFill>
-                  <a:srgbClr val="008000"/>
-                </a:solidFill>
-                <a:latin typeface="Courier New" panose="02070309020205020404" pitchFamily="49" charset="0"/>
-                <a:cs typeface="Courier New" panose="02070309020205020404" pitchFamily="49" charset="0"/>
-              </a:rPr>
-              <a:t>)"</a:t>
-            </a:r>
-            <a:br>
-              <a:rPr lang="en-US" altLang="en-US" sz="2000" b="1" dirty="0">
-                <a:solidFill>
-                  <a:srgbClr val="008000"/>
-                </a:solidFill>
-                <a:latin typeface="Courier New" panose="02070309020205020404" pitchFamily="49" charset="0"/>
-                <a:cs typeface="Courier New" panose="02070309020205020404" pitchFamily="49" charset="0"/>
-              </a:rPr>
-            </a:br>
-            <a:r>
-              <a:rPr lang="en-US" altLang="en-US" sz="2000" b="1" dirty="0">
-                <a:solidFill>
-                  <a:srgbClr val="008000"/>
-                </a:solidFill>
-                <a:latin typeface="Courier New" panose="02070309020205020404" pitchFamily="49" charset="0"/>
-                <a:cs typeface="Courier New" panose="02070309020205020404" pitchFamily="49" charset="0"/>
-              </a:rPr>
-              <a:t>  </a:t>
-            </a:r>
-            <a:r>
-              <a:rPr lang="en-US" altLang="en-US" sz="2000" dirty="0">
-                <a:solidFill>
-                  <a:srgbClr val="000000"/>
-                </a:solidFill>
-                <a:latin typeface="Courier New" panose="02070309020205020404" pitchFamily="49" charset="0"/>
-                <a:cs typeface="Courier New" panose="02070309020205020404" pitchFamily="49" charset="0"/>
-              </a:rPr>
-              <a:t>]</a:t>
-            </a:r>
-            <a:br>
-              <a:rPr lang="en-US" altLang="en-US" sz="2000" dirty="0">
-                <a:solidFill>
-                  <a:srgbClr val="000000"/>
-                </a:solidFill>
-                <a:latin typeface="Courier New" panose="02070309020205020404" pitchFamily="49" charset="0"/>
-                <a:cs typeface="Courier New" panose="02070309020205020404" pitchFamily="49" charset="0"/>
-              </a:rPr>
-            </a:br>
-            <a:r>
-              <a:rPr lang="en-US" altLang="en-US" sz="2000" dirty="0" smtClean="0">
-                <a:solidFill>
-                  <a:srgbClr val="000000"/>
-                </a:solidFill>
-                <a:latin typeface="Courier New" panose="02070309020205020404" pitchFamily="49" charset="0"/>
-                <a:cs typeface="Courier New" panose="02070309020205020404" pitchFamily="49" charset="0"/>
-              </a:rPr>
-              <a:t>}</a:t>
-            </a:r>
-            <a:endParaRPr lang="en-US" altLang="en-US" sz="1600" dirty="0">
-              <a:latin typeface="Arial" panose="020B0604020202020204" pitchFamily="34" charset="0"/>
-            </a:endParaRPr>
-          </a:p>
-        </p:txBody>
-      </p:sp>
-      <p:sp>
-        <p:nvSpPr>
-          <p:cNvPr id="5" name="Rectangle 2"/>
-          <p:cNvSpPr>
-            <a:spLocks noChangeArrowheads="1"/>
-          </p:cNvSpPr>
-          <p:nvPr/>
-        </p:nvSpPr>
-        <p:spPr bwMode="auto">
-          <a:xfrm>
-            <a:off x="0" y="43934"/>
-            <a:ext cx="184731" cy="369332"/>
-          </a:xfrm>
-          <a:prstGeom prst="rect">
-            <a:avLst/>
-          </a:prstGeom>
-          <a:solidFill>
-            <a:srgbClr val="FFFFFF"/>
-          </a:solidFill>
-          <a:ln>
-            <a:noFill/>
-          </a:ln>
-          <a:effectLst/>
-          <a:extLst>
-            <a:ext uri="{91240B29-F687-4F45-9708-019B960494DF}">
-              <a14:hiddenLine xmlns:a14="http://schemas.microsoft.com/office/drawing/2010/main" w="9525">
-                <a:solidFill>
-                  <a:schemeClr val="tx1"/>
-                </a:solidFill>
-                <a:miter lim="800000"/>
-                <a:headEnd/>
-                <a:tailEnd/>
-              </a14:hiddenLine>
-            </a:ext>
-            <a:ext uri="{AF507438-7753-43E0-B8FC-AC1667EBCBE1}">
-              <a14:hiddenEffects xmlns:a14="http://schemas.microsoft.com/office/drawing/2010/main">
-                <a:effectLst>
-                  <a:outerShdw dist="35921" dir="2700000" algn="ctr" rotWithShape="0">
-                    <a:schemeClr val="bg2"/>
-                  </a:outerShdw>
-                </a:effectLst>
-              </a14:hiddenEffects>
-            </a:ext>
-          </a:extLst>
-        </p:spPr>
-        <p:txBody>
-          <a:bodyPr vert="horz" wrap="none" lIns="91440" tIns="45720" rIns="91440" bIns="45720" numCol="1" anchor="ctr" anchorCtr="0" compatLnSpc="1">
-            <a:prstTxWarp prst="textNoShape">
-              <a:avLst/>
-            </a:prstTxWarp>
-            <a:spAutoFit/>
-          </a:bodyPr>
-          <a:lstStyle/>
-          <a:p>
-            <a:pPr marL="0" marR="0" lvl="0" indent="0" algn="l" defTabSz="914400" rtl="0" eaLnBrk="0" fontAlgn="base" latinLnBrk="0" hangingPunct="0">
-              <a:lnSpc>
-                <a:spcPct val="100000"/>
-              </a:lnSpc>
-              <a:spcBef>
-                <a:spcPct val="0"/>
-              </a:spcBef>
-              <a:spcAft>
-                <a:spcPct val="0"/>
-              </a:spcAft>
-              <a:buClrTx/>
-              <a:buSzTx/>
-              <a:buFontTx/>
-              <a:buNone/>
-              <a:tabLst/>
-            </a:pPr>
-            <a:endParaRPr kumimoji="0" lang="en-US" altLang="en-US" sz="1800" b="0" i="0" u="none" strike="noStrike" cap="none" normalizeH="0" baseline="0" dirty="0" smtClean="0">
-              <a:ln>
-                <a:noFill/>
-              </a:ln>
-              <a:solidFill>
-                <a:schemeClr val="tx1"/>
-              </a:solidFill>
-              <a:effectLst/>
-              <a:latin typeface="Arial" panose="020B0604020202020204" pitchFamily="34" charset="0"/>
-            </a:endParaRPr>
+              <a:rPr lang="en-US" dirty="0"/>
+              <a:t>Testing</a:t>
+            </a:r>
           </a:p>
         </p:txBody>
       </p:sp>
     </p:spTree>
     <p:extLst>
       <p:ext uri="{BB962C8B-B14F-4D97-AF65-F5344CB8AC3E}">
-        <p14:creationId xmlns:p14="http://schemas.microsoft.com/office/powerpoint/2010/main" val="2088735532"/>
+        <p14:creationId xmlns:p14="http://schemas.microsoft.com/office/powerpoint/2010/main" val="1049621746"/>
       </p:ext>
     </p:extLst>
   </p:cSld>
@@ -8285,22 +7678,867 @@
           <a:lstStyle/>
           <a:p>
             <a:r>
-              <a:rPr lang="en-US" dirty="0" smtClean="0"/>
+              <a:rPr lang="en-US" dirty="0"/>
+              <a:t>Testing</a:t>
+            </a:r>
+          </a:p>
+        </p:txBody>
+      </p:sp>
+      <p:sp>
+        <p:nvSpPr>
+          <p:cNvPr id="3" name="Content Placeholder 2"/>
+          <p:cNvSpPr>
+            <a:spLocks noGrp="1"/>
+          </p:cNvSpPr>
+          <p:nvPr>
+            <p:ph idx="1"/>
+          </p:nvPr>
+        </p:nvSpPr>
+        <p:spPr>
+          <a:xfrm>
+            <a:off x="304800" y="1825624"/>
+            <a:ext cx="11673016" cy="4855261"/>
+          </a:xfrm>
+        </p:spPr>
+        <p:txBody>
+          <a:bodyPr/>
+          <a:lstStyle/>
+          <a:p>
+            <a:r>
+              <a:rPr lang="en-US" dirty="0"/>
+              <a:t>To check the correctness of a program, writing test cases is very important</a:t>
+            </a:r>
+          </a:p>
+          <a:p>
+            <a:r>
+              <a:rPr lang="en-US" dirty="0"/>
+              <a:t>For </a:t>
+            </a:r>
+            <a:r>
+              <a:rPr lang="en-US" i="1" dirty="0"/>
+              <a:t>dynamically typed</a:t>
+            </a:r>
+            <a:r>
+              <a:rPr lang="en-US" dirty="0"/>
+              <a:t> language, is even more important</a:t>
+            </a:r>
+          </a:p>
+          <a:p>
+            <a:pPr lvl="1"/>
+            <a:r>
+              <a:rPr lang="en-US" dirty="0"/>
+              <a:t>as you lose a lot of warnings and checks from a compiler</a:t>
+            </a:r>
+          </a:p>
+          <a:p>
+            <a:r>
+              <a:rPr lang="en-US" dirty="0"/>
+              <a:t>Different libraries in JS for testing, but we will use </a:t>
+            </a:r>
+            <a:r>
+              <a:rPr lang="en-US" b="1" dirty="0"/>
+              <a:t>Jest</a:t>
+            </a:r>
+            <a:r>
+              <a:rPr lang="en-US" dirty="0"/>
+              <a:t> </a:t>
+            </a:r>
+          </a:p>
+          <a:p>
+            <a:pPr lvl="1"/>
+            <a:r>
+              <a:rPr lang="en-US" dirty="0"/>
+              <a:t>which is one of the most popular</a:t>
+            </a:r>
+          </a:p>
+        </p:txBody>
+      </p:sp>
+    </p:spTree>
+    <p:extLst>
+      <p:ext uri="{BB962C8B-B14F-4D97-AF65-F5344CB8AC3E}">
+        <p14:creationId xmlns:p14="http://schemas.microsoft.com/office/powerpoint/2010/main" val="1752866251"/>
+      </p:ext>
+    </p:extLst>
+  </p:cSld>
+  <p:clrMapOvr>
+    <a:masterClrMapping/>
+  </p:clrMapOvr>
+</p:sld>
+</file>
+
+<file path=ppt/slides/slide33.xml><?xml version="1.0" encoding="utf-8"?>
+<p:sld xmlns:a="http://schemas.openxmlformats.org/drawingml/2006/main" xmlns:r="http://schemas.openxmlformats.org/officeDocument/2006/relationships" xmlns:p="http://schemas.openxmlformats.org/presentationml/2006/main">
+  <p:cSld>
+    <p:spTree>
+      <p:nvGrpSpPr>
+        <p:cNvPr id="1" name=""/>
+        <p:cNvGrpSpPr/>
+        <p:nvPr/>
+      </p:nvGrpSpPr>
+      <p:grpSpPr>
+        <a:xfrm>
+          <a:off x="0" y="0"/>
+          <a:ext cx="0" cy="0"/>
+          <a:chOff x="0" y="0"/>
+          <a:chExt cx="0" cy="0"/>
+        </a:xfrm>
+      </p:grpSpPr>
+      <p:sp>
+        <p:nvSpPr>
+          <p:cNvPr id="2" name="Title 1"/>
+          <p:cNvSpPr>
+            <a:spLocks noGrp="1"/>
+          </p:cNvSpPr>
+          <p:nvPr>
+            <p:ph type="title"/>
+          </p:nvPr>
+        </p:nvSpPr>
+        <p:spPr/>
+        <p:txBody>
+          <a:bodyPr/>
+          <a:lstStyle/>
+          <a:p>
+            <a:r>
+              <a:rPr lang="en-US" dirty="0"/>
+              <a:t>Configuring </a:t>
+            </a:r>
+            <a:r>
+              <a:rPr lang="en-US" i="1" dirty="0"/>
+              <a:t>Jest</a:t>
+            </a:r>
+          </a:p>
+        </p:txBody>
+      </p:sp>
+      <p:sp>
+        <p:nvSpPr>
+          <p:cNvPr id="3" name="Content Placeholder 2"/>
+          <p:cNvSpPr>
+            <a:spLocks noGrp="1"/>
+          </p:cNvSpPr>
+          <p:nvPr>
+            <p:ph idx="1"/>
+          </p:nvPr>
+        </p:nvSpPr>
+        <p:spPr>
+          <a:xfrm>
+            <a:off x="184731" y="1825625"/>
+            <a:ext cx="11331765" cy="1255326"/>
+          </a:xfrm>
+        </p:spPr>
+        <p:txBody>
+          <a:bodyPr/>
+          <a:lstStyle/>
+          <a:p>
+            <a:r>
+              <a:rPr lang="en-US" dirty="0"/>
+              <a:t>Need entry in </a:t>
+            </a:r>
+            <a:r>
+              <a:rPr lang="en-US" b="1" dirty="0"/>
+              <a:t>scripts</a:t>
+            </a:r>
+            <a:r>
+              <a:rPr lang="en-US" dirty="0"/>
+              <a:t> to start it</a:t>
+            </a:r>
+          </a:p>
+          <a:p>
+            <a:r>
+              <a:rPr lang="en-US" dirty="0"/>
+              <a:t>Need extra configurations to find out where the tests are</a:t>
+            </a:r>
+          </a:p>
+        </p:txBody>
+      </p:sp>
+      <p:sp>
+        <p:nvSpPr>
+          <p:cNvPr id="4" name="Rectangle 1"/>
+          <p:cNvSpPr>
+            <a:spLocks noChangeArrowheads="1"/>
+          </p:cNvSpPr>
+          <p:nvPr/>
+        </p:nvSpPr>
+        <p:spPr bwMode="auto">
+          <a:xfrm>
+            <a:off x="304801" y="3694239"/>
+            <a:ext cx="7768280" cy="3046988"/>
+          </a:xfrm>
+          <a:prstGeom prst="rect">
+            <a:avLst/>
+          </a:prstGeom>
+          <a:solidFill>
+            <a:srgbClr val="FFFFFF"/>
+          </a:solidFill>
+          <a:ln>
+            <a:noFill/>
+          </a:ln>
+          <a:effectLst/>
+          <a:extLst>
+            <a:ext uri="{91240B29-F687-4F45-9708-019B960494DF}">
+              <a14:hiddenLine xmlns:a14="http://schemas.microsoft.com/office/drawing/2010/main" w="9525">
+                <a:solidFill>
+                  <a:schemeClr val="tx1"/>
+                </a:solidFill>
+                <a:miter lim="800000"/>
+                <a:headEnd/>
+                <a:tailEnd/>
+              </a14:hiddenLine>
+            </a:ext>
+            <a:ext uri="{AF507438-7753-43E0-B8FC-AC1667EBCBE1}">
+              <a14:hiddenEffects xmlns:a14="http://schemas.microsoft.com/office/drawing/2010/main">
+                <a:effectLst>
+                  <a:outerShdw dist="35921" dir="2700000" algn="ctr" rotWithShape="0">
+                    <a:schemeClr val="bg2"/>
+                  </a:outerShdw>
+                </a:effectLst>
+              </a14:hiddenEffects>
+            </a:ext>
+          </a:extLst>
+        </p:spPr>
+        <p:txBody>
+          <a:bodyPr vert="horz" wrap="square" lIns="91440" tIns="45720" rIns="91440" bIns="45720" numCol="1" anchor="ctr" anchorCtr="0" compatLnSpc="1">
+            <a:prstTxWarp prst="textNoShape">
+              <a:avLst/>
+            </a:prstTxWarp>
+            <a:spAutoFit/>
+          </a:bodyPr>
+          <a:lstStyle/>
+          <a:p>
+            <a:pPr marL="0" marR="0" lvl="0" indent="0" algn="l" defTabSz="914400" rtl="0" eaLnBrk="0" fontAlgn="base" latinLnBrk="0" hangingPunct="0">
+              <a:lnSpc>
+                <a:spcPct val="100000"/>
+              </a:lnSpc>
+              <a:spcBef>
+                <a:spcPct val="0"/>
+              </a:spcBef>
+              <a:spcAft>
+                <a:spcPct val="0"/>
+              </a:spcAft>
+              <a:buClrTx/>
+              <a:buSzTx/>
+              <a:buFontTx/>
+              <a:buNone/>
+              <a:tabLst/>
+            </a:pPr>
+            <a:r>
+              <a:rPr kumimoji="0" lang="en-US" altLang="en-US" sz="2400" b="1" i="0" u="none" strike="noStrike" cap="none" normalizeH="0" baseline="0" dirty="0">
+                <a:ln>
+                  <a:noFill/>
+                </a:ln>
+                <a:solidFill>
+                  <a:srgbClr val="660E7A"/>
+                </a:solidFill>
+                <a:effectLst/>
+                <a:latin typeface="Courier New" panose="02070309020205020404" pitchFamily="49" charset="0"/>
+                <a:cs typeface="Courier New" panose="02070309020205020404" pitchFamily="49" charset="0"/>
+              </a:rPr>
+              <a:t>"scripts"</a:t>
+            </a:r>
+            <a:r>
+              <a:rPr kumimoji="0" lang="en-US" altLang="en-US" sz="2400" b="0" i="0" u="none" strike="noStrike" cap="none" normalizeH="0" baseline="0" dirty="0">
+                <a:ln>
+                  <a:noFill/>
+                </a:ln>
+                <a:solidFill>
+                  <a:srgbClr val="000000"/>
+                </a:solidFill>
+                <a:effectLst/>
+                <a:latin typeface="Courier New" panose="02070309020205020404" pitchFamily="49" charset="0"/>
+                <a:cs typeface="Courier New" panose="02070309020205020404" pitchFamily="49" charset="0"/>
+              </a:rPr>
+              <a:t>: {</a:t>
+            </a:r>
+            <a:br>
+              <a:rPr kumimoji="0" lang="en-US" altLang="en-US" sz="2400" b="0" i="0" u="none" strike="noStrike" cap="none" normalizeH="0" baseline="0" dirty="0">
+                <a:ln>
+                  <a:noFill/>
+                </a:ln>
+                <a:solidFill>
+                  <a:srgbClr val="000000"/>
+                </a:solidFill>
+                <a:effectLst/>
+                <a:latin typeface="Courier New" panose="02070309020205020404" pitchFamily="49" charset="0"/>
+                <a:cs typeface="Courier New" panose="02070309020205020404" pitchFamily="49" charset="0"/>
+              </a:rPr>
+            </a:br>
+            <a:r>
+              <a:rPr kumimoji="0" lang="en-US" altLang="en-US" sz="2400" b="0" i="0" u="none" strike="noStrike" cap="none" normalizeH="0" baseline="0" dirty="0">
+                <a:ln>
+                  <a:noFill/>
+                </a:ln>
+                <a:solidFill>
+                  <a:srgbClr val="000000"/>
+                </a:solidFill>
+                <a:effectLst/>
+                <a:latin typeface="Courier New" panose="02070309020205020404" pitchFamily="49" charset="0"/>
+                <a:cs typeface="Courier New" panose="02070309020205020404" pitchFamily="49" charset="0"/>
+              </a:rPr>
+              <a:t>  </a:t>
+            </a:r>
+            <a:r>
+              <a:rPr kumimoji="0" lang="en-US" altLang="en-US" sz="2400" b="1" i="0" u="none" strike="noStrike" cap="none" normalizeH="0" baseline="0" dirty="0">
+                <a:ln>
+                  <a:noFill/>
+                </a:ln>
+                <a:solidFill>
+                  <a:srgbClr val="660E7A"/>
+                </a:solidFill>
+                <a:effectLst/>
+                <a:latin typeface="Courier New" panose="02070309020205020404" pitchFamily="49" charset="0"/>
+                <a:cs typeface="Courier New" panose="02070309020205020404" pitchFamily="49" charset="0"/>
+              </a:rPr>
+              <a:t>"test"</a:t>
+            </a:r>
+            <a:r>
+              <a:rPr kumimoji="0" lang="en-US" altLang="en-US" sz="2400" b="0" i="0" u="none" strike="noStrike" cap="none" normalizeH="0" baseline="0" dirty="0">
+                <a:ln>
+                  <a:noFill/>
+                </a:ln>
+                <a:solidFill>
+                  <a:srgbClr val="000000"/>
+                </a:solidFill>
+                <a:effectLst/>
+                <a:latin typeface="Courier New" panose="02070309020205020404" pitchFamily="49" charset="0"/>
+                <a:cs typeface="Courier New" panose="02070309020205020404" pitchFamily="49" charset="0"/>
+              </a:rPr>
+              <a:t>: </a:t>
+            </a:r>
+            <a:r>
+              <a:rPr kumimoji="0" lang="en-US" altLang="en-US" sz="2400" b="1" i="0" u="none" strike="noStrike" cap="none" normalizeH="0" baseline="0" dirty="0">
+                <a:ln>
+                  <a:noFill/>
+                </a:ln>
+                <a:solidFill>
+                  <a:srgbClr val="008000"/>
+                </a:solidFill>
+                <a:effectLst/>
+                <a:latin typeface="Courier New" panose="02070309020205020404" pitchFamily="49" charset="0"/>
+                <a:cs typeface="Courier New" panose="02070309020205020404" pitchFamily="49" charset="0"/>
+              </a:rPr>
+              <a:t>"jest --coverage"</a:t>
+            </a:r>
+            <a:br>
+              <a:rPr kumimoji="0" lang="en-US" altLang="en-US" sz="2400" b="0" i="0" u="none" strike="noStrike" cap="none" normalizeH="0" baseline="0" dirty="0">
+                <a:ln>
+                  <a:noFill/>
+                </a:ln>
+                <a:solidFill>
+                  <a:srgbClr val="000000"/>
+                </a:solidFill>
+                <a:effectLst/>
+                <a:latin typeface="Courier New" panose="02070309020205020404" pitchFamily="49" charset="0"/>
+                <a:cs typeface="Courier New" panose="02070309020205020404" pitchFamily="49" charset="0"/>
+              </a:rPr>
+            </a:br>
+            <a:r>
+              <a:rPr kumimoji="0" lang="en-US" altLang="en-US" sz="2400" b="0" i="0" u="none" strike="noStrike" cap="none" normalizeH="0" baseline="0" dirty="0">
+                <a:ln>
+                  <a:noFill/>
+                </a:ln>
+                <a:solidFill>
+                  <a:srgbClr val="000000"/>
+                </a:solidFill>
+                <a:effectLst/>
+                <a:latin typeface="Courier New" panose="02070309020205020404" pitchFamily="49" charset="0"/>
+                <a:cs typeface="Courier New" panose="02070309020205020404" pitchFamily="49" charset="0"/>
+              </a:rPr>
+              <a:t>},</a:t>
+            </a:r>
+          </a:p>
+          <a:p>
+            <a:pPr eaLnBrk="0" fontAlgn="base" hangingPunct="0">
+              <a:spcBef>
+                <a:spcPct val="0"/>
+              </a:spcBef>
+              <a:spcAft>
+                <a:spcPct val="0"/>
+              </a:spcAft>
+            </a:pPr>
+            <a:r>
+              <a:rPr lang="en-US" altLang="en-US" sz="2000" b="1" dirty="0">
+                <a:solidFill>
+                  <a:srgbClr val="660E7A"/>
+                </a:solidFill>
+                <a:latin typeface="Courier New" panose="02070309020205020404" pitchFamily="49" charset="0"/>
+                <a:cs typeface="Courier New" panose="02070309020205020404" pitchFamily="49" charset="0"/>
+              </a:rPr>
+              <a:t>"jest"</a:t>
+            </a:r>
+            <a:r>
+              <a:rPr lang="en-US" altLang="en-US" sz="2000" dirty="0">
+                <a:solidFill>
+                  <a:srgbClr val="000000"/>
+                </a:solidFill>
+                <a:latin typeface="Courier New" panose="02070309020205020404" pitchFamily="49" charset="0"/>
+                <a:cs typeface="Courier New" panose="02070309020205020404" pitchFamily="49" charset="0"/>
+              </a:rPr>
+              <a:t>: {</a:t>
+            </a:r>
+            <a:br>
+              <a:rPr lang="en-US" altLang="en-US" sz="2000" dirty="0">
+                <a:solidFill>
+                  <a:srgbClr val="000000"/>
+                </a:solidFill>
+                <a:latin typeface="Courier New" panose="02070309020205020404" pitchFamily="49" charset="0"/>
+                <a:cs typeface="Courier New" panose="02070309020205020404" pitchFamily="49" charset="0"/>
+              </a:rPr>
+            </a:br>
+            <a:r>
+              <a:rPr lang="en-US" altLang="en-US" sz="2000" dirty="0">
+                <a:solidFill>
+                  <a:srgbClr val="000000"/>
+                </a:solidFill>
+                <a:latin typeface="Courier New" panose="02070309020205020404" pitchFamily="49" charset="0"/>
+                <a:cs typeface="Courier New" panose="02070309020205020404" pitchFamily="49" charset="0"/>
+              </a:rPr>
+              <a:t>  </a:t>
+            </a:r>
+            <a:r>
+              <a:rPr lang="en-US" altLang="en-US" sz="2000" b="1" dirty="0">
+                <a:solidFill>
+                  <a:srgbClr val="660E7A"/>
+                </a:solidFill>
+                <a:latin typeface="Courier New" panose="02070309020205020404" pitchFamily="49" charset="0"/>
+                <a:cs typeface="Courier New" panose="02070309020205020404" pitchFamily="49" charset="0"/>
+              </a:rPr>
+              <a:t>"</a:t>
+            </a:r>
+            <a:r>
+              <a:rPr lang="en-US" altLang="en-US" sz="2000" b="1" dirty="0" err="1">
+                <a:solidFill>
+                  <a:srgbClr val="660E7A"/>
+                </a:solidFill>
+                <a:latin typeface="Courier New" panose="02070309020205020404" pitchFamily="49" charset="0"/>
+                <a:cs typeface="Courier New" panose="02070309020205020404" pitchFamily="49" charset="0"/>
+              </a:rPr>
+              <a:t>testRegex</a:t>
+            </a:r>
+            <a:r>
+              <a:rPr lang="en-US" altLang="en-US" sz="2000" b="1" dirty="0">
+                <a:solidFill>
+                  <a:srgbClr val="660E7A"/>
+                </a:solidFill>
+                <a:latin typeface="Courier New" panose="02070309020205020404" pitchFamily="49" charset="0"/>
+                <a:cs typeface="Courier New" panose="02070309020205020404" pitchFamily="49" charset="0"/>
+              </a:rPr>
+              <a:t>"</a:t>
+            </a:r>
+            <a:r>
+              <a:rPr lang="en-US" altLang="en-US" sz="2000" dirty="0">
+                <a:solidFill>
+                  <a:srgbClr val="000000"/>
+                </a:solidFill>
+                <a:latin typeface="Courier New" panose="02070309020205020404" pitchFamily="49" charset="0"/>
+                <a:cs typeface="Courier New" panose="02070309020205020404" pitchFamily="49" charset="0"/>
+              </a:rPr>
+              <a:t>: </a:t>
+            </a:r>
+            <a:r>
+              <a:rPr lang="en-US" altLang="en-US" sz="2000" b="1" dirty="0">
+                <a:solidFill>
+                  <a:srgbClr val="008000"/>
+                </a:solidFill>
+                <a:latin typeface="Courier New" panose="02070309020205020404" pitchFamily="49" charset="0"/>
+                <a:cs typeface="Courier New" panose="02070309020205020404" pitchFamily="49" charset="0"/>
+              </a:rPr>
+              <a:t>"tests/.*</a:t>
+            </a:r>
+            <a:r>
+              <a:rPr lang="en-US" altLang="en-US" sz="2000" b="1" dirty="0">
+                <a:solidFill>
+                  <a:srgbClr val="000080"/>
+                </a:solidFill>
+                <a:latin typeface="Courier New" panose="02070309020205020404" pitchFamily="49" charset="0"/>
+                <a:cs typeface="Courier New" panose="02070309020205020404" pitchFamily="49" charset="0"/>
+              </a:rPr>
+              <a:t>-</a:t>
+            </a:r>
+            <a:r>
+              <a:rPr lang="en-US" altLang="en-US" sz="2000" b="1" dirty="0">
+                <a:solidFill>
+                  <a:srgbClr val="008000"/>
+                </a:solidFill>
+                <a:latin typeface="Courier New" panose="02070309020205020404" pitchFamily="49" charset="0"/>
+                <a:cs typeface="Courier New" panose="02070309020205020404" pitchFamily="49" charset="0"/>
+              </a:rPr>
+              <a:t>test</a:t>
+            </a:r>
+            <a:r>
+              <a:rPr lang="en-US" altLang="en-US" sz="2000" b="1" dirty="0">
+                <a:solidFill>
+                  <a:srgbClr val="000080"/>
+                </a:solidFill>
+                <a:latin typeface="Courier New" panose="02070309020205020404" pitchFamily="49" charset="0"/>
+                <a:cs typeface="Courier New" panose="02070309020205020404" pitchFamily="49" charset="0"/>
+              </a:rPr>
+              <a:t>\\</a:t>
+            </a:r>
+            <a:r>
+              <a:rPr lang="en-US" altLang="en-US" sz="2000" b="1" dirty="0">
+                <a:solidFill>
+                  <a:srgbClr val="008000"/>
+                </a:solidFill>
+                <a:latin typeface="Courier New" panose="02070309020205020404" pitchFamily="49" charset="0"/>
+                <a:cs typeface="Courier New" panose="02070309020205020404" pitchFamily="49" charset="0"/>
+              </a:rPr>
+              <a:t>.(</a:t>
+            </a:r>
+            <a:r>
+              <a:rPr lang="en-US" altLang="en-US" sz="2000" b="1" dirty="0" err="1">
+                <a:solidFill>
+                  <a:srgbClr val="008000"/>
+                </a:solidFill>
+                <a:latin typeface="Courier New" panose="02070309020205020404" pitchFamily="49" charset="0"/>
+                <a:cs typeface="Courier New" panose="02070309020205020404" pitchFamily="49" charset="0"/>
+              </a:rPr>
+              <a:t>js|jsx</a:t>
+            </a:r>
+            <a:r>
+              <a:rPr lang="en-US" altLang="en-US" sz="2000" b="1" dirty="0">
+                <a:solidFill>
+                  <a:srgbClr val="008000"/>
+                </a:solidFill>
+                <a:latin typeface="Courier New" panose="02070309020205020404" pitchFamily="49" charset="0"/>
+                <a:cs typeface="Courier New" panose="02070309020205020404" pitchFamily="49" charset="0"/>
+              </a:rPr>
+              <a:t>)$"</a:t>
+            </a:r>
+            <a:r>
+              <a:rPr lang="en-US" altLang="en-US" sz="2000" dirty="0">
+                <a:solidFill>
+                  <a:srgbClr val="000000"/>
+                </a:solidFill>
+                <a:latin typeface="Courier New" panose="02070309020205020404" pitchFamily="49" charset="0"/>
+                <a:cs typeface="Courier New" panose="02070309020205020404" pitchFamily="49" charset="0"/>
+              </a:rPr>
+              <a:t>,</a:t>
+            </a:r>
+            <a:br>
+              <a:rPr lang="en-US" altLang="en-US" sz="2000" dirty="0">
+                <a:solidFill>
+                  <a:srgbClr val="000000"/>
+                </a:solidFill>
+                <a:latin typeface="Courier New" panose="02070309020205020404" pitchFamily="49" charset="0"/>
+                <a:cs typeface="Courier New" panose="02070309020205020404" pitchFamily="49" charset="0"/>
+              </a:rPr>
+            </a:br>
+            <a:r>
+              <a:rPr lang="en-US" altLang="en-US" sz="2000" dirty="0">
+                <a:solidFill>
+                  <a:srgbClr val="000000"/>
+                </a:solidFill>
+                <a:latin typeface="Courier New" panose="02070309020205020404" pitchFamily="49" charset="0"/>
+                <a:cs typeface="Courier New" panose="02070309020205020404" pitchFamily="49" charset="0"/>
+              </a:rPr>
+              <a:t>  </a:t>
+            </a:r>
+            <a:r>
+              <a:rPr lang="en-US" altLang="en-US" sz="2000" b="1" dirty="0">
+                <a:solidFill>
+                  <a:srgbClr val="660E7A"/>
+                </a:solidFill>
+                <a:latin typeface="Courier New" panose="02070309020205020404" pitchFamily="49" charset="0"/>
+                <a:cs typeface="Courier New" panose="02070309020205020404" pitchFamily="49" charset="0"/>
+              </a:rPr>
+              <a:t>"</a:t>
+            </a:r>
+            <a:r>
+              <a:rPr lang="en-US" altLang="en-US" sz="2000" b="1" dirty="0" err="1">
+                <a:solidFill>
+                  <a:srgbClr val="660E7A"/>
+                </a:solidFill>
+                <a:latin typeface="Courier New" panose="02070309020205020404" pitchFamily="49" charset="0"/>
+                <a:cs typeface="Courier New" panose="02070309020205020404" pitchFamily="49" charset="0"/>
+              </a:rPr>
+              <a:t>collectCoverageFrom</a:t>
+            </a:r>
+            <a:r>
+              <a:rPr lang="en-US" altLang="en-US" sz="2000" b="1" dirty="0">
+                <a:solidFill>
+                  <a:srgbClr val="660E7A"/>
+                </a:solidFill>
+                <a:latin typeface="Courier New" panose="02070309020205020404" pitchFamily="49" charset="0"/>
+                <a:cs typeface="Courier New" panose="02070309020205020404" pitchFamily="49" charset="0"/>
+              </a:rPr>
+              <a:t>"</a:t>
+            </a:r>
+            <a:r>
+              <a:rPr lang="en-US" altLang="en-US" sz="2000" dirty="0">
+                <a:solidFill>
+                  <a:srgbClr val="000000"/>
+                </a:solidFill>
+                <a:latin typeface="Courier New" panose="02070309020205020404" pitchFamily="49" charset="0"/>
+                <a:cs typeface="Courier New" panose="02070309020205020404" pitchFamily="49" charset="0"/>
+              </a:rPr>
+              <a:t>: [</a:t>
+            </a:r>
+            <a:br>
+              <a:rPr lang="en-US" altLang="en-US" sz="2000" dirty="0">
+                <a:solidFill>
+                  <a:srgbClr val="000000"/>
+                </a:solidFill>
+                <a:latin typeface="Courier New" panose="02070309020205020404" pitchFamily="49" charset="0"/>
+                <a:cs typeface="Courier New" panose="02070309020205020404" pitchFamily="49" charset="0"/>
+              </a:rPr>
+            </a:br>
+            <a:r>
+              <a:rPr lang="en-US" altLang="en-US" sz="2000" dirty="0">
+                <a:solidFill>
+                  <a:srgbClr val="000000"/>
+                </a:solidFill>
+                <a:latin typeface="Courier New" panose="02070309020205020404" pitchFamily="49" charset="0"/>
+                <a:cs typeface="Courier New" panose="02070309020205020404" pitchFamily="49" charset="0"/>
+              </a:rPr>
+              <a:t>    </a:t>
+            </a:r>
+            <a:r>
+              <a:rPr lang="en-US" altLang="en-US" sz="2000" b="1" dirty="0">
+                <a:solidFill>
+                  <a:srgbClr val="008000"/>
+                </a:solidFill>
+                <a:latin typeface="Courier New" panose="02070309020205020404" pitchFamily="49" charset="0"/>
+                <a:cs typeface="Courier New" panose="02070309020205020404" pitchFamily="49" charset="0"/>
+              </a:rPr>
+              <a:t>"</a:t>
+            </a:r>
+            <a:r>
+              <a:rPr lang="en-US" altLang="en-US" sz="2000" b="1" dirty="0" err="1">
+                <a:solidFill>
+                  <a:srgbClr val="008000"/>
+                </a:solidFill>
+                <a:latin typeface="Courier New" panose="02070309020205020404" pitchFamily="49" charset="0"/>
+                <a:cs typeface="Courier New" panose="02070309020205020404" pitchFamily="49" charset="0"/>
+              </a:rPr>
+              <a:t>src</a:t>
+            </a:r>
+            <a:r>
+              <a:rPr lang="en-US" altLang="en-US" sz="2000" b="1" dirty="0">
+                <a:solidFill>
+                  <a:srgbClr val="008000"/>
+                </a:solidFill>
+                <a:latin typeface="Courier New" panose="02070309020205020404" pitchFamily="49" charset="0"/>
+                <a:cs typeface="Courier New" panose="02070309020205020404" pitchFamily="49" charset="0"/>
+              </a:rPr>
+              <a:t>/**.(</a:t>
+            </a:r>
+            <a:r>
+              <a:rPr lang="en-US" altLang="en-US" sz="2000" b="1" dirty="0" err="1">
+                <a:solidFill>
+                  <a:srgbClr val="008000"/>
+                </a:solidFill>
+                <a:latin typeface="Courier New" panose="02070309020205020404" pitchFamily="49" charset="0"/>
+                <a:cs typeface="Courier New" panose="02070309020205020404" pitchFamily="49" charset="0"/>
+              </a:rPr>
+              <a:t>js|jsx</a:t>
+            </a:r>
+            <a:r>
+              <a:rPr lang="en-US" altLang="en-US" sz="2000" b="1" dirty="0">
+                <a:solidFill>
+                  <a:srgbClr val="008000"/>
+                </a:solidFill>
+                <a:latin typeface="Courier New" panose="02070309020205020404" pitchFamily="49" charset="0"/>
+                <a:cs typeface="Courier New" panose="02070309020205020404" pitchFamily="49" charset="0"/>
+              </a:rPr>
+              <a:t>)"</a:t>
+            </a:r>
+            <a:br>
+              <a:rPr lang="en-US" altLang="en-US" sz="2000" b="1" dirty="0">
+                <a:solidFill>
+                  <a:srgbClr val="008000"/>
+                </a:solidFill>
+                <a:latin typeface="Courier New" panose="02070309020205020404" pitchFamily="49" charset="0"/>
+                <a:cs typeface="Courier New" panose="02070309020205020404" pitchFamily="49" charset="0"/>
+              </a:rPr>
+            </a:br>
+            <a:r>
+              <a:rPr lang="en-US" altLang="en-US" sz="2000" b="1" dirty="0">
+                <a:solidFill>
+                  <a:srgbClr val="008000"/>
+                </a:solidFill>
+                <a:latin typeface="Courier New" panose="02070309020205020404" pitchFamily="49" charset="0"/>
+                <a:cs typeface="Courier New" panose="02070309020205020404" pitchFamily="49" charset="0"/>
+              </a:rPr>
+              <a:t>  </a:t>
+            </a:r>
+            <a:r>
+              <a:rPr lang="en-US" altLang="en-US" sz="2000" dirty="0">
+                <a:solidFill>
+                  <a:srgbClr val="000000"/>
+                </a:solidFill>
+                <a:latin typeface="Courier New" panose="02070309020205020404" pitchFamily="49" charset="0"/>
+                <a:cs typeface="Courier New" panose="02070309020205020404" pitchFamily="49" charset="0"/>
+              </a:rPr>
+              <a:t>]</a:t>
+            </a:r>
+            <a:br>
+              <a:rPr lang="en-US" altLang="en-US" sz="2000" dirty="0">
+                <a:solidFill>
+                  <a:srgbClr val="000000"/>
+                </a:solidFill>
+                <a:latin typeface="Courier New" panose="02070309020205020404" pitchFamily="49" charset="0"/>
+                <a:cs typeface="Courier New" panose="02070309020205020404" pitchFamily="49" charset="0"/>
+              </a:rPr>
+            </a:br>
+            <a:r>
+              <a:rPr lang="en-US" altLang="en-US" sz="2000" dirty="0">
+                <a:solidFill>
+                  <a:srgbClr val="000000"/>
+                </a:solidFill>
+                <a:latin typeface="Courier New" panose="02070309020205020404" pitchFamily="49" charset="0"/>
+                <a:cs typeface="Courier New" panose="02070309020205020404" pitchFamily="49" charset="0"/>
+              </a:rPr>
+              <a:t>}</a:t>
+            </a:r>
+            <a:endParaRPr lang="en-US" altLang="en-US" sz="1600" dirty="0">
+              <a:latin typeface="Arial" panose="020B0604020202020204" pitchFamily="34" charset="0"/>
+            </a:endParaRPr>
+          </a:p>
+        </p:txBody>
+      </p:sp>
+      <p:sp>
+        <p:nvSpPr>
+          <p:cNvPr id="5" name="Rectangle 2"/>
+          <p:cNvSpPr>
+            <a:spLocks noChangeArrowheads="1"/>
+          </p:cNvSpPr>
+          <p:nvPr/>
+        </p:nvSpPr>
+        <p:spPr bwMode="auto">
+          <a:xfrm>
+            <a:off x="0" y="43934"/>
+            <a:ext cx="184731" cy="369332"/>
+          </a:xfrm>
+          <a:prstGeom prst="rect">
+            <a:avLst/>
+          </a:prstGeom>
+          <a:solidFill>
+            <a:srgbClr val="FFFFFF"/>
+          </a:solidFill>
+          <a:ln>
+            <a:noFill/>
+          </a:ln>
+          <a:effectLst/>
+          <a:extLst>
+            <a:ext uri="{91240B29-F687-4F45-9708-019B960494DF}">
+              <a14:hiddenLine xmlns:a14="http://schemas.microsoft.com/office/drawing/2010/main" w="9525">
+                <a:solidFill>
+                  <a:schemeClr val="tx1"/>
+                </a:solidFill>
+                <a:miter lim="800000"/>
+                <a:headEnd/>
+                <a:tailEnd/>
+              </a14:hiddenLine>
+            </a:ext>
+            <a:ext uri="{AF507438-7753-43E0-B8FC-AC1667EBCBE1}">
+              <a14:hiddenEffects xmlns:a14="http://schemas.microsoft.com/office/drawing/2010/main">
+                <a:effectLst>
+                  <a:outerShdw dist="35921" dir="2700000" algn="ctr" rotWithShape="0">
+                    <a:schemeClr val="bg2"/>
+                  </a:outerShdw>
+                </a:effectLst>
+              </a14:hiddenEffects>
+            </a:ext>
+          </a:extLst>
+        </p:spPr>
+        <p:txBody>
+          <a:bodyPr vert="horz" wrap="none" lIns="91440" tIns="45720" rIns="91440" bIns="45720" numCol="1" anchor="ctr" anchorCtr="0" compatLnSpc="1">
+            <a:prstTxWarp prst="textNoShape">
+              <a:avLst/>
+            </a:prstTxWarp>
+            <a:spAutoFit/>
+          </a:bodyPr>
+          <a:lstStyle/>
+          <a:p>
+            <a:pPr marL="0" marR="0" lvl="0" indent="0" algn="l" defTabSz="914400" rtl="0" eaLnBrk="0" fontAlgn="base" latinLnBrk="0" hangingPunct="0">
+              <a:lnSpc>
+                <a:spcPct val="100000"/>
+              </a:lnSpc>
+              <a:spcBef>
+                <a:spcPct val="0"/>
+              </a:spcBef>
+              <a:spcAft>
+                <a:spcPct val="0"/>
+              </a:spcAft>
+              <a:buClrTx/>
+              <a:buSzTx/>
+              <a:buFontTx/>
+              <a:buNone/>
+              <a:tabLst/>
+            </a:pPr>
+            <a:endParaRPr kumimoji="0" lang="en-US" altLang="en-US" sz="1800" b="0" i="0" u="none" strike="noStrike" cap="none" normalizeH="0" baseline="0" dirty="0">
+              <a:ln>
+                <a:noFill/>
+              </a:ln>
+              <a:solidFill>
+                <a:schemeClr val="tx1"/>
+              </a:solidFill>
+              <a:effectLst/>
+              <a:latin typeface="Arial" panose="020B0604020202020204" pitchFamily="34" charset="0"/>
+            </a:endParaRPr>
+          </a:p>
+        </p:txBody>
+      </p:sp>
+    </p:spTree>
+    <p:extLst>
+      <p:ext uri="{BB962C8B-B14F-4D97-AF65-F5344CB8AC3E}">
+        <p14:creationId xmlns:p14="http://schemas.microsoft.com/office/powerpoint/2010/main" val="2088735532"/>
+      </p:ext>
+    </p:extLst>
+  </p:cSld>
+  <p:clrMapOvr>
+    <a:masterClrMapping/>
+  </p:clrMapOvr>
+</p:sld>
+</file>
+
+<file path=ppt/slides/slide34.xml><?xml version="1.0" encoding="utf-8"?>
+<p:sld xmlns:a="http://schemas.openxmlformats.org/drawingml/2006/main" xmlns:r="http://schemas.openxmlformats.org/officeDocument/2006/relationships" xmlns:p="http://schemas.openxmlformats.org/presentationml/2006/main">
+  <p:cSld>
+    <p:spTree>
+      <p:nvGrpSpPr>
+        <p:cNvPr id="1" name=""/>
+        <p:cNvGrpSpPr/>
+        <p:nvPr/>
+      </p:nvGrpSpPr>
+      <p:grpSpPr>
+        <a:xfrm>
+          <a:off x="0" y="0"/>
+          <a:ext cx="0" cy="0"/>
+          <a:chOff x="0" y="0"/>
+          <a:chExt cx="0" cy="0"/>
+        </a:xfrm>
+      </p:grpSpPr>
+      <p:sp>
+        <p:nvSpPr>
+          <p:cNvPr id="2" name="Title 1"/>
+          <p:cNvSpPr>
+            <a:spLocks noGrp="1"/>
+          </p:cNvSpPr>
+          <p:nvPr>
+            <p:ph type="title"/>
+          </p:nvPr>
+        </p:nvSpPr>
+        <p:spPr/>
+        <p:txBody>
+          <a:bodyPr/>
+          <a:lstStyle/>
+          <a:p>
+            <a:r>
+              <a:rPr lang="en-US" dirty="0"/>
               <a:t>Need </a:t>
             </a:r>
             <a:r>
-              <a:rPr lang="en-US" i="1" dirty="0" smtClean="0"/>
+              <a:rPr lang="en-US" i="1" dirty="0"/>
               <a:t>Babel</a:t>
             </a:r>
             <a:r>
-              <a:rPr lang="en-US" dirty="0" smtClean="0"/>
+              <a:rPr lang="en-US" dirty="0"/>
               <a:t> for </a:t>
             </a:r>
             <a:r>
-              <a:rPr lang="en-US" i="1" dirty="0" smtClean="0"/>
+              <a:rPr lang="en-US" i="1" dirty="0"/>
               <a:t>Jest</a:t>
             </a:r>
-            <a:endParaRPr lang="en-US" i="1" dirty="0"/>
           </a:p>
         </p:txBody>
       </p:sp>
@@ -8325,70 +8563,70 @@
           <a:lstStyle/>
           <a:p>
             <a:r>
-              <a:rPr lang="en-US" dirty="0" smtClean="0"/>
+              <a:rPr lang="en-US" dirty="0"/>
               <a:t>JS code running in browser</a:t>
             </a:r>
           </a:p>
           <a:p>
             <a:r>
-              <a:rPr lang="en-US" dirty="0" smtClean="0"/>
+              <a:rPr lang="en-US" dirty="0"/>
               <a:t>But where are the tests run? We need a JS runtime: </a:t>
             </a:r>
             <a:r>
-              <a:rPr lang="en-US" i="1" dirty="0" err="1" smtClean="0"/>
+              <a:rPr lang="en-US" i="1" dirty="0" err="1"/>
               <a:t>NodeJS</a:t>
             </a:r>
-            <a:endParaRPr lang="en-US" b="1" i="1" dirty="0" smtClean="0"/>
-          </a:p>
-          <a:p>
-            <a:r>
-              <a:rPr lang="en-US" dirty="0" smtClean="0"/>
+            <a:endParaRPr lang="en-US" b="1" i="1" dirty="0"/>
+          </a:p>
+          <a:p>
+            <a:r>
+              <a:rPr lang="en-US" dirty="0"/>
               <a:t>But </a:t>
             </a:r>
             <a:r>
-              <a:rPr lang="en-US" i="1" dirty="0" smtClean="0"/>
+              <a:rPr lang="en-US" i="1" dirty="0"/>
               <a:t>frontend</a:t>
             </a:r>
             <a:r>
-              <a:rPr lang="en-US" dirty="0" smtClean="0"/>
+              <a:rPr lang="en-US" dirty="0"/>
               <a:t> code might not be directly executed on  </a:t>
             </a:r>
             <a:r>
-              <a:rPr lang="en-US" i="1" dirty="0" err="1" smtClean="0"/>
+              <a:rPr lang="en-US" i="1" dirty="0" err="1"/>
               <a:t>NodeJS</a:t>
             </a:r>
-            <a:endParaRPr lang="en-US" i="1" dirty="0" smtClean="0"/>
+            <a:endParaRPr lang="en-US" i="1" dirty="0"/>
           </a:p>
           <a:p>
             <a:pPr lvl="1"/>
             <a:r>
-              <a:rPr lang="en-US" dirty="0" err="1" smtClean="0"/>
+              <a:rPr lang="en-US" dirty="0" err="1"/>
               <a:t>eg</a:t>
             </a:r>
             <a:r>
-              <a:rPr lang="en-US" dirty="0" smtClean="0"/>
+              <a:rPr lang="en-US" dirty="0"/>
               <a:t>, different ways to handle JS </a:t>
             </a:r>
             <a:r>
-              <a:rPr lang="en-US" i="1" dirty="0" smtClean="0"/>
+              <a:rPr lang="en-US" i="1" dirty="0"/>
               <a:t>modules</a:t>
             </a:r>
           </a:p>
           <a:p>
             <a:r>
-              <a:rPr lang="en-US" dirty="0" smtClean="0"/>
+              <a:rPr lang="en-US" dirty="0"/>
               <a:t>Using </a:t>
             </a:r>
             <a:r>
-              <a:rPr lang="en-US" i="1" dirty="0" smtClean="0"/>
+              <a:rPr lang="en-US" i="1" dirty="0"/>
               <a:t>Babel</a:t>
             </a:r>
             <a:r>
-              <a:rPr lang="en-US" dirty="0" smtClean="0"/>
+              <a:rPr lang="en-US" dirty="0"/>
               <a:t> to make the required transformations to be able to run such code on </a:t>
             </a:r>
             <a:r>
-              <a:rPr lang="en-US" i="1" dirty="0" err="1" smtClean="0"/>
+              <a:rPr lang="en-US" i="1" dirty="0" err="1"/>
               <a:t>NodeJS</a:t>
             </a:r>
             <a:endParaRPr lang="en-US" i="1" dirty="0"/>
@@ -8441,10 +8679,9 @@
           <a:lstStyle/>
           <a:p>
             <a:r>
-              <a:rPr lang="en-US" dirty="0" smtClean="0"/>
+              <a:rPr lang="en-US" dirty="0"/>
               <a:t>Bash</a:t>
             </a:r>
-            <a:endParaRPr lang="en-US" dirty="0"/>
           </a:p>
         </p:txBody>
       </p:sp>
@@ -8470,57 +8707,41 @@
           <a:p>
             <a:r>
               <a:rPr lang="en-US" dirty="0"/>
-              <a:t>Bash is a </a:t>
-            </a:r>
-            <a:r>
-              <a:rPr lang="en-US" dirty="0" smtClean="0"/>
-              <a:t>Linux/Mac/Unix </a:t>
-            </a:r>
-            <a:r>
-              <a:rPr lang="en-US" dirty="0"/>
-              <a:t>shell and command </a:t>
-            </a:r>
-            <a:r>
-              <a:rPr lang="en-US" dirty="0" smtClean="0"/>
-              <a:t>language</a:t>
-            </a:r>
-          </a:p>
-          <a:p>
-            <a:r>
-              <a:rPr lang="en-US" dirty="0" smtClean="0"/>
+              <a:t>Bash is a Linux/Mac/Unix shell and command language</a:t>
+            </a:r>
+          </a:p>
+          <a:p>
+            <a:r>
+              <a:rPr lang="en-US" dirty="0"/>
               <a:t>There are also other kinds of shells</a:t>
             </a:r>
           </a:p>
           <a:p>
             <a:pPr lvl="1"/>
             <a:r>
-              <a:rPr lang="en-US" dirty="0" err="1" smtClean="0"/>
+              <a:rPr lang="en-US" dirty="0" err="1"/>
               <a:t>eg</a:t>
             </a:r>
             <a:r>
-              <a:rPr lang="en-US" dirty="0" smtClean="0"/>
+              <a:rPr lang="en-US" dirty="0"/>
               <a:t>, PowerShell in Windows</a:t>
             </a:r>
           </a:p>
           <a:p>
             <a:r>
-              <a:rPr lang="en-US" dirty="0" smtClean="0"/>
+              <a:rPr lang="en-US" dirty="0"/>
               <a:t>A </a:t>
             </a:r>
             <a:r>
-              <a:rPr lang="en-US" i="1" dirty="0" smtClean="0"/>
+              <a:rPr lang="en-US" i="1" dirty="0"/>
               <a:t>shell</a:t>
             </a:r>
             <a:r>
-              <a:rPr lang="en-US" dirty="0" smtClean="0"/>
-              <a:t> is </a:t>
-            </a:r>
-            <a:r>
-              <a:rPr lang="en-US" dirty="0"/>
-              <a:t>also called: </a:t>
-            </a:r>
-            <a:r>
-              <a:rPr lang="en-US" i="1" dirty="0" smtClean="0"/>
+              <a:rPr lang="en-US" dirty="0"/>
+              <a:t> is also called: </a:t>
+            </a:r>
+            <a:r>
+              <a:rPr lang="en-US" i="1" dirty="0"/>
               <a:t>terminal</a:t>
             </a:r>
             <a:r>
@@ -8528,7 +8749,7 @@
               <a:t>, </a:t>
             </a:r>
             <a:r>
-              <a:rPr lang="en-US" i="1" dirty="0" smtClean="0"/>
+              <a:rPr lang="en-US" i="1" dirty="0"/>
               <a:t>console</a:t>
             </a:r>
             <a:r>
@@ -8537,43 +8758,34 @@
             </a:r>
             <a:r>
               <a:rPr lang="en-US" i="1" dirty="0"/>
-              <a:t>c</a:t>
-            </a:r>
-            <a:r>
-              <a:rPr lang="en-US" i="1" dirty="0" smtClean="0"/>
-              <a:t>ommand-line</a:t>
-            </a:r>
-            <a:r>
-              <a:rPr lang="en-US" dirty="0"/>
-              <a:t>, </a:t>
-            </a:r>
-            <a:r>
-              <a:rPr lang="en-US" dirty="0" smtClean="0"/>
-              <a:t>etc.</a:t>
-            </a:r>
-          </a:p>
-          <a:p>
-            <a:r>
-              <a:rPr lang="en-US" dirty="0" smtClean="0"/>
+              <a:t>command-line</a:t>
+            </a:r>
+            <a:r>
+              <a:rPr lang="en-US" dirty="0"/>
+              <a:t>, etc.</a:t>
+            </a:r>
+          </a:p>
+          <a:p>
+            <a:r>
+              <a:rPr lang="en-US" dirty="0"/>
               <a:t>Enable to </a:t>
             </a:r>
             <a:r>
-              <a:rPr lang="en-US" i="1" dirty="0" smtClean="0"/>
+              <a:rPr lang="en-US" i="1" dirty="0"/>
               <a:t>type</a:t>
             </a:r>
             <a:r>
-              <a:rPr lang="en-US" dirty="0" smtClean="0"/>
+              <a:rPr lang="en-US" dirty="0"/>
               <a:t> commands (</a:t>
             </a:r>
             <a:r>
-              <a:rPr lang="en-US" dirty="0" err="1" smtClean="0"/>
+              <a:rPr lang="en-US" dirty="0" err="1"/>
               <a:t>eg</a:t>
             </a:r>
             <a:r>
-              <a:rPr lang="en-US" dirty="0" smtClean="0"/>
+              <a:rPr lang="en-US" dirty="0"/>
               <a:t> programs), and execute them</a:t>
             </a:r>
-            <a:endParaRPr lang="en-US" dirty="0"/>
           </a:p>
         </p:txBody>
       </p:sp>
@@ -8587,13 +8799,6 @@
   <p:clrMapOvr>
     <a:masterClrMapping/>
   </p:clrMapOvr>
-  <p:timing>
-    <p:tnLst>
-      <p:par>
-        <p:cTn id="1" dur="indefinite" restart="never" nodeType="tmRoot"/>
-      </p:par>
-    </p:tnLst>
-  </p:timing>
 </p:sld>
 </file>
 
@@ -8648,13 +8853,6 @@
   <p:clrMapOvr>
     <a:masterClrMapping/>
   </p:clrMapOvr>
-  <p:timing>
-    <p:tnLst>
-      <p:par>
-        <p:cTn id="1" dur="indefinite" restart="never" nodeType="tmRoot"/>
-      </p:par>
-    </p:tnLst>
-  </p:timing>
 </p:sld>
 </file>
 
@@ -8696,10 +8894,9 @@
           <a:lstStyle/>
           <a:p>
             <a:r>
-              <a:rPr lang="en-US" dirty="0" smtClean="0"/>
+              <a:rPr lang="en-US" dirty="0"/>
               <a:t>Why?</a:t>
             </a:r>
-            <a:endParaRPr lang="en-US" dirty="0"/>
           </a:p>
         </p:txBody>
       </p:sp>
@@ -8739,64 +8936,35 @@
           <a:p>
             <a:r>
               <a:rPr lang="en-US" dirty="0"/>
-              <a:t>When dealing with </a:t>
-            </a:r>
-            <a:r>
-              <a:rPr lang="en-US" dirty="0" smtClean="0"/>
-              <a:t>web/enterprise systems, </a:t>
-            </a:r>
-            <a:r>
-              <a:rPr lang="en-US" dirty="0"/>
-              <a:t>many </a:t>
-            </a:r>
-            <a:r>
-              <a:rPr lang="en-US" dirty="0" smtClean="0"/>
-              <a:t>servers will </a:t>
-            </a:r>
-            <a:r>
-              <a:rPr lang="en-US" dirty="0"/>
-              <a:t>NOT have a GUI…</a:t>
+              <a:t>When dealing with web/enterprise systems, many servers will NOT have a GUI…</a:t>
             </a:r>
           </a:p>
           <a:p>
             <a:pPr lvl="1"/>
             <a:r>
               <a:rPr lang="en-US" dirty="0"/>
-              <a:t>… you will access them remotely via SSH using a </a:t>
-            </a:r>
-            <a:r>
-              <a:rPr lang="en-US" dirty="0" smtClean="0"/>
-              <a:t>terminal</a:t>
+              <a:t>… you will access them remotely via SSH using a terminal</a:t>
             </a:r>
           </a:p>
           <a:p>
             <a:pPr lvl="1"/>
             <a:r>
-              <a:rPr lang="en-US" dirty="0" smtClean="0"/>
+              <a:rPr lang="en-US" dirty="0"/>
               <a:t>… this also applies for embedded and </a:t>
             </a:r>
             <a:r>
-              <a:rPr lang="en-US" dirty="0" err="1" smtClean="0"/>
+              <a:rPr lang="en-US" dirty="0" err="1"/>
               <a:t>IoT</a:t>
             </a:r>
             <a:r>
-              <a:rPr lang="en-US" dirty="0" smtClean="0"/>
+              <a:rPr lang="en-US" dirty="0"/>
               <a:t> devices</a:t>
             </a:r>
-            <a:endParaRPr lang="en-US" dirty="0"/>
-          </a:p>
-          <a:p>
-            <a:r>
-              <a:rPr lang="en-US" dirty="0"/>
-              <a:t>Helpful when </a:t>
-            </a:r>
-            <a:r>
-              <a:rPr lang="en-US" dirty="0" smtClean="0"/>
-              <a:t>commands </a:t>
-            </a:r>
-            <a:r>
-              <a:rPr lang="en-US" dirty="0"/>
-              <a:t>with specific parameters (</a:t>
+          </a:p>
+          <a:p>
+            <a:r>
+              <a:rPr lang="en-US" dirty="0"/>
+              <a:t>Helpful when commands with specific parameters (</a:t>
             </a:r>
             <a:r>
               <a:rPr lang="en-US" dirty="0" err="1"/>
@@ -8807,43 +8975,37 @@
               <a:t> </a:t>
             </a:r>
             <a:r>
-              <a:rPr lang="en-US" dirty="0" err="1" smtClean="0"/>
+              <a:rPr lang="en-US" dirty="0" err="1"/>
               <a:t>Git</a:t>
             </a:r>
             <a:r>
-              <a:rPr lang="en-US" dirty="0" smtClean="0"/>
+              <a:rPr lang="en-US" dirty="0"/>
               <a:t>)</a:t>
             </a:r>
-            <a:endParaRPr lang="en-US" dirty="0"/>
-          </a:p>
-          <a:p>
-            <a:r>
-              <a:rPr lang="en-US" dirty="0"/>
-              <a:t>You need to be able to do basic </a:t>
-            </a:r>
-            <a:r>
-              <a:rPr lang="en-US" dirty="0" smtClean="0"/>
-              <a:t>commands</a:t>
-            </a:r>
-          </a:p>
-          <a:p>
-            <a:r>
-              <a:rPr lang="en-US" dirty="0" smtClean="0"/>
+          </a:p>
+          <a:p>
+            <a:r>
+              <a:rPr lang="en-US" dirty="0"/>
+              <a:t>You need to be able to do basic commands</a:t>
+            </a:r>
+          </a:p>
+          <a:p>
+            <a:r>
+              <a:rPr lang="en-US" dirty="0"/>
               <a:t>You will need </a:t>
             </a:r>
             <a:r>
-              <a:rPr lang="en-US" i="1" dirty="0" smtClean="0"/>
+              <a:rPr lang="en-US" i="1" dirty="0"/>
               <a:t>Bash</a:t>
             </a:r>
             <a:r>
-              <a:rPr lang="en-US" dirty="0" smtClean="0"/>
+              <a:rPr lang="en-US" dirty="0"/>
               <a:t> commands if using </a:t>
             </a:r>
             <a:r>
-              <a:rPr lang="en-US" i="1" dirty="0" smtClean="0"/>
+              <a:rPr lang="en-US" i="1" dirty="0"/>
               <a:t>Docker</a:t>
             </a:r>
-            <a:endParaRPr lang="en-US" i="1" dirty="0"/>
           </a:p>
           <a:p>
             <a:endParaRPr lang="en-US" dirty="0"/>
@@ -8860,13 +9022,6 @@
   <p:clrMapOvr>
     <a:masterClrMapping/>
   </p:clrMapOvr>
-  <p:timing>
-    <p:tnLst>
-      <p:par>
-        <p:cTn id="1" dur="indefinite" restart="never" nodeType="tmRoot"/>
-      </p:par>
-    </p:tnLst>
-  </p:timing>
 </p:sld>
 </file>
 
@@ -8903,10 +9058,9 @@
           <a:lstStyle/>
           <a:p>
             <a:r>
-              <a:rPr lang="en-US" dirty="0" smtClean="0"/>
+              <a:rPr lang="en-US" dirty="0"/>
               <a:t>Installing Bash</a:t>
             </a:r>
-            <a:endParaRPr lang="en-US" dirty="0"/>
           </a:p>
         </p:txBody>
       </p:sp>
@@ -8933,37 +9087,33 @@
           <a:lstStyle/>
           <a:p>
             <a:r>
-              <a:rPr lang="en-US" dirty="0" smtClean="0"/>
+              <a:rPr lang="en-US" dirty="0"/>
               <a:t>If you are using Linux/Mac, it is already installed</a:t>
             </a:r>
           </a:p>
           <a:p>
             <a:pPr lvl="1"/>
             <a:r>
-              <a:rPr lang="en-US" dirty="0" smtClean="0"/>
+              <a:rPr lang="en-US" dirty="0"/>
               <a:t>Mac: Utilities -&gt; Terminal</a:t>
             </a:r>
           </a:p>
           <a:p>
             <a:r>
-              <a:rPr lang="en-US" dirty="0" smtClean="0"/>
+              <a:rPr lang="en-US" dirty="0"/>
               <a:t>If using Windows, strongly recommended to install </a:t>
             </a:r>
             <a:r>
-              <a:rPr lang="en-US" dirty="0" err="1" smtClean="0"/>
+              <a:rPr lang="en-US" dirty="0" err="1"/>
               <a:t>GitBash</a:t>
             </a:r>
-            <a:endParaRPr lang="en-US" dirty="0" smtClean="0"/>
+            <a:endParaRPr lang="en-US" dirty="0"/>
           </a:p>
           <a:p>
             <a:pPr lvl="1"/>
             <a:r>
               <a:rPr lang="en-US" dirty="0"/>
-              <a:t>w</a:t>
-            </a:r>
-            <a:r>
-              <a:rPr lang="en-US" dirty="0" smtClean="0"/>
-              <a:t>hich is part of “</a:t>
+              <a:t>which is part of “</a:t>
             </a:r>
             <a:r>
               <a:rPr lang="en-US" dirty="0" err="1"/>
@@ -9057,13 +9207,6 @@
   <p:clrMapOvr>
     <a:masterClrMapping/>
   </p:clrMapOvr>
-  <p:timing>
-    <p:tnLst>
-      <p:par>
-        <p:cTn id="1" dur="indefinite" restart="never" nodeType="tmRoot"/>
-      </p:par>
-    </p:tnLst>
-  </p:timing>
 </p:sld>
 </file>
 
@@ -9100,10 +9243,9 @@
           <a:lstStyle/>
           <a:p>
             <a:r>
-              <a:rPr lang="en-US" dirty="0" smtClean="0"/>
+              <a:rPr lang="en-US" dirty="0"/>
               <a:t>Basic Commands</a:t>
             </a:r>
-            <a:endParaRPr lang="en-US" dirty="0"/>
           </a:p>
         </p:txBody>
       </p:sp>
@@ -9130,102 +9272,101 @@
           <a:lstStyle/>
           <a:p>
             <a:r>
-              <a:rPr lang="en-US" dirty="0" smtClean="0"/>
+              <a:rPr lang="en-US" dirty="0"/>
               <a:t>“.” the current directory</a:t>
             </a:r>
           </a:p>
           <a:p>
             <a:r>
-              <a:rPr lang="en-US" dirty="0" smtClean="0"/>
+              <a:rPr lang="en-US" dirty="0"/>
               <a:t>“..” the parent directory</a:t>
             </a:r>
           </a:p>
           <a:p>
             <a:r>
-              <a:rPr lang="en-US" dirty="0" smtClean="0"/>
+              <a:rPr lang="en-US" dirty="0"/>
               <a:t>“~” home directory</a:t>
             </a:r>
           </a:p>
           <a:p>
             <a:r>
-              <a:rPr lang="en-US" dirty="0" smtClean="0"/>
+              <a:rPr lang="en-US" dirty="0"/>
               <a:t>“</a:t>
             </a:r>
             <a:r>
-              <a:rPr lang="en-US" dirty="0" err="1" smtClean="0"/>
+              <a:rPr lang="en-US" dirty="0" err="1"/>
               <a:t>pwd</a:t>
             </a:r>
             <a:r>
-              <a:rPr lang="en-US" dirty="0" smtClean="0"/>
+              <a:rPr lang="en-US" dirty="0"/>
               <a:t>” print working directory</a:t>
             </a:r>
           </a:p>
           <a:p>
             <a:r>
-              <a:rPr lang="en-US" dirty="0" smtClean="0"/>
+              <a:rPr lang="en-US" dirty="0"/>
               <a:t>“cd” change directory</a:t>
             </a:r>
           </a:p>
           <a:p>
             <a:r>
-              <a:rPr lang="en-US" dirty="0" smtClean="0"/>
+              <a:rPr lang="en-US" dirty="0"/>
               <a:t>“</a:t>
             </a:r>
             <a:r>
-              <a:rPr lang="en-US" dirty="0" err="1" smtClean="0"/>
+              <a:rPr lang="en-US" dirty="0" err="1"/>
               <a:t>mkdir</a:t>
             </a:r>
             <a:r>
-              <a:rPr lang="en-US" dirty="0" smtClean="0"/>
+              <a:rPr lang="en-US" dirty="0"/>
               <a:t>” make directory</a:t>
             </a:r>
           </a:p>
           <a:p>
             <a:r>
-              <a:rPr lang="en-US" dirty="0" smtClean="0"/>
+              <a:rPr lang="en-US" dirty="0"/>
               <a:t>“ls” list directory content</a:t>
             </a:r>
           </a:p>
           <a:p>
             <a:r>
-              <a:rPr lang="en-US" dirty="0" smtClean="0"/>
+              <a:rPr lang="en-US" dirty="0"/>
               <a:t>“</a:t>
             </a:r>
             <a:r>
-              <a:rPr lang="en-US" dirty="0" err="1" smtClean="0"/>
+              <a:rPr lang="en-US" dirty="0" err="1"/>
               <a:t>cp</a:t>
             </a:r>
             <a:r>
-              <a:rPr lang="en-US" dirty="0" smtClean="0"/>
+              <a:rPr lang="en-US" dirty="0"/>
               <a:t>” copy file</a:t>
             </a:r>
           </a:p>
           <a:p>
             <a:r>
-              <a:rPr lang="en-US" dirty="0" smtClean="0"/>
+              <a:rPr lang="en-US" dirty="0"/>
               <a:t>“mv” move file</a:t>
             </a:r>
           </a:p>
           <a:p>
             <a:r>
-              <a:rPr lang="en-US" dirty="0" smtClean="0"/>
+              <a:rPr lang="en-US" dirty="0"/>
               <a:t>“</a:t>
             </a:r>
             <a:r>
-              <a:rPr lang="en-US" dirty="0" err="1" smtClean="0"/>
+              <a:rPr lang="en-US" dirty="0" err="1"/>
               <a:t>rm</a:t>
             </a:r>
             <a:r>
-              <a:rPr lang="en-US" dirty="0" smtClean="0"/>
+              <a:rPr lang="en-US" dirty="0"/>
               <a:t>” remove (“-r” for recursive on directories)</a:t>
             </a:r>
           </a:p>
           <a:p>
             <a:r>
-              <a:rPr lang="en-US" dirty="0" smtClean="0"/>
+              <a:rPr lang="en-US" dirty="0"/>
               <a:t>“man” manual for a specific command</a:t>
             </a:r>
-            <a:endParaRPr lang="en-US" dirty="0"/>
           </a:p>
         </p:txBody>
       </p:sp>
@@ -9239,13 +9380,6 @@
   <p:clrMapOvr>
     <a:masterClrMapping/>
   </p:clrMapOvr>
-  <p:timing>
-    <p:tnLst>
-      <p:par>
-        <p:cTn id="1" dur="indefinite" restart="never" nodeType="tmRoot"/>
-      </p:par>
-    </p:tnLst>
-  </p:timing>
 </p:sld>
 </file>
 
@@ -9276,124 +9410,123 @@
             <p:ph type="title"/>
           </p:nvPr>
         </p:nvSpPr>
-        <p:spPr/>
-        <p:txBody>
-          <a:bodyPr/>
-          <a:lstStyle/>
-          <a:p>
-            <a:r>
-              <a:rPr lang="en-US" dirty="0" smtClean="0"/>
-              <a:t>Cont.</a:t>
-            </a:r>
-            <a:endParaRPr lang="en-US" dirty="0"/>
-          </a:p>
-        </p:txBody>
-      </p:sp>
-      <p:sp>
-        <p:nvSpPr>
-          <p:cNvPr id="3" name="Content Placeholder 2"/>
-          <p:cNvSpPr>
-            <a:spLocks noGrp="1"/>
-          </p:cNvSpPr>
-          <p:nvPr>
-            <p:ph idx="1"/>
-          </p:nvPr>
-        </p:nvSpPr>
         <p:spPr>
           <a:xfrm>
-            <a:off x="838200" y="1825624"/>
-            <a:ext cx="10515600" cy="4831207"/>
+            <a:off x="838200" y="0"/>
+            <a:ext cx="10515600" cy="1325563"/>
           </a:xfrm>
         </p:spPr>
         <p:txBody>
+          <a:bodyPr/>
+          <a:lstStyle/>
+          <a:p>
+            <a:r>
+              <a:rPr lang="en-US" dirty="0"/>
+              <a:t>Cont.</a:t>
+            </a:r>
+          </a:p>
+        </p:txBody>
+      </p:sp>
+      <p:sp>
+        <p:nvSpPr>
+          <p:cNvPr id="3" name="Content Placeholder 2"/>
+          <p:cNvSpPr>
+            <a:spLocks noGrp="1"/>
+          </p:cNvSpPr>
+          <p:nvPr>
+            <p:ph idx="1"/>
+          </p:nvPr>
+        </p:nvSpPr>
+        <p:spPr>
+          <a:xfrm>
+            <a:off x="200297" y="1323703"/>
+            <a:ext cx="11153503" cy="5947953"/>
+          </a:xfrm>
+        </p:spPr>
+        <p:txBody>
           <a:bodyPr>
-            <a:normAutofit fontScale="70000" lnSpcReduction="20000"/>
+            <a:normAutofit lnSpcReduction="10000"/>
           </a:bodyPr>
           <a:lstStyle/>
           <a:p>
             <a:r>
-              <a:rPr lang="en-US" dirty="0" smtClean="0"/>
+              <a:rPr lang="en-US" sz="2800" dirty="0"/>
               <a:t>“echo” print input text</a:t>
             </a:r>
           </a:p>
           <a:p>
             <a:r>
-              <a:rPr lang="en-US" dirty="0" smtClean="0"/>
+              <a:rPr lang="en-US" sz="2800" dirty="0"/>
               <a:t>“cat” print content of file</a:t>
             </a:r>
           </a:p>
           <a:p>
             <a:r>
-              <a:rPr lang="en-US" dirty="0" smtClean="0"/>
+              <a:rPr lang="en-US" sz="2800" dirty="0"/>
               <a:t>“less” scrollable print of file</a:t>
             </a:r>
           </a:p>
           <a:p>
             <a:r>
-              <a:rPr lang="en-US" dirty="0" smtClean="0"/>
+              <a:rPr lang="en-US" sz="2800" dirty="0"/>
               <a:t>“&gt;” redirect to</a:t>
             </a:r>
           </a:p>
           <a:p>
             <a:r>
-              <a:rPr lang="en-US" dirty="0" smtClean="0"/>
+              <a:rPr lang="en-US" sz="2800" dirty="0"/>
               <a:t>“&gt;&gt;” append to</a:t>
             </a:r>
           </a:p>
           <a:p>
             <a:r>
-              <a:rPr lang="en-US" dirty="0" smtClean="0"/>
+              <a:rPr lang="en-US" sz="2800" dirty="0"/>
               <a:t>“|” pipe commands</a:t>
             </a:r>
           </a:p>
           <a:p>
             <a:r>
-              <a:rPr lang="en-US" dirty="0" smtClean="0"/>
+              <a:rPr lang="en-US" sz="2800" dirty="0"/>
               <a:t>“which” location of program</a:t>
             </a:r>
           </a:p>
           <a:p>
             <a:r>
-              <a:rPr lang="en-US" dirty="0" smtClean="0"/>
+              <a:rPr lang="en-US" sz="2800" dirty="0"/>
               <a:t>“$” resolve variables</a:t>
             </a:r>
           </a:p>
           <a:p>
             <a:r>
-              <a:rPr lang="en-US" dirty="0" smtClean="0"/>
+              <a:rPr lang="en-US" sz="2800" dirty="0"/>
               <a:t>“</a:t>
             </a:r>
             <a:r>
-              <a:rPr lang="en-US" dirty="0" err="1" smtClean="0"/>
+              <a:rPr lang="en-US" sz="2800" dirty="0" err="1"/>
               <a:t>wc</a:t>
             </a:r>
             <a:r>
-              <a:rPr lang="en-US" dirty="0" smtClean="0"/>
+              <a:rPr lang="en-US" sz="2800" dirty="0"/>
               <a:t>” word count</a:t>
             </a:r>
           </a:p>
           <a:p>
             <a:r>
-              <a:rPr lang="en-US" dirty="0" smtClean="0"/>
+              <a:rPr lang="en-US" sz="2800" dirty="0"/>
               <a:t>“find” files</a:t>
             </a:r>
           </a:p>
           <a:p>
             <a:r>
-              <a:rPr lang="en-US" dirty="0" smtClean="0"/>
+              <a:rPr lang="en-US" sz="2800" dirty="0"/>
               <a:t>“grep” extract based on regular expression</a:t>
             </a:r>
           </a:p>
           <a:p>
             <a:r>
-              <a:rPr lang="en-US" dirty="0" smtClean="0"/>
-              <a:t>“touch” </a:t>
-            </a:r>
-            <a:r>
-              <a:rPr lang="en-US" smtClean="0"/>
-              <a:t>modify access time of file, and create it if non-existent</a:t>
-            </a:r>
-            <a:endParaRPr lang="en-US" dirty="0"/>
+              <a:rPr lang="en-US" sz="2800" dirty="0"/>
+              <a:t>“touch” modify access time of file, and create it if non-existent</a:t>
+            </a:r>
           </a:p>
         </p:txBody>
       </p:sp>
@@ -9407,13 +9540,6 @@
   <p:clrMapOvr>
     <a:masterClrMapping/>
   </p:clrMapOvr>
-  <p:timing>
-    <p:tnLst>
-      <p:par>
-        <p:cTn id="1" dur="indefinite" restart="never" nodeType="tmRoot"/>
-      </p:par>
-    </p:tnLst>
-  </p:timing>
 </p:sld>
 </file>
 
